--- a/Resource-Allocation-in-Vehicular-Cloud-Computing-Systems-With-Heterogeneous-Vehicles-and-Roadside-Units/2019-01-08.pptx
+++ b/Resource-Allocation-in-Vehicular-Cloud-Computing-Systems-With-Heterogeneous-Vehicles-and-Roadside-Units/2019-01-08.pptx
@@ -5,7 +5,7 @@
     <p:sldMasterId id="2147483648" r:id="rId1"/>
   </p:sldMasterIdLst>
   <p:notesMasterIdLst>
-    <p:notesMasterId r:id="rId12"/>
+    <p:notesMasterId r:id="rId13"/>
   </p:notesMasterIdLst>
   <p:sldIdLst>
     <p:sldId id="259" r:id="rId2"/>
@@ -15,9 +15,10 @@
     <p:sldId id="303" r:id="rId6"/>
     <p:sldId id="304" r:id="rId7"/>
     <p:sldId id="305" r:id="rId8"/>
-    <p:sldId id="301" r:id="rId9"/>
-    <p:sldId id="302" r:id="rId10"/>
-    <p:sldId id="272" r:id="rId11"/>
+    <p:sldId id="306" r:id="rId9"/>
+    <p:sldId id="301" r:id="rId10"/>
+    <p:sldId id="302" r:id="rId11"/>
+    <p:sldId id="272" r:id="rId12"/>
   </p:sldIdLst>
   <p:sldSz cx="12192000" cy="6858000"/>
   <p:notesSz cx="6858000" cy="9144000"/>
@@ -611,6 +612,67 @@
 </p:notes>
 </file>
 
+<file path=ppt/notesSlides/notesSlide10.xml><?xml version="1.0" encoding="utf-8"?>
+<p:notes xmlns:a="http://schemas.openxmlformats.org/drawingml/2006/main" xmlns:r="http://schemas.openxmlformats.org/officeDocument/2006/relationships" xmlns:p="http://schemas.openxmlformats.org/presentationml/2006/main">
+  <p:cSld>
+    <p:spTree>
+      <p:nvGrpSpPr>
+        <p:cNvPr id="1" name=""/>
+        <p:cNvGrpSpPr/>
+        <p:nvPr/>
+      </p:nvGrpSpPr>
+      <p:grpSpPr>
+        <a:xfrm>
+          <a:off x="0" y="0"/>
+          <a:ext cx="0" cy="0"/>
+          <a:chOff x="0" y="0"/>
+          <a:chExt cx="0" cy="0"/>
+        </a:xfrm>
+      </p:grpSpPr>
+      <p:sp>
+        <p:nvSpPr>
+          <p:cNvPr id="2" name="幻灯片图像占位符 1"/>
+          <p:cNvSpPr>
+            <a:spLocks noGrp="1" noRot="1" noChangeAspect="1"/>
+          </p:cNvSpPr>
+          <p:nvPr>
+            <p:ph type="sldImg" idx="2"/>
+          </p:nvPr>
+        </p:nvSpPr>
+        <p:spPr/>
+      </p:sp>
+      <p:sp>
+        <p:nvSpPr>
+          <p:cNvPr id="3" name="文本占位符 2"/>
+          <p:cNvSpPr>
+            <a:spLocks noGrp="1"/>
+          </p:cNvSpPr>
+          <p:nvPr>
+            <p:ph type="body" idx="3"/>
+          </p:nvPr>
+        </p:nvSpPr>
+        <p:spPr/>
+        <p:txBody>
+          <a:bodyPr/>
+          <a:lstStyle/>
+          <a:p>
+            <a:endParaRPr lang="zh-CN" altLang="en-US"/>
+          </a:p>
+        </p:txBody>
+      </p:sp>
+    </p:spTree>
+    <p:extLst>
+      <p:ext uri="{BB962C8B-B14F-4D97-AF65-F5344CB8AC3E}">
+        <p14:creationId xmlns:p14="http://schemas.microsoft.com/office/powerpoint/2010/main" val="1400754610"/>
+      </p:ext>
+    </p:extLst>
+  </p:cSld>
+  <p:clrMapOvr>
+    <a:masterClrMapping/>
+  </p:clrMapOvr>
+</p:notes>
+</file>
+
 <file path=ppt/notesSlides/notesSlide2.xml><?xml version="1.0" encoding="utf-8"?>
 <p:notes xmlns:a="http://schemas.openxmlformats.org/drawingml/2006/main" xmlns:r="http://schemas.openxmlformats.org/officeDocument/2006/relationships" xmlns:p="http://schemas.openxmlformats.org/presentationml/2006/main">
   <p:cSld>
@@ -1908,6 +1970,30 @@
               <a:tabLst/>
               <a:defRPr/>
             </a:pPr>
+            <a:r>
+              <a:rPr lang="el-GR" altLang="zh-CN" smtClean="0"/>
+              <a:t>Δ2</a:t>
+            </a:r>
+            <a:r>
+              <a:rPr lang="zh-CN" altLang="en-US" smtClean="0"/>
+              <a:t>为</a:t>
+            </a:r>
+            <a:r>
+              <a:rPr lang="en-US" altLang="zh-CN" smtClean="0"/>
+              <a:t>VC</a:t>
+            </a:r>
+            <a:r>
+              <a:rPr lang="zh-CN" altLang="en-US" smtClean="0"/>
+              <a:t>和</a:t>
+            </a:r>
+            <a:r>
+              <a:rPr lang="en-US" altLang="zh-CN" smtClean="0"/>
+              <a:t>RC</a:t>
+            </a:r>
+            <a:r>
+              <a:rPr lang="zh-CN" altLang="en-US" smtClean="0"/>
+              <a:t>之间传输时延</a:t>
+            </a:r>
             <a:endParaRPr lang="en-US" altLang="zh-CN" smtClean="0"/>
           </a:p>
           <a:p>
@@ -1929,28 +2015,8 @@
               <a:defRPr/>
             </a:pPr>
             <a:r>
-              <a:rPr lang="el-GR" altLang="zh-CN" smtClean="0"/>
-              <a:t>Δ2</a:t>
-            </a:r>
-            <a:r>
               <a:rPr lang="zh-CN" altLang="en-US" smtClean="0"/>
-              <a:t>为</a:t>
-            </a:r>
-            <a:r>
-              <a:rPr lang="en-US" altLang="zh-CN" smtClean="0"/>
-              <a:t>VC</a:t>
-            </a:r>
-            <a:r>
-              <a:rPr lang="zh-CN" altLang="en-US" smtClean="0"/>
-              <a:t>和</a:t>
-            </a:r>
-            <a:r>
-              <a:rPr lang="en-US" altLang="zh-CN" smtClean="0"/>
-              <a:t>RC</a:t>
-            </a:r>
-            <a:r>
-              <a:rPr lang="zh-CN" altLang="en-US" smtClean="0"/>
-              <a:t>之间传输时延</a:t>
+              <a:t>当一个服务完成或者一个车辆进入系统时没有收益</a:t>
             </a:r>
             <a:endParaRPr lang="en-US" altLang="zh-CN" smtClean="0"/>
           </a:p>
@@ -1974,7 +2040,15 @@
             </a:pPr>
             <a:r>
               <a:rPr lang="zh-CN" altLang="en-US" smtClean="0"/>
-              <a:t>当一个服务完成或者一个车辆进入系统时没有收益</a:t>
+              <a:t>当车离开并且有空闲的</a:t>
+            </a:r>
+            <a:r>
+              <a:rPr lang="en-US" altLang="zh-CN" smtClean="0"/>
+              <a:t>RU</a:t>
+            </a:r>
+            <a:r>
+              <a:rPr lang="zh-CN" altLang="en-US" smtClean="0"/>
+              <a:t>资源时没有收益</a:t>
             </a:r>
             <a:endParaRPr lang="en-US" altLang="zh-CN" smtClean="0"/>
           </a:p>
@@ -1996,31 +2070,11 @@
               <a:tabLst/>
               <a:defRPr/>
             </a:pPr>
+            <a:r>
+              <a:rPr lang="zh-CN" altLang="en-US" smtClean="0"/>
+              <a:t>当车离开并且没有空闲资源时，这时说明车离开会有任务结果丢失，因此要进行补偿</a:t>
+            </a:r>
             <a:endParaRPr lang="en-US" altLang="zh-CN" smtClean="0"/>
-          </a:p>
-          <a:p>
-            <a:pPr marL="0" marR="0" lvl="0" indent="0" algn="l" defTabSz="914400" rtl="0" eaLnBrk="1" fontAlgn="auto" latinLnBrk="0" hangingPunct="1">
-              <a:lnSpc>
-                <a:spcPct val="100000"/>
-              </a:lnSpc>
-              <a:spcBef>
-                <a:spcPts val="0"/>
-              </a:spcBef>
-              <a:spcAft>
-                <a:spcPts val="0"/>
-              </a:spcAft>
-              <a:buClrTx/>
-              <a:buSzTx/>
-              <a:buFontTx/>
-              <a:buNone/>
-              <a:tabLst/>
-              <a:defRPr/>
-            </a:pPr>
-            <a:r>
-              <a:rPr lang="en-US" altLang="zh-CN" smtClean="0"/>
-              <a:t>a service leaves the system or a vehicle joins the system</a:t>
-            </a:r>
-            <a:endParaRPr lang="zh-CN" altLang="en-US" smtClean="0"/>
           </a:p>
         </p:txBody>
       </p:sp>
@@ -2081,14 +2135,31 @@
           <a:bodyPr/>
           <a:lstStyle/>
           <a:p>
-            <a:endParaRPr lang="zh-CN" altLang="en-US"/>
+            <a:pPr marL="0" marR="0" lvl="0" indent="0" algn="l" defTabSz="914400" rtl="0" eaLnBrk="1" fontAlgn="auto" latinLnBrk="0" hangingPunct="1">
+              <a:lnSpc>
+                <a:spcPct val="100000"/>
+              </a:lnSpc>
+              <a:spcBef>
+                <a:spcPts val="0"/>
+              </a:spcBef>
+              <a:spcAft>
+                <a:spcPts val="0"/>
+              </a:spcAft>
+              <a:buClrTx/>
+              <a:buSzTx/>
+              <a:buFontTx/>
+              <a:buNone/>
+              <a:tabLst/>
+              <a:defRPr/>
+            </a:pPr>
+            <a:endParaRPr lang="en-US" altLang="zh-CN" smtClean="0"/>
           </a:p>
         </p:txBody>
       </p:sp>
     </p:spTree>
     <p:extLst>
       <p:ext uri="{BB962C8B-B14F-4D97-AF65-F5344CB8AC3E}">
-        <p14:creationId xmlns:p14="http://schemas.microsoft.com/office/powerpoint/2010/main" val="1534657367"/>
+        <p14:creationId xmlns:p14="http://schemas.microsoft.com/office/powerpoint/2010/main" val="2301822676"/>
       </p:ext>
     </p:extLst>
   </p:cSld>
@@ -2149,7 +2220,7 @@
     </p:spTree>
     <p:extLst>
       <p:ext uri="{BB962C8B-B14F-4D97-AF65-F5344CB8AC3E}">
-        <p14:creationId xmlns:p14="http://schemas.microsoft.com/office/powerpoint/2010/main" val="1400754610"/>
+        <p14:creationId xmlns:p14="http://schemas.microsoft.com/office/powerpoint/2010/main" val="1534657367"/>
       </p:ext>
     </p:extLst>
   </p:cSld>
@@ -5922,18 +5993,7 @@
                 <a:ea typeface="微软雅黑" panose="020B0503020204020204" pitchFamily="34" charset="-122"/>
                 <a:sym typeface="微软雅黑" panose="020B0503020204020204" pitchFamily="34" charset="-122"/>
               </a:rPr>
-              <a:t>An SMDP-Based Resource Allocation in Vehicular Cloud </a:t>
-            </a:r>
-            <a:r>
-              <a:rPr lang="en-US" sz="2800" b="1">
-                <a:solidFill>
-                  <a:srgbClr val="000000"/>
-                </a:solidFill>
-                <a:latin typeface="微软雅黑" panose="020B0503020204020204" pitchFamily="34" charset="-122"/>
-                <a:ea typeface="微软雅黑" panose="020B0503020204020204" pitchFamily="34" charset="-122"/>
-                <a:sym typeface="微软雅黑" panose="020B0503020204020204" pitchFamily="34" charset="-122"/>
-              </a:rPr>
-              <a:t>Computing </a:t>
+              <a:t>An SMDP-Based Resource Allocation in Vehicular Cloud Computing </a:t>
             </a:r>
             <a:r>
               <a:rPr lang="en-US" sz="2800" b="1" smtClean="0">
@@ -6067,6 +6127,856 @@
 </file>
 
 <file path=ppt/slides/slide10.xml><?xml version="1.0" encoding="utf-8"?>
+<p:sld xmlns:a="http://schemas.openxmlformats.org/drawingml/2006/main" xmlns:r="http://schemas.openxmlformats.org/officeDocument/2006/relationships" xmlns:p="http://schemas.openxmlformats.org/presentationml/2006/main">
+  <p:cSld>
+    <p:spTree>
+      <p:nvGrpSpPr>
+        <p:cNvPr id="1" name=""/>
+        <p:cNvGrpSpPr/>
+        <p:nvPr/>
+      </p:nvGrpSpPr>
+      <p:grpSpPr>
+        <a:xfrm>
+          <a:off x="0" y="0"/>
+          <a:ext cx="0" cy="0"/>
+          <a:chOff x="0" y="0"/>
+          <a:chExt cx="0" cy="0"/>
+        </a:xfrm>
+      </p:grpSpPr>
+      <p:pic>
+        <p:nvPicPr>
+          <p:cNvPr id="5122" name="图片 1"/>
+          <p:cNvPicPr>
+            <a:picLocks noChangeAspect="1" noChangeArrowheads="1"/>
+          </p:cNvPicPr>
+          <p:nvPr/>
+        </p:nvPicPr>
+        <p:blipFill>
+          <a:blip r:embed="rId3">
+            <a:extLst>
+              <a:ext uri="{28A0092B-C50C-407E-A947-70E740481C1C}">
+                <a14:useLocalDpi xmlns:a14="http://schemas.microsoft.com/office/drawing/2010/main" val="0"/>
+              </a:ext>
+            </a:extLst>
+          </a:blip>
+          <a:srcRect/>
+          <a:stretch>
+            <a:fillRect/>
+          </a:stretch>
+        </p:blipFill>
+        <p:spPr bwMode="auto">
+          <a:xfrm>
+            <a:off x="0" y="0"/>
+            <a:ext cx="12192000" cy="6858000"/>
+          </a:xfrm>
+          <a:prstGeom prst="rect">
+            <a:avLst/>
+          </a:prstGeom>
+          <a:noFill/>
+          <a:ln>
+            <a:noFill/>
+          </a:ln>
+          <a:extLst>
+            <a:ext uri="{909E8E84-426E-40DD-AFC4-6F175D3DCCD1}">
+              <a14:hiddenFill xmlns:a14="http://schemas.microsoft.com/office/drawing/2010/main">
+                <a:solidFill>
+                  <a:srgbClr val="FFFFFF"/>
+                </a:solidFill>
+              </a14:hiddenFill>
+            </a:ext>
+            <a:ext uri="{91240B29-F687-4F45-9708-019B960494DF}">
+              <a14:hiddenLine xmlns:a14="http://schemas.microsoft.com/office/drawing/2010/main" w="9525">
+                <a:solidFill>
+                  <a:srgbClr val="000000"/>
+                </a:solidFill>
+                <a:miter lim="800000"/>
+                <a:headEnd/>
+                <a:tailEnd/>
+              </a14:hiddenLine>
+            </a:ext>
+          </a:extLst>
+        </p:spPr>
+      </p:pic>
+      <p:sp>
+        <p:nvSpPr>
+          <p:cNvPr id="5124" name="平行四边形 14"/>
+          <p:cNvSpPr>
+            <a:spLocks noChangeArrowheads="1"/>
+          </p:cNvSpPr>
+          <p:nvPr/>
+        </p:nvSpPr>
+        <p:spPr bwMode="auto">
+          <a:xfrm>
+            <a:off x="728662" y="905284"/>
+            <a:ext cx="10734675" cy="5732145"/>
+          </a:xfrm>
+          <a:prstGeom prst="parallelogram">
+            <a:avLst>
+              <a:gd name="adj" fmla="val 0"/>
+            </a:avLst>
+          </a:prstGeom>
+          <a:noFill/>
+          <a:ln w="12700">
+            <a:solidFill>
+              <a:srgbClr val="3B87D5"/>
+            </a:solidFill>
+            <a:bevel/>
+          </a:ln>
+          <a:extLst>
+            <a:ext uri="{909E8E84-426E-40DD-AFC4-6F175D3DCCD1}">
+              <a14:hiddenFill xmlns:a14="http://schemas.microsoft.com/office/drawing/2010/main">
+                <a:solidFill>
+                  <a:srgbClr val="FFFFFF"/>
+                </a:solidFill>
+              </a14:hiddenFill>
+            </a:ext>
+          </a:extLst>
+        </p:spPr>
+        <p:txBody>
+          <a:bodyPr anchor="ctr"/>
+          <a:lstStyle/>
+          <a:p>
+            <a:pPr algn="ctr"/>
+            <a:endParaRPr lang="zh-CN" altLang="zh-CN">
+              <a:solidFill>
+                <a:srgbClr val="FFFFFF"/>
+              </a:solidFill>
+              <a:latin typeface="宋体" panose="02010600030101010101" pitchFamily="2" charset="-122"/>
+              <a:sym typeface="宋体" panose="02010600030101010101" pitchFamily="2" charset="-122"/>
+            </a:endParaRPr>
+          </a:p>
+        </p:txBody>
+      </p:sp>
+      <p:grpSp>
+        <p:nvGrpSpPr>
+          <p:cNvPr id="5129" name="Group 15"/>
+          <p:cNvGrpSpPr/>
+          <p:nvPr/>
+        </p:nvGrpSpPr>
+        <p:grpSpPr bwMode="auto">
+          <a:xfrm>
+            <a:off x="11610975" y="184150"/>
+            <a:ext cx="581025" cy="596900"/>
+            <a:chOff x="0" y="0"/>
+            <a:chExt cx="1027113" cy="1057275"/>
+          </a:xfrm>
+        </p:grpSpPr>
+        <p:sp>
+          <p:nvSpPr>
+            <p:cNvPr id="5131" name="Freeform 40"/>
+            <p:cNvSpPr>
+              <a:spLocks noChangeArrowheads="1"/>
+            </p:cNvSpPr>
+            <p:nvPr/>
+          </p:nvSpPr>
+          <p:spPr bwMode="auto">
+            <a:xfrm flipH="1">
+              <a:off x="76200" y="90487"/>
+              <a:ext cx="950913" cy="966788"/>
+            </a:xfrm>
+            <a:custGeom>
+              <a:avLst/>
+              <a:gdLst>
+                <a:gd name="T0" fmla="*/ 2147483647 w 367"/>
+                <a:gd name="T1" fmla="*/ 0 h 373"/>
+                <a:gd name="T2" fmla="*/ 0 w 367"/>
+                <a:gd name="T3" fmla="*/ 2147483647 h 373"/>
+                <a:gd name="T4" fmla="*/ 0 w 367"/>
+                <a:gd name="T5" fmla="*/ 2147483647 h 373"/>
+                <a:gd name="T6" fmla="*/ 2147483647 w 367"/>
+                <a:gd name="T7" fmla="*/ 2147483647 h 373"/>
+                <a:gd name="T8" fmla="*/ 2147483647 w 367"/>
+                <a:gd name="T9" fmla="*/ 2147483647 h 373"/>
+                <a:gd name="T10" fmla="*/ 2147483647 w 367"/>
+                <a:gd name="T11" fmla="*/ 2147483647 h 373"/>
+                <a:gd name="T12" fmla="*/ 2147483647 w 367"/>
+                <a:gd name="T13" fmla="*/ 2147483647 h 373"/>
+                <a:gd name="T14" fmla="*/ 2147483647 w 367"/>
+                <a:gd name="T15" fmla="*/ 0 h 373"/>
+                <a:gd name="T16" fmla="*/ 0 60000 65536"/>
+                <a:gd name="T17" fmla="*/ 0 60000 65536"/>
+                <a:gd name="T18" fmla="*/ 0 60000 65536"/>
+                <a:gd name="T19" fmla="*/ 0 60000 65536"/>
+                <a:gd name="T20" fmla="*/ 0 60000 65536"/>
+                <a:gd name="T21" fmla="*/ 0 60000 65536"/>
+                <a:gd name="T22" fmla="*/ 0 60000 65536"/>
+                <a:gd name="T23" fmla="*/ 0 60000 65536"/>
+                <a:gd name="T24" fmla="*/ 0 w 367"/>
+                <a:gd name="T25" fmla="*/ 0 h 373"/>
+                <a:gd name="T26" fmla="*/ 367 w 367"/>
+                <a:gd name="T27" fmla="*/ 373 h 373"/>
+              </a:gdLst>
+              <a:ahLst/>
+              <a:cxnLst>
+                <a:cxn ang="T16">
+                  <a:pos x="T0" y="T1"/>
+                </a:cxn>
+                <a:cxn ang="T17">
+                  <a:pos x="T2" y="T3"/>
+                </a:cxn>
+                <a:cxn ang="T18">
+                  <a:pos x="T4" y="T5"/>
+                </a:cxn>
+                <a:cxn ang="T19">
+                  <a:pos x="T6" y="T7"/>
+                </a:cxn>
+                <a:cxn ang="T20">
+                  <a:pos x="T8" y="T9"/>
+                </a:cxn>
+                <a:cxn ang="T21">
+                  <a:pos x="T10" y="T11"/>
+                </a:cxn>
+                <a:cxn ang="T22">
+                  <a:pos x="T12" y="T13"/>
+                </a:cxn>
+                <a:cxn ang="T23">
+                  <a:pos x="T14" y="T15"/>
+                </a:cxn>
+              </a:cxnLst>
+              <a:rect l="T24" t="T25" r="T26" b="T27"/>
+              <a:pathLst>
+                <a:path w="367" h="373">
+                  <a:moveTo>
+                    <a:pt x="181" y="0"/>
+                  </a:moveTo>
+                  <a:cubicBezTo>
+                    <a:pt x="0" y="180"/>
+                    <a:pt x="0" y="180"/>
+                    <a:pt x="0" y="180"/>
+                  </a:cubicBezTo>
+                  <a:cubicBezTo>
+                    <a:pt x="0" y="333"/>
+                    <a:pt x="0" y="333"/>
+                    <a:pt x="0" y="333"/>
+                  </a:cubicBezTo>
+                  <a:cubicBezTo>
+                    <a:pt x="0" y="355"/>
+                    <a:pt x="18" y="373"/>
+                    <a:pt x="40" y="373"/>
+                  </a:cubicBezTo>
+                  <a:cubicBezTo>
+                    <a:pt x="168" y="373"/>
+                    <a:pt x="168" y="373"/>
+                    <a:pt x="168" y="373"/>
+                  </a:cubicBezTo>
+                  <a:cubicBezTo>
+                    <a:pt x="367" y="174"/>
+                    <a:pt x="367" y="174"/>
+                    <a:pt x="367" y="174"/>
+                  </a:cubicBezTo>
+                  <a:cubicBezTo>
+                    <a:pt x="350" y="16"/>
+                    <a:pt x="350" y="16"/>
+                    <a:pt x="350" y="16"/>
+                  </a:cubicBezTo>
+                  <a:cubicBezTo>
+                    <a:pt x="181" y="0"/>
+                    <a:pt x="181" y="0"/>
+                    <a:pt x="181" y="0"/>
+                  </a:cubicBezTo>
+                </a:path>
+              </a:pathLst>
+            </a:custGeom>
+            <a:solidFill>
+              <a:srgbClr val="3B87D5"/>
+            </a:solidFill>
+            <a:ln>
+              <a:noFill/>
+            </a:ln>
+            <a:extLst>
+              <a:ext uri="{91240B29-F687-4F45-9708-019B960494DF}">
+                <a14:hiddenLine xmlns:a14="http://schemas.microsoft.com/office/drawing/2010/main" w="9525">
+                  <a:solidFill>
+                    <a:srgbClr val="000000"/>
+                  </a:solidFill>
+                  <a:bevel/>
+                </a14:hiddenLine>
+              </a:ext>
+            </a:extLst>
+          </p:spPr>
+          <p:txBody>
+            <a:bodyPr/>
+            <a:lstStyle/>
+            <a:p>
+              <a:endParaRPr lang="zh-CN" altLang="en-US"/>
+            </a:p>
+          </p:txBody>
+        </p:sp>
+        <p:sp>
+          <p:nvSpPr>
+            <p:cNvPr id="5132" name="Freeform 41"/>
+            <p:cNvSpPr>
+              <a:spLocks noEditPoints="1" noChangeArrowheads="1"/>
+            </p:cNvSpPr>
+            <p:nvPr/>
+          </p:nvSpPr>
+          <p:spPr bwMode="auto">
+            <a:xfrm>
+              <a:off x="0" y="0"/>
+              <a:ext cx="663575" cy="663575"/>
+            </a:xfrm>
+            <a:custGeom>
+              <a:avLst/>
+              <a:gdLst>
+                <a:gd name="T0" fmla="*/ 2147483647 w 256"/>
+                <a:gd name="T1" fmla="*/ 0 h 256"/>
+                <a:gd name="T2" fmla="*/ 0 w 256"/>
+                <a:gd name="T3" fmla="*/ 2147483647 h 256"/>
+                <a:gd name="T4" fmla="*/ 2147483647 w 256"/>
+                <a:gd name="T5" fmla="*/ 2147483647 h 256"/>
+                <a:gd name="T6" fmla="*/ 2147483647 w 256"/>
+                <a:gd name="T7" fmla="*/ 2147483647 h 256"/>
+                <a:gd name="T8" fmla="*/ 2147483647 w 256"/>
+                <a:gd name="T9" fmla="*/ 0 h 256"/>
+                <a:gd name="T10" fmla="*/ 2147483647 w 256"/>
+                <a:gd name="T11" fmla="*/ 2147483647 h 256"/>
+                <a:gd name="T12" fmla="*/ 2147483647 w 256"/>
+                <a:gd name="T13" fmla="*/ 2147483647 h 256"/>
+                <a:gd name="T14" fmla="*/ 2147483647 w 256"/>
+                <a:gd name="T15" fmla="*/ 2147483647 h 256"/>
+                <a:gd name="T16" fmla="*/ 2147483647 w 256"/>
+                <a:gd name="T17" fmla="*/ 2147483647 h 256"/>
+                <a:gd name="T18" fmla="*/ 2147483647 w 256"/>
+                <a:gd name="T19" fmla="*/ 2147483647 h 256"/>
+                <a:gd name="T20" fmla="*/ 2147483647 w 256"/>
+                <a:gd name="T21" fmla="*/ 2147483647 h 256"/>
+                <a:gd name="T22" fmla="*/ 2147483647 w 256"/>
+                <a:gd name="T23" fmla="*/ 2147483647 h 256"/>
+                <a:gd name="T24" fmla="*/ 2147483647 w 256"/>
+                <a:gd name="T25" fmla="*/ 2147483647 h 256"/>
+                <a:gd name="T26" fmla="*/ 2147483647 w 256"/>
+                <a:gd name="T27" fmla="*/ 2147483647 h 256"/>
+                <a:gd name="T28" fmla="*/ 2147483647 w 256"/>
+                <a:gd name="T29" fmla="*/ 2147483647 h 256"/>
+                <a:gd name="T30" fmla="*/ 2147483647 w 256"/>
+                <a:gd name="T31" fmla="*/ 2147483647 h 256"/>
+                <a:gd name="T32" fmla="*/ 2147483647 w 256"/>
+                <a:gd name="T33" fmla="*/ 2147483647 h 256"/>
+                <a:gd name="T34" fmla="*/ 2147483647 w 256"/>
+                <a:gd name="T35" fmla="*/ 2147483647 h 256"/>
+                <a:gd name="T36" fmla="*/ 2147483647 w 256"/>
+                <a:gd name="T37" fmla="*/ 2147483647 h 256"/>
+                <a:gd name="T38" fmla="*/ 2147483647 w 256"/>
+                <a:gd name="T39" fmla="*/ 2147483647 h 256"/>
+                <a:gd name="T40" fmla="*/ 2147483647 w 256"/>
+                <a:gd name="T41" fmla="*/ 2147483647 h 256"/>
+                <a:gd name="T42" fmla="*/ 2147483647 w 256"/>
+                <a:gd name="T43" fmla="*/ 2147483647 h 256"/>
+                <a:gd name="T44" fmla="*/ 2147483647 w 256"/>
+                <a:gd name="T45" fmla="*/ 2147483647 h 256"/>
+                <a:gd name="T46" fmla="*/ 2147483647 w 256"/>
+                <a:gd name="T47" fmla="*/ 2147483647 h 256"/>
+                <a:gd name="T48" fmla="*/ 2147483647 w 256"/>
+                <a:gd name="T49" fmla="*/ 2147483647 h 256"/>
+                <a:gd name="T50" fmla="*/ 2147483647 w 256"/>
+                <a:gd name="T51" fmla="*/ 2147483647 h 256"/>
+                <a:gd name="T52" fmla="*/ 2147483647 w 256"/>
+                <a:gd name="T53" fmla="*/ 2147483647 h 256"/>
+                <a:gd name="T54" fmla="*/ 2147483647 w 256"/>
+                <a:gd name="T55" fmla="*/ 2147483647 h 256"/>
+                <a:gd name="T56" fmla="*/ 2147483647 w 256"/>
+                <a:gd name="T57" fmla="*/ 2147483647 h 256"/>
+                <a:gd name="T58" fmla="*/ 2147483647 w 256"/>
+                <a:gd name="T59" fmla="*/ 2147483647 h 256"/>
+                <a:gd name="T60" fmla="*/ 2147483647 w 256"/>
+                <a:gd name="T61" fmla="*/ 2147483647 h 256"/>
+                <a:gd name="T62" fmla="*/ 2147483647 w 256"/>
+                <a:gd name="T63" fmla="*/ 2147483647 h 256"/>
+                <a:gd name="T64" fmla="*/ 2147483647 w 256"/>
+                <a:gd name="T65" fmla="*/ 2147483647 h 256"/>
+                <a:gd name="T66" fmla="*/ 2147483647 w 256"/>
+                <a:gd name="T67" fmla="*/ 2147483647 h 256"/>
+                <a:gd name="T68" fmla="*/ 2147483647 w 256"/>
+                <a:gd name="T69" fmla="*/ 2147483647 h 256"/>
+                <a:gd name="T70" fmla="*/ 2147483647 w 256"/>
+                <a:gd name="T71" fmla="*/ 2147483647 h 256"/>
+                <a:gd name="T72" fmla="*/ 2147483647 w 256"/>
+                <a:gd name="T73" fmla="*/ 2147483647 h 256"/>
+                <a:gd name="T74" fmla="*/ 2147483647 w 256"/>
+                <a:gd name="T75" fmla="*/ 2147483647 h 256"/>
+                <a:gd name="T76" fmla="*/ 2147483647 w 256"/>
+                <a:gd name="T77" fmla="*/ 2147483647 h 256"/>
+                <a:gd name="T78" fmla="*/ 2147483647 w 256"/>
+                <a:gd name="T79" fmla="*/ 2147483647 h 256"/>
+                <a:gd name="T80" fmla="*/ 2147483647 w 256"/>
+                <a:gd name="T81" fmla="*/ 2147483647 h 256"/>
+                <a:gd name="T82" fmla="*/ 2147483647 w 256"/>
+                <a:gd name="T83" fmla="*/ 2147483647 h 256"/>
+                <a:gd name="T84" fmla="*/ 0 60000 65536"/>
+                <a:gd name="T85" fmla="*/ 0 60000 65536"/>
+                <a:gd name="T86" fmla="*/ 0 60000 65536"/>
+                <a:gd name="T87" fmla="*/ 0 60000 65536"/>
+                <a:gd name="T88" fmla="*/ 0 60000 65536"/>
+                <a:gd name="T89" fmla="*/ 0 60000 65536"/>
+                <a:gd name="T90" fmla="*/ 0 60000 65536"/>
+                <a:gd name="T91" fmla="*/ 0 60000 65536"/>
+                <a:gd name="T92" fmla="*/ 0 60000 65536"/>
+                <a:gd name="T93" fmla="*/ 0 60000 65536"/>
+                <a:gd name="T94" fmla="*/ 0 60000 65536"/>
+                <a:gd name="T95" fmla="*/ 0 60000 65536"/>
+                <a:gd name="T96" fmla="*/ 0 60000 65536"/>
+                <a:gd name="T97" fmla="*/ 0 60000 65536"/>
+                <a:gd name="T98" fmla="*/ 0 60000 65536"/>
+                <a:gd name="T99" fmla="*/ 0 60000 65536"/>
+                <a:gd name="T100" fmla="*/ 0 60000 65536"/>
+                <a:gd name="T101" fmla="*/ 0 60000 65536"/>
+                <a:gd name="T102" fmla="*/ 0 60000 65536"/>
+                <a:gd name="T103" fmla="*/ 0 60000 65536"/>
+                <a:gd name="T104" fmla="*/ 0 60000 65536"/>
+                <a:gd name="T105" fmla="*/ 0 60000 65536"/>
+                <a:gd name="T106" fmla="*/ 0 60000 65536"/>
+                <a:gd name="T107" fmla="*/ 0 60000 65536"/>
+                <a:gd name="T108" fmla="*/ 0 60000 65536"/>
+                <a:gd name="T109" fmla="*/ 0 60000 65536"/>
+                <a:gd name="T110" fmla="*/ 0 60000 65536"/>
+                <a:gd name="T111" fmla="*/ 0 60000 65536"/>
+                <a:gd name="T112" fmla="*/ 0 60000 65536"/>
+                <a:gd name="T113" fmla="*/ 0 60000 65536"/>
+                <a:gd name="T114" fmla="*/ 0 60000 65536"/>
+                <a:gd name="T115" fmla="*/ 0 60000 65536"/>
+                <a:gd name="T116" fmla="*/ 0 60000 65536"/>
+                <a:gd name="T117" fmla="*/ 0 60000 65536"/>
+                <a:gd name="T118" fmla="*/ 0 60000 65536"/>
+                <a:gd name="T119" fmla="*/ 0 60000 65536"/>
+                <a:gd name="T120" fmla="*/ 0 60000 65536"/>
+                <a:gd name="T121" fmla="*/ 0 60000 65536"/>
+                <a:gd name="T122" fmla="*/ 0 60000 65536"/>
+                <a:gd name="T123" fmla="*/ 0 60000 65536"/>
+                <a:gd name="T124" fmla="*/ 0 60000 65536"/>
+                <a:gd name="T125" fmla="*/ 0 60000 65536"/>
+                <a:gd name="T126" fmla="*/ 0 w 256"/>
+                <a:gd name="T127" fmla="*/ 0 h 256"/>
+                <a:gd name="T128" fmla="*/ 256 w 256"/>
+                <a:gd name="T129" fmla="*/ 256 h 256"/>
+              </a:gdLst>
+              <a:ahLst/>
+              <a:cxnLst>
+                <a:cxn ang="T84">
+                  <a:pos x="T0" y="T1"/>
+                </a:cxn>
+                <a:cxn ang="T85">
+                  <a:pos x="T2" y="T3"/>
+                </a:cxn>
+                <a:cxn ang="T86">
+                  <a:pos x="T4" y="T5"/>
+                </a:cxn>
+                <a:cxn ang="T87">
+                  <a:pos x="T6" y="T7"/>
+                </a:cxn>
+                <a:cxn ang="T88">
+                  <a:pos x="T8" y="T9"/>
+                </a:cxn>
+                <a:cxn ang="T89">
+                  <a:pos x="T10" y="T11"/>
+                </a:cxn>
+                <a:cxn ang="T90">
+                  <a:pos x="T12" y="T13"/>
+                </a:cxn>
+                <a:cxn ang="T91">
+                  <a:pos x="T14" y="T15"/>
+                </a:cxn>
+                <a:cxn ang="T92">
+                  <a:pos x="T16" y="T17"/>
+                </a:cxn>
+                <a:cxn ang="T93">
+                  <a:pos x="T18" y="T19"/>
+                </a:cxn>
+                <a:cxn ang="T94">
+                  <a:pos x="T20" y="T21"/>
+                </a:cxn>
+                <a:cxn ang="T95">
+                  <a:pos x="T22" y="T23"/>
+                </a:cxn>
+                <a:cxn ang="T96">
+                  <a:pos x="T24" y="T25"/>
+                </a:cxn>
+                <a:cxn ang="T97">
+                  <a:pos x="T26" y="T27"/>
+                </a:cxn>
+                <a:cxn ang="T98">
+                  <a:pos x="T28" y="T29"/>
+                </a:cxn>
+                <a:cxn ang="T99">
+                  <a:pos x="T30" y="T31"/>
+                </a:cxn>
+                <a:cxn ang="T100">
+                  <a:pos x="T32" y="T33"/>
+                </a:cxn>
+                <a:cxn ang="T101">
+                  <a:pos x="T34" y="T35"/>
+                </a:cxn>
+                <a:cxn ang="T102">
+                  <a:pos x="T36" y="T37"/>
+                </a:cxn>
+                <a:cxn ang="T103">
+                  <a:pos x="T38" y="T39"/>
+                </a:cxn>
+                <a:cxn ang="T104">
+                  <a:pos x="T40" y="T41"/>
+                </a:cxn>
+                <a:cxn ang="T105">
+                  <a:pos x="T42" y="T43"/>
+                </a:cxn>
+                <a:cxn ang="T106">
+                  <a:pos x="T44" y="T45"/>
+                </a:cxn>
+                <a:cxn ang="T107">
+                  <a:pos x="T46" y="T47"/>
+                </a:cxn>
+                <a:cxn ang="T108">
+                  <a:pos x="T48" y="T49"/>
+                </a:cxn>
+                <a:cxn ang="T109">
+                  <a:pos x="T50" y="T51"/>
+                </a:cxn>
+                <a:cxn ang="T110">
+                  <a:pos x="T52" y="T53"/>
+                </a:cxn>
+                <a:cxn ang="T111">
+                  <a:pos x="T54" y="T55"/>
+                </a:cxn>
+                <a:cxn ang="T112">
+                  <a:pos x="T56" y="T57"/>
+                </a:cxn>
+                <a:cxn ang="T113">
+                  <a:pos x="T58" y="T59"/>
+                </a:cxn>
+                <a:cxn ang="T114">
+                  <a:pos x="T60" y="T61"/>
+                </a:cxn>
+                <a:cxn ang="T115">
+                  <a:pos x="T62" y="T63"/>
+                </a:cxn>
+                <a:cxn ang="T116">
+                  <a:pos x="T64" y="T65"/>
+                </a:cxn>
+                <a:cxn ang="T117">
+                  <a:pos x="T66" y="T67"/>
+                </a:cxn>
+                <a:cxn ang="T118">
+                  <a:pos x="T68" y="T69"/>
+                </a:cxn>
+                <a:cxn ang="T119">
+                  <a:pos x="T70" y="T71"/>
+                </a:cxn>
+                <a:cxn ang="T120">
+                  <a:pos x="T72" y="T73"/>
+                </a:cxn>
+                <a:cxn ang="T121">
+                  <a:pos x="T74" y="T75"/>
+                </a:cxn>
+                <a:cxn ang="T122">
+                  <a:pos x="T76" y="T77"/>
+                </a:cxn>
+                <a:cxn ang="T123">
+                  <a:pos x="T78" y="T79"/>
+                </a:cxn>
+                <a:cxn ang="T124">
+                  <a:pos x="T80" y="T81"/>
+                </a:cxn>
+                <a:cxn ang="T125">
+                  <a:pos x="T82" y="T83"/>
+                </a:cxn>
+              </a:cxnLst>
+              <a:rect l="T126" t="T127" r="T128" b="T129"/>
+              <a:pathLst>
+                <a:path w="256" h="256">
+                  <a:moveTo>
+                    <a:pt x="128" y="0"/>
+                  </a:moveTo>
+                  <a:cubicBezTo>
+                    <a:pt x="57" y="0"/>
+                    <a:pt x="0" y="57"/>
+                    <a:pt x="0" y="128"/>
+                  </a:cubicBezTo>
+                  <a:cubicBezTo>
+                    <a:pt x="0" y="199"/>
+                    <a:pt x="57" y="256"/>
+                    <a:pt x="128" y="256"/>
+                  </a:cubicBezTo>
+                  <a:cubicBezTo>
+                    <a:pt x="199" y="256"/>
+                    <a:pt x="256" y="199"/>
+                    <a:pt x="256" y="128"/>
+                  </a:cubicBezTo>
+                  <a:cubicBezTo>
+                    <a:pt x="256" y="57"/>
+                    <a:pt x="199" y="0"/>
+                    <a:pt x="128" y="0"/>
+                  </a:cubicBezTo>
+                  <a:close/>
+                  <a:moveTo>
+                    <a:pt x="135" y="200"/>
+                  </a:moveTo>
+                  <a:cubicBezTo>
+                    <a:pt x="119" y="200"/>
+                    <a:pt x="119" y="200"/>
+                    <a:pt x="119" y="200"/>
+                  </a:cubicBezTo>
+                  <a:cubicBezTo>
+                    <a:pt x="115" y="200"/>
+                    <a:pt x="112" y="196"/>
+                    <a:pt x="112" y="192"/>
+                  </a:cubicBezTo>
+                  <a:cubicBezTo>
+                    <a:pt x="111" y="176"/>
+                    <a:pt x="111" y="176"/>
+                    <a:pt x="111" y="176"/>
+                  </a:cubicBezTo>
+                  <a:cubicBezTo>
+                    <a:pt x="111" y="171"/>
+                    <a:pt x="115" y="168"/>
+                    <a:pt x="119" y="168"/>
+                  </a:cubicBezTo>
+                  <a:cubicBezTo>
+                    <a:pt x="135" y="168"/>
+                    <a:pt x="135" y="168"/>
+                    <a:pt x="135" y="168"/>
+                  </a:cubicBezTo>
+                  <a:cubicBezTo>
+                    <a:pt x="140" y="168"/>
+                    <a:pt x="143" y="172"/>
+                    <a:pt x="143" y="176"/>
+                  </a:cubicBezTo>
+                  <a:cubicBezTo>
+                    <a:pt x="144" y="192"/>
+                    <a:pt x="144" y="192"/>
+                    <a:pt x="144" y="192"/>
+                  </a:cubicBezTo>
+                  <a:cubicBezTo>
+                    <a:pt x="144" y="196"/>
+                    <a:pt x="140" y="200"/>
+                    <a:pt x="135" y="200"/>
+                  </a:cubicBezTo>
+                  <a:close/>
+                  <a:moveTo>
+                    <a:pt x="170" y="109"/>
+                  </a:moveTo>
+                  <a:cubicBezTo>
+                    <a:pt x="167" y="114"/>
+                    <a:pt x="162" y="119"/>
+                    <a:pt x="154" y="125"/>
+                  </a:cubicBezTo>
+                  <a:cubicBezTo>
+                    <a:pt x="148" y="130"/>
+                    <a:pt x="146" y="132"/>
+                    <a:pt x="145" y="132"/>
+                  </a:cubicBezTo>
+                  <a:cubicBezTo>
+                    <a:pt x="145" y="133"/>
+                    <a:pt x="144" y="134"/>
+                    <a:pt x="144" y="135"/>
+                  </a:cubicBezTo>
+                  <a:cubicBezTo>
+                    <a:pt x="143" y="136"/>
+                    <a:pt x="143" y="138"/>
+                    <a:pt x="143" y="144"/>
+                  </a:cubicBezTo>
+                  <a:cubicBezTo>
+                    <a:pt x="143" y="149"/>
+                    <a:pt x="139" y="152"/>
+                    <a:pt x="135" y="152"/>
+                  </a:cubicBezTo>
+                  <a:cubicBezTo>
+                    <a:pt x="120" y="152"/>
+                    <a:pt x="120" y="152"/>
+                    <a:pt x="120" y="152"/>
+                  </a:cubicBezTo>
+                  <a:cubicBezTo>
+                    <a:pt x="116" y="152"/>
+                    <a:pt x="112" y="149"/>
+                    <a:pt x="112" y="144"/>
+                  </a:cubicBezTo>
+                  <a:cubicBezTo>
+                    <a:pt x="112" y="140"/>
+                    <a:pt x="112" y="140"/>
+                    <a:pt x="112" y="140"/>
+                  </a:cubicBezTo>
+                  <a:cubicBezTo>
+                    <a:pt x="112" y="134"/>
+                    <a:pt x="113" y="129"/>
+                    <a:pt x="115" y="124"/>
+                  </a:cubicBezTo>
+                  <a:cubicBezTo>
+                    <a:pt x="117" y="120"/>
+                    <a:pt x="119" y="117"/>
+                    <a:pt x="123" y="113"/>
+                  </a:cubicBezTo>
+                  <a:cubicBezTo>
+                    <a:pt x="125" y="111"/>
+                    <a:pt x="129" y="108"/>
+                    <a:pt x="134" y="104"/>
+                  </a:cubicBezTo>
+                  <a:cubicBezTo>
+                    <a:pt x="141" y="99"/>
+                    <a:pt x="142" y="97"/>
+                    <a:pt x="143" y="96"/>
+                  </a:cubicBezTo>
+                  <a:cubicBezTo>
+                    <a:pt x="144" y="95"/>
+                    <a:pt x="144" y="94"/>
+                    <a:pt x="144" y="93"/>
+                  </a:cubicBezTo>
+                  <a:cubicBezTo>
+                    <a:pt x="144" y="92"/>
+                    <a:pt x="143" y="89"/>
+                    <a:pt x="140" y="86"/>
+                  </a:cubicBezTo>
+                  <a:cubicBezTo>
+                    <a:pt x="137" y="84"/>
+                    <a:pt x="132" y="83"/>
+                    <a:pt x="128" y="83"/>
+                  </a:cubicBezTo>
+                  <a:cubicBezTo>
+                    <a:pt x="124" y="83"/>
+                    <a:pt x="120" y="84"/>
+                    <a:pt x="117" y="86"/>
+                  </a:cubicBezTo>
+                  <a:cubicBezTo>
+                    <a:pt x="114" y="88"/>
+                    <a:pt x="112" y="92"/>
+                    <a:pt x="111" y="97"/>
+                  </a:cubicBezTo>
+                  <a:cubicBezTo>
+                    <a:pt x="111" y="101"/>
+                    <a:pt x="107" y="104"/>
+                    <a:pt x="103" y="104"/>
+                  </a:cubicBezTo>
+                  <a:cubicBezTo>
+                    <a:pt x="103" y="104"/>
+                    <a:pt x="103" y="104"/>
+                    <a:pt x="103" y="104"/>
+                  </a:cubicBezTo>
+                  <a:cubicBezTo>
+                    <a:pt x="87" y="102"/>
+                    <a:pt x="87" y="102"/>
+                    <a:pt x="87" y="102"/>
+                  </a:cubicBezTo>
+                  <a:cubicBezTo>
+                    <a:pt x="85" y="102"/>
+                    <a:pt x="83" y="101"/>
+                    <a:pt x="81" y="99"/>
+                  </a:cubicBezTo>
+                  <a:cubicBezTo>
+                    <a:pt x="80" y="97"/>
+                    <a:pt x="79" y="95"/>
+                    <a:pt x="80" y="93"/>
+                  </a:cubicBezTo>
+                  <a:cubicBezTo>
+                    <a:pt x="82" y="81"/>
+                    <a:pt x="87" y="72"/>
+                    <a:pt x="95" y="66"/>
+                  </a:cubicBezTo>
+                  <a:cubicBezTo>
+                    <a:pt x="104" y="59"/>
+                    <a:pt x="115" y="56"/>
+                    <a:pt x="128" y="56"/>
+                  </a:cubicBezTo>
+                  <a:cubicBezTo>
+                    <a:pt x="142" y="56"/>
+                    <a:pt x="153" y="60"/>
+                    <a:pt x="162" y="66"/>
+                  </a:cubicBezTo>
+                  <a:cubicBezTo>
+                    <a:pt x="171" y="73"/>
+                    <a:pt x="176" y="82"/>
+                    <a:pt x="176" y="92"/>
+                  </a:cubicBezTo>
+                  <a:cubicBezTo>
+                    <a:pt x="176" y="99"/>
+                    <a:pt x="174" y="104"/>
+                    <a:pt x="170" y="109"/>
+                  </a:cubicBezTo>
+                  <a:close/>
+                </a:path>
+              </a:pathLst>
+            </a:custGeom>
+            <a:solidFill>
+              <a:srgbClr val="FFFFFF"/>
+            </a:solidFill>
+            <a:ln>
+              <a:noFill/>
+            </a:ln>
+            <a:extLst>
+              <a:ext uri="{91240B29-F687-4F45-9708-019B960494DF}">
+                <a14:hiddenLine xmlns:a14="http://schemas.microsoft.com/office/drawing/2010/main" w="9525">
+                  <a:solidFill>
+                    <a:srgbClr val="000000"/>
+                  </a:solidFill>
+                  <a:bevel/>
+                </a14:hiddenLine>
+              </a:ext>
+            </a:extLst>
+          </p:spPr>
+          <p:txBody>
+            <a:bodyPr/>
+            <a:lstStyle/>
+            <a:p>
+              <a:endParaRPr lang="zh-CN" altLang="en-US"/>
+            </a:p>
+          </p:txBody>
+        </p:sp>
+      </p:grpSp>
+      <p:sp>
+        <p:nvSpPr>
+          <p:cNvPr id="5130" name="直接连接符 26"/>
+          <p:cNvSpPr>
+            <a:spLocks noChangeShapeType="1"/>
+          </p:cNvSpPr>
+          <p:nvPr/>
+        </p:nvSpPr>
+        <p:spPr bwMode="auto">
+          <a:xfrm flipH="1" flipV="1">
+            <a:off x="11350625" y="107950"/>
+            <a:ext cx="0" cy="633413"/>
+          </a:xfrm>
+          <a:prstGeom prst="line">
+            <a:avLst/>
+          </a:prstGeom>
+          <a:noFill/>
+          <a:ln w="28575">
+            <a:solidFill>
+              <a:schemeClr val="bg1"/>
+            </a:solidFill>
+            <a:bevel/>
+          </a:ln>
+          <a:extLst>
+            <a:ext uri="{909E8E84-426E-40DD-AFC4-6F175D3DCCD1}">
+              <a14:hiddenFill xmlns:a14="http://schemas.microsoft.com/office/drawing/2010/main">
+                <a:noFill/>
+              </a14:hiddenFill>
+            </a:ext>
+          </a:extLst>
+        </p:spPr>
+        <p:txBody>
+          <a:bodyPr/>
+          <a:lstStyle/>
+          <a:p>
+            <a:endParaRPr lang="zh-CN" altLang="en-US"/>
+          </a:p>
+        </p:txBody>
+      </p:sp>
+    </p:spTree>
+    <p:extLst>
+      <p:ext uri="{BB962C8B-B14F-4D97-AF65-F5344CB8AC3E}">
+        <p14:creationId xmlns:p14="http://schemas.microsoft.com/office/powerpoint/2010/main" val="938965259"/>
+      </p:ext>
+    </p:extLst>
+  </p:cSld>
+  <p:clrMapOvr>
+    <a:masterClrMapping/>
+  </p:clrMapOvr>
+  <p:timing>
+    <p:tnLst>
+      <p:par>
+        <p:cTn id="1" dur="indefinite" restart="never" nodeType="tmRoot"/>
+      </p:par>
+    </p:tnLst>
+  </p:timing>
+</p:sld>
+</file>
+
+<file path=ppt/slides/slide11.xml><?xml version="1.0" encoding="utf-8"?>
 <p:sld xmlns:a="http://schemas.openxmlformats.org/drawingml/2006/main" xmlns:r="http://schemas.openxmlformats.org/officeDocument/2006/relationships" xmlns:p="http://schemas.openxmlformats.org/presentationml/2006/main">
   <p:cSld>
     <p:spTree>
@@ -6563,15 +7473,7 @@
                 <a:ea typeface="+mn-ea"/>
                 <a:sym typeface="微软雅黑" panose="020B0503020204020204" pitchFamily="34" charset="-122"/>
               </a:rPr>
-              <a:t>An SMDP-Based Resource Allocation in Vehicular Cloud </a:t>
-            </a:r>
-            <a:r>
-              <a:rPr lang="en-US" altLang="zh-CN">
-                <a:latin typeface="+mn-ea"/>
-                <a:ea typeface="+mn-ea"/>
-                <a:sym typeface="微软雅黑" panose="020B0503020204020204" pitchFamily="34" charset="-122"/>
-              </a:rPr>
-              <a:t>Computing </a:t>
+              <a:t>An SMDP-Based Resource Allocation in Vehicular Cloud Computing </a:t>
             </a:r>
             <a:r>
               <a:rPr lang="en-US" altLang="zh-CN" smtClean="0">
@@ -6588,10 +7490,6 @@
               </a:rPr>
               <a:t>》</a:t>
             </a:r>
-            <a:endParaRPr lang="en-US" altLang="zh-CN" smtClean="0">
-              <a:latin typeface="+mn-ea"/>
-              <a:ea typeface="+mn-ea"/>
-            </a:endParaRPr>
           </a:p>
           <a:p>
             <a:pPr>
@@ -6611,14 +7509,7 @@
                 <a:latin typeface="+mn-ea"/>
                 <a:ea typeface="+mn-ea"/>
               </a:rPr>
-              <a:t>《IEEE Transactions on Industrial </a:t>
-            </a:r>
-            <a:r>
-              <a:rPr lang="en-US" altLang="zh-CN">
-                <a:latin typeface="+mn-ea"/>
-                <a:ea typeface="+mn-ea"/>
-              </a:rPr>
-              <a:t>Electronics</a:t>
+              <a:t>《IEEE Transactions on Industrial Electronics</a:t>
             </a:r>
             <a:r>
               <a:rPr lang="en-US" altLang="zh-CN" smtClean="0">
@@ -6632,14 +7523,7 @@
                 <a:latin typeface="+mn-ea"/>
                 <a:ea typeface="+mn-ea"/>
               </a:rPr>
-              <a:t>Dec</a:t>
-            </a:r>
-            <a:r>
-              <a:rPr lang="en-US" altLang="zh-CN">
-                <a:latin typeface="+mn-ea"/>
-                <a:ea typeface="+mn-ea"/>
-              </a:rPr>
-              <a:t>. </a:t>
+              <a:t>Dec. </a:t>
             </a:r>
             <a:r>
               <a:rPr lang="en-US" altLang="zh-CN" smtClean="0">
@@ -6670,13 +7554,7 @@
               <a:rPr lang="zh-CN" altLang="en-US">
                 <a:latin typeface="+mn-ea"/>
               </a:rPr>
-              <a:t>题目</a:t>
-            </a:r>
-            <a:r>
-              <a:rPr lang="zh-CN" altLang="en-US">
-                <a:latin typeface="+mn-ea"/>
-              </a:rPr>
-              <a:t>：</a:t>
+              <a:t>题目：</a:t>
             </a:r>
             <a:r>
               <a:rPr lang="en-US" altLang="zh-CN" smtClean="0">
@@ -6711,37 +7589,13 @@
               <a:rPr lang="zh-CN" altLang="en-US">
                 <a:latin typeface="+mn-ea"/>
               </a:rPr>
-              <a:t>期刊</a:t>
-            </a:r>
-            <a:r>
-              <a:rPr lang="zh-CN" altLang="en-US">
-                <a:latin typeface="+mn-ea"/>
-              </a:rPr>
-              <a:t>：</a:t>
+              <a:t>期刊：</a:t>
             </a:r>
             <a:r>
               <a:rPr lang="en-US" altLang="zh-CN">
                 <a:latin typeface="+mn-ea"/>
               </a:rPr>
-              <a:t>《IEEE Internet of Things Journal</a:t>
-            </a:r>
-            <a:r>
-              <a:rPr lang="en-US" altLang="zh-CN">
-                <a:latin typeface="+mn-ea"/>
-              </a:rPr>
-              <a:t>》 </a:t>
-            </a:r>
-            <a:r>
-              <a:rPr lang="en-US" altLang="zh-CN">
-                <a:latin typeface="+mn-ea"/>
-              </a:rPr>
-              <a:t>Oct</a:t>
-            </a:r>
-            <a:r>
-              <a:rPr lang="en-US" altLang="zh-CN">
-                <a:latin typeface="+mn-ea"/>
-              </a:rPr>
-              <a:t>. </a:t>
+              <a:t>《IEEE Internet of Things Journal》 Oct. </a:t>
             </a:r>
             <a:r>
               <a:rPr lang="en-US" altLang="zh-CN" smtClean="0">
@@ -6792,14 +7646,7 @@
                 <a:latin typeface="+mn-ea"/>
                 <a:ea typeface="+mn-ea"/>
               </a:rPr>
-              <a:t>预期</a:t>
-            </a:r>
-            <a:r>
-              <a:rPr lang="zh-CN" altLang="en-US">
-                <a:latin typeface="+mn-ea"/>
-                <a:ea typeface="+mn-ea"/>
-              </a:rPr>
-              <a:t>回报。系统奖励是通过考虑</a:t>
+              <a:t>预期回报。系统奖励是通过考虑</a:t>
             </a:r>
             <a:r>
               <a:rPr lang="en-US" altLang="zh-CN">
@@ -6843,10 +7690,6 @@
               </a:rPr>
               <a:t>以及可用资源的可变性特征得出的。</a:t>
             </a:r>
-            <a:endParaRPr lang="zh-CN" altLang="en-US">
-              <a:latin typeface="+mn-ea"/>
-              <a:ea typeface="+mn-ea"/>
-            </a:endParaRPr>
           </a:p>
         </p:txBody>
       </p:sp>
@@ -10318,11 +11161,7 @@
           <a:p>
             <a:r>
               <a:rPr lang="zh-CN" altLang="en-US"/>
-              <a:t>在</a:t>
-            </a:r>
-            <a:r>
-              <a:rPr lang="zh-CN" altLang="en-US"/>
-              <a:t>动作</a:t>
+              <a:t>在动作</a:t>
             </a:r>
             <a:r>
               <a:rPr lang="zh-CN" altLang="en-US" smtClean="0"/>
@@ -12488,7 +13327,7 @@
         </p:blipFill>
         <p:spPr>
           <a:xfrm>
-            <a:off x="3191236" y="4047721"/>
+            <a:off x="3191236" y="4925545"/>
             <a:ext cx="5809524" cy="952381"/>
           </a:xfrm>
           <a:prstGeom prst="rect">
@@ -12556,7 +13395,7 @@
         </p:blipFill>
         <p:spPr bwMode="auto">
           <a:xfrm>
-            <a:off x="0" y="0"/>
+            <a:off x="-2" y="-457200"/>
             <a:ext cx="12192000" cy="6858000"/>
           </a:xfrm>
           <a:prstGeom prst="rect">
@@ -13346,10 +14185,245 @@
           </a:p>
         </p:txBody>
       </p:sp>
+      <p:sp>
+        <p:nvSpPr>
+          <p:cNvPr id="3" name="文本框 2"/>
+          <p:cNvSpPr txBox="1"/>
+          <p:nvPr/>
+        </p:nvSpPr>
+        <p:spPr>
+          <a:xfrm>
+            <a:off x="926123" y="905284"/>
+            <a:ext cx="2121877" cy="369332"/>
+          </a:xfrm>
+          <a:prstGeom prst="rect">
+            <a:avLst/>
+          </a:prstGeom>
+          <a:noFill/>
+        </p:spPr>
+        <p:txBody>
+          <a:bodyPr wrap="square" rtlCol="0">
+            <a:spAutoFit/>
+          </a:bodyPr>
+          <a:lstStyle/>
+          <a:p>
+            <a:r>
+              <a:rPr lang="en-US" altLang="zh-CN" b="1" smtClean="0"/>
+              <a:t>Rewards</a:t>
+            </a:r>
+            <a:endParaRPr lang="en-US" altLang="zh-CN" b="1"/>
+          </a:p>
+        </p:txBody>
+      </p:sp>
+      <p:pic>
+        <p:nvPicPr>
+          <p:cNvPr id="2" name="图片 1"/>
+          <p:cNvPicPr>
+            <a:picLocks noChangeAspect="1"/>
+          </p:cNvPicPr>
+          <p:nvPr/>
+        </p:nvPicPr>
+        <p:blipFill>
+          <a:blip r:embed="rId4"/>
+          <a:stretch>
+            <a:fillRect/>
+          </a:stretch>
+        </p:blipFill>
+        <p:spPr>
+          <a:xfrm>
+            <a:off x="3572189" y="1418977"/>
+            <a:ext cx="5047619" cy="952381"/>
+          </a:xfrm>
+          <a:prstGeom prst="rect">
+            <a:avLst/>
+          </a:prstGeom>
+        </p:spPr>
+      </p:pic>
+      <p:sp>
+        <p:nvSpPr>
+          <p:cNvPr id="5" name="矩形 4"/>
+          <p:cNvSpPr/>
+          <p:nvPr/>
+        </p:nvSpPr>
+        <p:spPr>
+          <a:xfrm>
+            <a:off x="5426586" y="3244334"/>
+            <a:ext cx="1569660" cy="369332"/>
+          </a:xfrm>
+          <a:prstGeom prst="rect">
+            <a:avLst/>
+          </a:prstGeom>
+        </p:spPr>
+        <p:txBody>
+          <a:bodyPr wrap="none">
+            <a:spAutoFit/>
+          </a:bodyPr>
+          <a:lstStyle/>
+          <a:p>
+            <a:r>
+              <a:rPr lang="zh-CN" altLang="en-US" smtClean="0">
+                <a:solidFill>
+                  <a:srgbClr val="2E3033"/>
+                </a:solidFill>
+              </a:rPr>
+              <a:t>系统期望成本</a:t>
+            </a:r>
+            <a:endParaRPr lang="zh-CN" altLang="en-US"/>
+          </a:p>
+        </p:txBody>
+      </p:sp>
+      <p:pic>
+        <p:nvPicPr>
+          <p:cNvPr id="7" name="图片 6"/>
+          <p:cNvPicPr>
+            <a:picLocks noChangeAspect="1"/>
+          </p:cNvPicPr>
+          <p:nvPr/>
+        </p:nvPicPr>
+        <p:blipFill>
+          <a:blip r:embed="rId5"/>
+          <a:stretch>
+            <a:fillRect/>
+          </a:stretch>
+        </p:blipFill>
+        <p:spPr>
+          <a:xfrm>
+            <a:off x="3572190" y="2317809"/>
+            <a:ext cx="5047619" cy="952381"/>
+          </a:xfrm>
+          <a:prstGeom prst="rect">
+            <a:avLst/>
+          </a:prstGeom>
+        </p:spPr>
+      </p:pic>
+      <p:pic>
+        <p:nvPicPr>
+          <p:cNvPr id="8" name="图片 7"/>
+          <p:cNvPicPr>
+            <a:picLocks noChangeAspect="1"/>
+          </p:cNvPicPr>
+          <p:nvPr/>
+        </p:nvPicPr>
+        <p:blipFill>
+          <a:blip r:embed="rId6"/>
+          <a:stretch>
+            <a:fillRect/>
+          </a:stretch>
+        </p:blipFill>
+        <p:spPr>
+          <a:xfrm>
+            <a:off x="1463990" y="3778309"/>
+            <a:ext cx="5047619" cy="952381"/>
+          </a:xfrm>
+          <a:prstGeom prst="rect">
+            <a:avLst/>
+          </a:prstGeom>
+        </p:spPr>
+      </p:pic>
+      <p:sp>
+        <p:nvSpPr>
+          <p:cNvPr id="9" name="文本框 8"/>
+          <p:cNvSpPr txBox="1"/>
+          <p:nvPr/>
+        </p:nvSpPr>
+        <p:spPr>
+          <a:xfrm>
+            <a:off x="5194300" y="4089400"/>
+            <a:ext cx="2641600" cy="646331"/>
+          </a:xfrm>
+          <a:prstGeom prst="rect">
+            <a:avLst/>
+          </a:prstGeom>
+          <a:noFill/>
+        </p:spPr>
+        <p:txBody>
+          <a:bodyPr wrap="square" rtlCol="0">
+            <a:spAutoFit/>
+          </a:bodyPr>
+          <a:lstStyle/>
+          <a:p>
+            <a:r>
+              <a:rPr lang="zh-CN" altLang="en-US" smtClean="0"/>
+              <a:t>当前状态到下一个状态期望服务时间</a:t>
+            </a:r>
+            <a:endParaRPr lang="zh-CN" altLang="en-US"/>
+          </a:p>
+        </p:txBody>
+      </p:sp>
+      <p:pic>
+        <p:nvPicPr>
+          <p:cNvPr id="12" name="图片 11"/>
+          <p:cNvPicPr>
+            <a:picLocks noChangeAspect="1"/>
+          </p:cNvPicPr>
+          <p:nvPr/>
+        </p:nvPicPr>
+        <p:blipFill>
+          <a:blip r:embed="rId7"/>
+          <a:stretch>
+            <a:fillRect/>
+          </a:stretch>
+        </p:blipFill>
+        <p:spPr>
+          <a:xfrm>
+            <a:off x="1495740" y="4800683"/>
+            <a:ext cx="5047619" cy="1333333"/>
+          </a:xfrm>
+          <a:prstGeom prst="rect">
+            <a:avLst/>
+          </a:prstGeom>
+        </p:spPr>
+      </p:pic>
+      <p:sp>
+        <p:nvSpPr>
+          <p:cNvPr id="13" name="文本框 12"/>
+          <p:cNvSpPr txBox="1"/>
+          <p:nvPr/>
+        </p:nvSpPr>
+        <p:spPr>
+          <a:xfrm>
+            <a:off x="5536528" y="5048250"/>
+            <a:ext cx="2788322" cy="369332"/>
+          </a:xfrm>
+          <a:prstGeom prst="rect">
+            <a:avLst/>
+          </a:prstGeom>
+          <a:noFill/>
+        </p:spPr>
+        <p:txBody>
+          <a:bodyPr wrap="square" rtlCol="0">
+            <a:spAutoFit/>
+          </a:bodyPr>
+          <a:lstStyle/>
+          <a:p>
+            <a:r>
+              <a:rPr lang="zh-CN" altLang="en-US" smtClean="0"/>
+              <a:t>在状态</a:t>
+            </a:r>
+            <a:r>
+              <a:rPr lang="en-US" altLang="zh-CN" smtClean="0"/>
+              <a:t>s</a:t>
+            </a:r>
+            <a:r>
+              <a:rPr lang="zh-CN" altLang="en-US" smtClean="0"/>
+              <a:t>下执行</a:t>
+            </a:r>
+            <a:r>
+              <a:rPr lang="en-US" altLang="zh-CN" smtClean="0"/>
+              <a:t>a</a:t>
+            </a:r>
+            <a:r>
+              <a:rPr lang="zh-CN" altLang="en-US" smtClean="0"/>
+              <a:t>成本率</a:t>
+            </a:r>
+            <a:endParaRPr lang="zh-CN" altLang="en-US"/>
+          </a:p>
+        </p:txBody>
+      </p:sp>
     </p:spTree>
     <p:extLst>
       <p:ext uri="{BB962C8B-B14F-4D97-AF65-F5344CB8AC3E}">
-        <p14:creationId xmlns:p14="http://schemas.microsoft.com/office/powerpoint/2010/main" val="225016998"/>
+        <p14:creationId xmlns:p14="http://schemas.microsoft.com/office/powerpoint/2010/main" val="19351381"/>
       </p:ext>
     </p:extLst>
   </p:cSld>
@@ -14199,7 +15273,7 @@
     </p:spTree>
     <p:extLst>
       <p:ext uri="{BB962C8B-B14F-4D97-AF65-F5344CB8AC3E}">
-        <p14:creationId xmlns:p14="http://schemas.microsoft.com/office/powerpoint/2010/main" val="938965259"/>
+        <p14:creationId xmlns:p14="http://schemas.microsoft.com/office/powerpoint/2010/main" val="225016998"/>
       </p:ext>
     </p:extLst>
   </p:cSld>

--- a/Resource-Allocation-in-Vehicular-Cloud-Computing-Systems-With-Heterogeneous-Vehicles-and-Roadside-Units/2019-01-08.pptx
+++ b/Resource-Allocation-in-Vehicular-Cloud-Computing-Systems-With-Heterogeneous-Vehicles-and-Roadside-Units/2019-01-08.pptx
@@ -5,20 +5,22 @@
     <p:sldMasterId id="2147483648" r:id="rId1"/>
   </p:sldMasterIdLst>
   <p:notesMasterIdLst>
-    <p:notesMasterId r:id="rId13"/>
+    <p:notesMasterId r:id="rId15"/>
   </p:notesMasterIdLst>
   <p:sldIdLst>
     <p:sldId id="259" r:id="rId2"/>
     <p:sldId id="294" r:id="rId3"/>
     <p:sldId id="295" r:id="rId4"/>
-    <p:sldId id="299" r:id="rId5"/>
-    <p:sldId id="303" r:id="rId6"/>
-    <p:sldId id="304" r:id="rId7"/>
-    <p:sldId id="305" r:id="rId8"/>
-    <p:sldId id="306" r:id="rId9"/>
-    <p:sldId id="301" r:id="rId10"/>
-    <p:sldId id="302" r:id="rId11"/>
-    <p:sldId id="272" r:id="rId12"/>
+    <p:sldId id="308" r:id="rId5"/>
+    <p:sldId id="299" r:id="rId6"/>
+    <p:sldId id="303" r:id="rId7"/>
+    <p:sldId id="304" r:id="rId8"/>
+    <p:sldId id="305" r:id="rId9"/>
+    <p:sldId id="306" r:id="rId10"/>
+    <p:sldId id="301" r:id="rId11"/>
+    <p:sldId id="307" r:id="rId12"/>
+    <p:sldId id="302" r:id="rId13"/>
+    <p:sldId id="272" r:id="rId14"/>
   </p:sldIdLst>
   <p:sldSz cx="12192000" cy="6858000"/>
   <p:notesSz cx="6858000" cy="9144000"/>
@@ -256,7 +258,7 @@
           <a:p>
             <a:fld id="{D2A48B96-639E-45A3-A0BA-2464DFDB1FAA}" type="datetimeFigureOut">
               <a:rPr lang="zh-CN" altLang="en-US" smtClean="0"/>
-              <a:t>2019/1/7</a:t>
+              <a:t>2019/1/8</a:t>
             </a:fld>
             <a:endParaRPr lang="zh-CN" altLang="en-US"/>
           </a:p>
@@ -656,6 +658,224 @@
           <a:bodyPr/>
           <a:lstStyle/>
           <a:p>
+            <a:r>
+              <a:rPr lang="el-GR" altLang="zh-CN" smtClean="0"/>
+              <a:t>λ</a:t>
+            </a:r>
+            <a:r>
+              <a:rPr lang="en-US" altLang="zh-CN" smtClean="0"/>
+              <a:t>v</a:t>
+            </a:r>
+            <a:r>
+              <a:rPr lang="zh-CN" altLang="en-US" smtClean="0"/>
+              <a:t>车辆进去系统的到达率，</a:t>
+            </a:r>
+            <a:r>
+              <a:rPr lang="el-GR" altLang="zh-CN" smtClean="0"/>
+              <a:t>μ</a:t>
+            </a:r>
+            <a:r>
+              <a:rPr lang="en-US" altLang="zh-CN" smtClean="0"/>
+              <a:t>v</a:t>
+            </a:r>
+            <a:r>
+              <a:rPr lang="zh-CN" altLang="en-US" smtClean="0"/>
+              <a:t>车辆离开率，都服从泊松分布。</a:t>
+            </a:r>
+            <a:r>
+              <a:rPr lang="el-GR" altLang="zh-CN" smtClean="0"/>
+              <a:t>λ</a:t>
+            </a:r>
+            <a:r>
+              <a:rPr lang="en-US" altLang="zh-CN" smtClean="0"/>
+              <a:t>p</a:t>
+            </a:r>
+            <a:r>
+              <a:rPr lang="zh-CN" altLang="en-US" smtClean="0"/>
+              <a:t>是任务的产生率，</a:t>
+            </a:r>
+            <a:r>
+              <a:rPr lang="el-GR" altLang="zh-CN" smtClean="0"/>
+              <a:t>μ</a:t>
+            </a:r>
+            <a:r>
+              <a:rPr lang="en-US" altLang="zh-CN" smtClean="0"/>
+              <a:t>p</a:t>
+            </a:r>
+            <a:r>
+              <a:rPr lang="zh-CN" altLang="en-US" smtClean="0"/>
+              <a:t>是任务的完成率。</a:t>
+            </a:r>
+            <a:endParaRPr lang="zh-CN" altLang="en-US"/>
+          </a:p>
+        </p:txBody>
+      </p:sp>
+    </p:spTree>
+    <p:extLst>
+      <p:ext uri="{BB962C8B-B14F-4D97-AF65-F5344CB8AC3E}">
+        <p14:creationId xmlns:p14="http://schemas.microsoft.com/office/powerpoint/2010/main" val="1534657367"/>
+      </p:ext>
+    </p:extLst>
+  </p:cSld>
+  <p:clrMapOvr>
+    <a:masterClrMapping/>
+  </p:clrMapOvr>
+</p:notes>
+</file>
+
+<file path=ppt/notesSlides/notesSlide11.xml><?xml version="1.0" encoding="utf-8"?>
+<p:notes xmlns:a="http://schemas.openxmlformats.org/drawingml/2006/main" xmlns:r="http://schemas.openxmlformats.org/officeDocument/2006/relationships" xmlns:p="http://schemas.openxmlformats.org/presentationml/2006/main">
+  <p:cSld>
+    <p:spTree>
+      <p:nvGrpSpPr>
+        <p:cNvPr id="1" name=""/>
+        <p:cNvGrpSpPr/>
+        <p:nvPr/>
+      </p:nvGrpSpPr>
+      <p:grpSpPr>
+        <a:xfrm>
+          <a:off x="0" y="0"/>
+          <a:ext cx="0" cy="0"/>
+          <a:chOff x="0" y="0"/>
+          <a:chExt cx="0" cy="0"/>
+        </a:xfrm>
+      </p:grpSpPr>
+      <p:sp>
+        <p:nvSpPr>
+          <p:cNvPr id="2" name="幻灯片图像占位符 1"/>
+          <p:cNvSpPr>
+            <a:spLocks noGrp="1" noRot="1" noChangeAspect="1"/>
+          </p:cNvSpPr>
+          <p:nvPr>
+            <p:ph type="sldImg" idx="2"/>
+          </p:nvPr>
+        </p:nvSpPr>
+        <p:spPr/>
+      </p:sp>
+      <p:sp>
+        <p:nvSpPr>
+          <p:cNvPr id="3" name="文本占位符 2"/>
+          <p:cNvSpPr>
+            <a:spLocks noGrp="1"/>
+          </p:cNvSpPr>
+          <p:nvPr>
+            <p:ph type="body" idx="3"/>
+          </p:nvPr>
+        </p:nvSpPr>
+        <p:spPr/>
+        <p:txBody>
+          <a:bodyPr/>
+          <a:lstStyle/>
+          <a:p>
+            <a:r>
+              <a:rPr lang="el-GR" altLang="zh-CN" smtClean="0"/>
+              <a:t>λ</a:t>
+            </a:r>
+            <a:r>
+              <a:rPr lang="en-US" altLang="zh-CN" smtClean="0"/>
+              <a:t>v</a:t>
+            </a:r>
+            <a:r>
+              <a:rPr lang="zh-CN" altLang="en-US" smtClean="0"/>
+              <a:t>车辆进去系统的到达率，</a:t>
+            </a:r>
+            <a:r>
+              <a:rPr lang="el-GR" altLang="zh-CN" smtClean="0"/>
+              <a:t>μ</a:t>
+            </a:r>
+            <a:r>
+              <a:rPr lang="en-US" altLang="zh-CN" smtClean="0"/>
+              <a:t>v</a:t>
+            </a:r>
+            <a:r>
+              <a:rPr lang="zh-CN" altLang="en-US" smtClean="0"/>
+              <a:t>车辆离开率，都服从泊松分布。</a:t>
+            </a:r>
+            <a:r>
+              <a:rPr lang="el-GR" altLang="zh-CN" smtClean="0"/>
+              <a:t>λ</a:t>
+            </a:r>
+            <a:r>
+              <a:rPr lang="en-US" altLang="zh-CN" smtClean="0"/>
+              <a:t>p</a:t>
+            </a:r>
+            <a:r>
+              <a:rPr lang="zh-CN" altLang="en-US" smtClean="0"/>
+              <a:t>是任务的产生率，</a:t>
+            </a:r>
+            <a:r>
+              <a:rPr lang="el-GR" altLang="zh-CN" smtClean="0"/>
+              <a:t>μ</a:t>
+            </a:r>
+            <a:r>
+              <a:rPr lang="en-US" altLang="zh-CN" smtClean="0"/>
+              <a:t>p</a:t>
+            </a:r>
+            <a:r>
+              <a:rPr lang="zh-CN" altLang="en-US" smtClean="0"/>
+              <a:t>是任务的完成率。</a:t>
+            </a:r>
+            <a:endParaRPr lang="zh-CN" altLang="en-US"/>
+          </a:p>
+        </p:txBody>
+      </p:sp>
+    </p:spTree>
+    <p:extLst>
+      <p:ext uri="{BB962C8B-B14F-4D97-AF65-F5344CB8AC3E}">
+        <p14:creationId xmlns:p14="http://schemas.microsoft.com/office/powerpoint/2010/main" val="349903464"/>
+      </p:ext>
+    </p:extLst>
+  </p:cSld>
+  <p:clrMapOvr>
+    <a:masterClrMapping/>
+  </p:clrMapOvr>
+</p:notes>
+</file>
+
+<file path=ppt/notesSlides/notesSlide12.xml><?xml version="1.0" encoding="utf-8"?>
+<p:notes xmlns:a="http://schemas.openxmlformats.org/drawingml/2006/main" xmlns:r="http://schemas.openxmlformats.org/officeDocument/2006/relationships" xmlns:p="http://schemas.openxmlformats.org/presentationml/2006/main">
+  <p:cSld>
+    <p:spTree>
+      <p:nvGrpSpPr>
+        <p:cNvPr id="1" name=""/>
+        <p:cNvGrpSpPr/>
+        <p:nvPr/>
+      </p:nvGrpSpPr>
+      <p:grpSpPr>
+        <a:xfrm>
+          <a:off x="0" y="0"/>
+          <a:ext cx="0" cy="0"/>
+          <a:chOff x="0" y="0"/>
+          <a:chExt cx="0" cy="0"/>
+        </a:xfrm>
+      </p:grpSpPr>
+      <p:sp>
+        <p:nvSpPr>
+          <p:cNvPr id="2" name="幻灯片图像占位符 1"/>
+          <p:cNvSpPr>
+            <a:spLocks noGrp="1" noRot="1" noChangeAspect="1"/>
+          </p:cNvSpPr>
+          <p:nvPr>
+            <p:ph type="sldImg" idx="2"/>
+          </p:nvPr>
+        </p:nvSpPr>
+        <p:spPr/>
+      </p:sp>
+      <p:sp>
+        <p:nvSpPr>
+          <p:cNvPr id="3" name="文本占位符 2"/>
+          <p:cNvSpPr>
+            <a:spLocks noGrp="1"/>
+          </p:cNvSpPr>
+          <p:nvPr>
+            <p:ph type="body" idx="3"/>
+          </p:nvPr>
+        </p:nvSpPr>
+        <p:spPr/>
+        <p:txBody>
+          <a:bodyPr/>
+          <a:lstStyle/>
+          <a:p>
             <a:endParaRPr lang="zh-CN" altLang="en-US"/>
           </a:p>
         </p:txBody>
@@ -926,225 +1146,14 @@
           <a:bodyPr/>
           <a:lstStyle/>
           <a:p>
-            <a:pPr marL="0" marR="0" lvl="0" indent="0" algn="l" defTabSz="914400" rtl="0" eaLnBrk="1" fontAlgn="auto" latinLnBrk="0" hangingPunct="1">
-              <a:lnSpc>
-                <a:spcPct val="100000"/>
-              </a:lnSpc>
-              <a:spcBef>
-                <a:spcPts val="0"/>
-              </a:spcBef>
-              <a:spcAft>
-                <a:spcPts val="0"/>
-              </a:spcAft>
-              <a:buClrTx/>
-              <a:buSzTx/>
-              <a:buFontTx/>
-              <a:buNone/>
-              <a:tabLst/>
-              <a:defRPr/>
-            </a:pPr>
-            <a:r>
-              <a:rPr lang="en-US" altLang="zh-CN" smtClean="0"/>
-              <a:t>state space, action space, reward model, and transition probability distribution</a:t>
-            </a:r>
-          </a:p>
-          <a:p>
-            <a:pPr marL="0" marR="0" lvl="0" indent="0" algn="l" defTabSz="914400" rtl="0" eaLnBrk="1" fontAlgn="auto" latinLnBrk="0" hangingPunct="1">
-              <a:lnSpc>
-                <a:spcPct val="100000"/>
-              </a:lnSpc>
-              <a:spcBef>
-                <a:spcPts val="0"/>
-              </a:spcBef>
-              <a:spcAft>
-                <a:spcPts val="0"/>
-              </a:spcAft>
-              <a:buClrTx/>
-              <a:buSzTx/>
-              <a:buFontTx/>
-              <a:buNone/>
-              <a:tabLst/>
-              <a:defRPr/>
-            </a:pPr>
-            <a:r>
-              <a:rPr lang="en-US" altLang="zh-CN" smtClean="0"/>
-              <a:t>s</a:t>
-            </a:r>
-            <a:r>
-              <a:rPr lang="zh-CN" altLang="en-US" smtClean="0"/>
-              <a:t>前面的</a:t>
-            </a:r>
-            <a:r>
-              <a:rPr lang="en-US" altLang="zh-CN" smtClean="0"/>
-              <a:t>NR</a:t>
-            </a:r>
-            <a:r>
-              <a:rPr lang="zh-CN" altLang="en-US" smtClean="0"/>
-              <a:t>项</a:t>
-            </a:r>
-            <a:r>
-              <a:rPr lang="zh-CN" altLang="en-US" baseline="0" smtClean="0"/>
-              <a:t> </a:t>
-            </a:r>
-            <a:r>
-              <a:rPr lang="en-US" altLang="zh-CN" smtClean="0"/>
-              <a:t>ni </a:t>
-            </a:r>
-            <a:r>
-              <a:rPr lang="zh-CN" altLang="en-US" smtClean="0"/>
-              <a:t>表示被分配</a:t>
-            </a:r>
-            <a:r>
-              <a:rPr lang="en-US" altLang="zh-CN" smtClean="0"/>
-              <a:t>i</a:t>
-            </a:r>
-            <a:r>
-              <a:rPr lang="zh-CN" altLang="en-US" smtClean="0"/>
-              <a:t>个</a:t>
-            </a:r>
-            <a:r>
-              <a:rPr lang="en-US" altLang="zh-CN" smtClean="0"/>
-              <a:t>RU</a:t>
-            </a:r>
-            <a:r>
-              <a:rPr lang="zh-CN" altLang="en-US" smtClean="0"/>
-              <a:t>的服务请求数量。</a:t>
-            </a:r>
-            <a:r>
-              <a:rPr lang="en-US" altLang="zh-CN" smtClean="0"/>
-              <a:t>M</a:t>
-            </a:r>
-            <a:r>
-              <a:rPr lang="zh-CN" altLang="en-US" smtClean="0"/>
-              <a:t>表示</a:t>
-            </a:r>
-            <a:r>
-              <a:rPr lang="en-US" altLang="zh-CN" smtClean="0"/>
-              <a:t>VC</a:t>
-            </a:r>
-            <a:r>
-              <a:rPr lang="zh-CN" altLang="en-US" smtClean="0"/>
-              <a:t>中可用的</a:t>
-            </a:r>
-            <a:r>
-              <a:rPr lang="en-US" altLang="zh-CN" smtClean="0"/>
-              <a:t>RU</a:t>
-            </a:r>
-            <a:r>
-              <a:rPr lang="zh-CN" altLang="en-US" smtClean="0"/>
-              <a:t>的数目。</a:t>
-            </a:r>
-            <a:r>
-              <a:rPr lang="en-US" altLang="zh-CN" smtClean="0"/>
-              <a:t>e</a:t>
-            </a:r>
-            <a:r>
-              <a:rPr lang="zh-CN" altLang="en-US" smtClean="0"/>
-              <a:t>代表一个事件，它可以从下面这些事件中选取一个。</a:t>
-            </a:r>
-            <a:r>
-              <a:rPr lang="en-US" altLang="zh-CN" smtClean="0"/>
-              <a:t>A</a:t>
-            </a:r>
-            <a:r>
-              <a:rPr lang="zh-CN" altLang="en-US" smtClean="0"/>
-              <a:t>代表产生一个新的服务请求。</a:t>
-            </a:r>
-            <a:r>
-              <a:rPr lang="en-US" altLang="zh-CN" smtClean="0"/>
-              <a:t>Di</a:t>
-            </a:r>
-            <a:r>
-              <a:rPr lang="zh-CN" altLang="en-US" smtClean="0"/>
-              <a:t>表示有一个使用</a:t>
-            </a:r>
-            <a:r>
-              <a:rPr lang="en-US" altLang="zh-CN" smtClean="0"/>
-              <a:t>i</a:t>
-            </a:r>
-            <a:r>
-              <a:rPr lang="zh-CN" altLang="en-US" smtClean="0"/>
-              <a:t>个</a:t>
-            </a:r>
-            <a:r>
-              <a:rPr lang="en-US" altLang="zh-CN" smtClean="0"/>
-              <a:t>RU</a:t>
-            </a:r>
-            <a:r>
-              <a:rPr lang="zh-CN" altLang="en-US" smtClean="0"/>
-              <a:t>的服务请求执行完毕。</a:t>
-            </a:r>
-            <a:r>
-              <a:rPr lang="en-US" altLang="zh-CN" smtClean="0"/>
-              <a:t>B1</a:t>
-            </a:r>
-            <a:r>
-              <a:rPr lang="zh-CN" altLang="en-US" smtClean="0"/>
-              <a:t>和</a:t>
-            </a:r>
-            <a:r>
-              <a:rPr lang="en-US" altLang="zh-CN" smtClean="0"/>
-              <a:t>B-1</a:t>
-            </a:r>
-            <a:r>
-              <a:rPr lang="zh-CN" altLang="en-US" smtClean="0"/>
-              <a:t>分别表示有车辆进入或者离开</a:t>
-            </a:r>
-            <a:r>
-              <a:rPr lang="en-US" altLang="zh-CN" smtClean="0"/>
-              <a:t>VC</a:t>
-            </a:r>
-            <a:r>
-              <a:rPr lang="zh-CN" altLang="en-US" smtClean="0"/>
-              <a:t>。总共占用的</a:t>
-            </a:r>
-            <a:r>
-              <a:rPr lang="en-US" altLang="zh-CN" smtClean="0"/>
-              <a:t>RU</a:t>
-            </a:r>
-            <a:r>
-              <a:rPr lang="zh-CN" altLang="en-US" smtClean="0"/>
-              <a:t>要小于</a:t>
-            </a:r>
-            <a:r>
-              <a:rPr lang="en-US" altLang="zh-CN" smtClean="0"/>
-              <a:t>M</a:t>
-            </a:r>
-            <a:r>
-              <a:rPr lang="zh-CN" altLang="en-US" smtClean="0"/>
-              <a:t>。</a:t>
-            </a:r>
-            <a:r>
-              <a:rPr lang="en-US" altLang="zh-CN" smtClean="0"/>
-              <a:t>NR</a:t>
-            </a:r>
-            <a:r>
-              <a:rPr lang="zh-CN" altLang="en-US" smtClean="0"/>
-              <a:t>表示一个服务请求最多能分配</a:t>
-            </a:r>
-            <a:r>
-              <a:rPr lang="en-US" altLang="zh-CN" smtClean="0"/>
-              <a:t>NR</a:t>
-            </a:r>
-            <a:r>
-              <a:rPr lang="zh-CN" altLang="en-US" smtClean="0"/>
-              <a:t>的</a:t>
-            </a:r>
-            <a:r>
-              <a:rPr lang="en-US" altLang="zh-CN" smtClean="0"/>
-              <a:t>RU</a:t>
-            </a:r>
-            <a:r>
-              <a:rPr lang="zh-CN" altLang="en-US" smtClean="0"/>
-              <a:t>。</a:t>
-            </a:r>
+            <a:endParaRPr lang="zh-CN" altLang="en-US"/>
           </a:p>
         </p:txBody>
       </p:sp>
     </p:spTree>
     <p:extLst>
       <p:ext uri="{BB962C8B-B14F-4D97-AF65-F5344CB8AC3E}">
-        <p14:creationId xmlns:p14="http://schemas.microsoft.com/office/powerpoint/2010/main" val="2980810449"/>
+        <p14:creationId xmlns:p14="http://schemas.microsoft.com/office/powerpoint/2010/main" val="143784338"/>
       </p:ext>
     </p:extLst>
   </p:cSld>
@@ -1216,98 +1225,9 @@
               <a:defRPr/>
             </a:pPr>
             <a:r>
-              <a:rPr lang="zh-CN" altLang="en-US" sz="1200" b="0" i="0" kern="1200" smtClean="0">
-                <a:solidFill>
-                  <a:schemeClr val="tx1"/>
-                </a:solidFill>
-                <a:effectLst/>
-                <a:latin typeface="+mn-lt"/>
-                <a:ea typeface="+mn-ea"/>
-                <a:cs typeface="+mn-cs"/>
-              </a:rPr>
-              <a:t>当事件发生时，</a:t>
-            </a:r>
-            <a:r>
-              <a:rPr lang="en-US" altLang="zh-CN" sz="1200" b="0" i="0" kern="1200" smtClean="0">
-                <a:solidFill>
-                  <a:schemeClr val="tx1"/>
-                </a:solidFill>
-                <a:effectLst/>
-                <a:latin typeface="+mn-lt"/>
-                <a:ea typeface="+mn-ea"/>
-                <a:cs typeface="+mn-cs"/>
-              </a:rPr>
-              <a:t>VCC</a:t>
-            </a:r>
-            <a:r>
-              <a:rPr lang="zh-CN" altLang="en-US" sz="1200" b="0" i="0" kern="1200" smtClean="0">
-                <a:solidFill>
-                  <a:schemeClr val="tx1"/>
-                </a:solidFill>
-                <a:effectLst/>
-                <a:latin typeface="+mn-lt"/>
-                <a:ea typeface="+mn-ea"/>
-                <a:cs typeface="+mn-cs"/>
-              </a:rPr>
-              <a:t>系统根据当前状态</a:t>
-            </a:r>
-            <a:r>
-              <a:rPr lang="en-US" altLang="zh-CN" sz="1200" b="0" i="0" kern="1200" smtClean="0">
-                <a:solidFill>
-                  <a:schemeClr val="tx1"/>
-                </a:solidFill>
-                <a:effectLst/>
-                <a:latin typeface="+mn-lt"/>
-                <a:ea typeface="+mn-ea"/>
-                <a:cs typeface="+mn-cs"/>
-              </a:rPr>
-              <a:t>s</a:t>
-            </a:r>
-            <a:r>
-              <a:rPr lang="zh-CN" altLang="en-US" sz="1200" b="0" i="0" kern="1200" smtClean="0">
-                <a:solidFill>
-                  <a:schemeClr val="tx1"/>
-                </a:solidFill>
-                <a:effectLst/>
-                <a:latin typeface="+mn-lt"/>
-                <a:ea typeface="+mn-ea"/>
-                <a:cs typeface="+mn-cs"/>
-              </a:rPr>
-              <a:t>决定需要从操作集中采取哪些操作</a:t>
-            </a:r>
-            <a:r>
-              <a:rPr lang="en-US" altLang="zh-CN" sz="1200" b="0" i="0" kern="1200" smtClean="0">
-                <a:solidFill>
-                  <a:schemeClr val="tx1"/>
-                </a:solidFill>
-                <a:effectLst/>
-                <a:latin typeface="+mn-lt"/>
-                <a:ea typeface="+mn-ea"/>
-                <a:cs typeface="+mn-cs"/>
-              </a:rPr>
-              <a:t>a(s)</a:t>
-            </a:r>
-            <a:r>
-              <a:rPr lang="zh-CN" altLang="en-US" sz="1200" b="0" i="0" kern="1200" smtClean="0">
-                <a:solidFill>
-                  <a:schemeClr val="tx1"/>
-                </a:solidFill>
-                <a:effectLst/>
-                <a:latin typeface="+mn-lt"/>
-                <a:ea typeface="+mn-ea"/>
-                <a:cs typeface="+mn-cs"/>
-              </a:rPr>
-              <a:t>，即</a:t>
-            </a:r>
-            <a:endParaRPr lang="en-US" altLang="zh-CN" sz="1200" b="0" i="0" kern="1200" smtClean="0">
-              <a:solidFill>
-                <a:schemeClr val="tx1"/>
-              </a:solidFill>
-              <a:effectLst/>
-              <a:latin typeface="+mn-lt"/>
-              <a:ea typeface="+mn-ea"/>
-              <a:cs typeface="+mn-cs"/>
-            </a:endParaRPr>
+              <a:rPr lang="en-US" altLang="zh-CN" smtClean="0"/>
+              <a:t>state space, action space, reward model, and transition probability distribution</a:t>
+            </a:r>
           </a:p>
           <a:p>
             <a:pPr marL="0" marR="0" lvl="0" indent="0" algn="l" defTabSz="914400" rtl="0" eaLnBrk="1" fontAlgn="auto" latinLnBrk="0" hangingPunct="1">
@@ -1327,342 +1247,158 @@
               <a:tabLst/>
               <a:defRPr/>
             </a:pPr>
-            <a:endParaRPr lang="en-US" altLang="zh-CN" sz="1200" b="0" i="0" kern="1200" smtClean="0">
-              <a:solidFill>
-                <a:schemeClr val="tx1"/>
-              </a:solidFill>
-              <a:effectLst/>
-              <a:latin typeface="+mn-lt"/>
-              <a:ea typeface="+mn-ea"/>
-              <a:cs typeface="+mn-cs"/>
-            </a:endParaRPr>
-          </a:p>
-          <a:p>
-            <a:pPr marL="0" marR="0" lvl="0" indent="0" algn="l" defTabSz="914400" rtl="0" eaLnBrk="1" fontAlgn="auto" latinLnBrk="0" hangingPunct="1">
-              <a:lnSpc>
-                <a:spcPct val="100000"/>
-              </a:lnSpc>
-              <a:spcBef>
-                <a:spcPts val="0"/>
-              </a:spcBef>
-              <a:spcAft>
-                <a:spcPts val="0"/>
-              </a:spcAft>
-              <a:buClrTx/>
-              <a:buSzTx/>
-              <a:buFontTx/>
-              <a:buNone/>
-              <a:tabLst/>
-              <a:defRPr/>
-            </a:pPr>
-            <a:r>
-              <a:rPr lang="en-US" altLang="zh-CN" sz="1200" b="0" i="0" kern="1200" smtClean="0">
-                <a:solidFill>
-                  <a:schemeClr val="tx1"/>
-                </a:solidFill>
-                <a:effectLst/>
-                <a:latin typeface="+mn-lt"/>
-                <a:ea typeface="+mn-ea"/>
-                <a:cs typeface="+mn-cs"/>
-              </a:rPr>
-              <a:t>a(s)=-1</a:t>
-            </a:r>
-            <a:r>
-              <a:rPr lang="zh-CN" altLang="en-US" sz="1200" b="0" i="0" kern="1200" smtClean="0">
-                <a:solidFill>
-                  <a:schemeClr val="tx1"/>
-                </a:solidFill>
-                <a:effectLst/>
-                <a:latin typeface="+mn-lt"/>
-                <a:ea typeface="+mn-ea"/>
-                <a:cs typeface="+mn-cs"/>
-              </a:rPr>
-              <a:t>时，在一个服务请求完成时，或者汽车进入或者离开</a:t>
-            </a:r>
-            <a:r>
-              <a:rPr lang="en-US" altLang="zh-CN" sz="1200" b="0" i="0" kern="1200" smtClean="0">
-                <a:solidFill>
-                  <a:schemeClr val="tx1"/>
-                </a:solidFill>
-                <a:effectLst/>
-                <a:latin typeface="+mn-lt"/>
-                <a:ea typeface="+mn-ea"/>
-                <a:cs typeface="+mn-cs"/>
-              </a:rPr>
+            <a:r>
+              <a:rPr lang="en-US" altLang="zh-CN" smtClean="0"/>
+              <a:t>s</a:t>
+            </a:r>
+            <a:r>
+              <a:rPr lang="zh-CN" altLang="en-US" smtClean="0"/>
+              <a:t>前面的</a:t>
+            </a:r>
+            <a:r>
+              <a:rPr lang="en-US" altLang="zh-CN" smtClean="0"/>
+              <a:t>NR</a:t>
+            </a:r>
+            <a:r>
+              <a:rPr lang="zh-CN" altLang="en-US" smtClean="0"/>
+              <a:t>项</a:t>
+            </a:r>
+            <a:r>
+              <a:rPr lang="zh-CN" altLang="en-US" baseline="0" smtClean="0"/>
+              <a:t> </a:t>
+            </a:r>
+            <a:r>
+              <a:rPr lang="en-US" altLang="zh-CN" smtClean="0"/>
+              <a:t>ni </a:t>
+            </a:r>
+            <a:r>
+              <a:rPr lang="zh-CN" altLang="en-US" smtClean="0"/>
+              <a:t>表示被分配</a:t>
+            </a:r>
+            <a:r>
+              <a:rPr lang="en-US" altLang="zh-CN" smtClean="0"/>
+              <a:t>i</a:t>
+            </a:r>
+            <a:r>
+              <a:rPr lang="zh-CN" altLang="en-US" smtClean="0"/>
+              <a:t>个</a:t>
+            </a:r>
+            <a:r>
+              <a:rPr lang="en-US" altLang="zh-CN" smtClean="0"/>
+              <a:t>RU</a:t>
+            </a:r>
+            <a:r>
+              <a:rPr lang="zh-CN" altLang="en-US" smtClean="0"/>
+              <a:t>的服务请求数量。</a:t>
+            </a:r>
+            <a:r>
+              <a:rPr lang="en-US" altLang="zh-CN" smtClean="0"/>
+              <a:t>M</a:t>
+            </a:r>
+            <a:r>
+              <a:rPr lang="zh-CN" altLang="en-US" smtClean="0"/>
+              <a:t>表示</a:t>
+            </a:r>
+            <a:r>
+              <a:rPr lang="en-US" altLang="zh-CN" smtClean="0"/>
               <a:t>VC</a:t>
             </a:r>
             <a:r>
-              <a:rPr lang="zh-CN" altLang="en-US" sz="1200" b="0" i="0" kern="1200" smtClean="0">
-                <a:solidFill>
-                  <a:schemeClr val="tx1"/>
-                </a:solidFill>
-                <a:effectLst/>
-                <a:latin typeface="+mn-lt"/>
-                <a:ea typeface="+mn-ea"/>
-                <a:cs typeface="+mn-cs"/>
-              </a:rPr>
-              <a:t>时，这时仅仅需要更新</a:t>
-            </a:r>
-            <a:r>
-              <a:rPr lang="en-US" altLang="zh-CN" sz="1200" b="0" i="0" kern="1200" smtClean="0">
-                <a:solidFill>
-                  <a:schemeClr val="tx1"/>
-                </a:solidFill>
-                <a:effectLst/>
-                <a:latin typeface="+mn-lt"/>
-                <a:ea typeface="+mn-ea"/>
-                <a:cs typeface="+mn-cs"/>
-              </a:rPr>
+              <a:rPr lang="zh-CN" altLang="en-US" smtClean="0"/>
+              <a:t>中可用的</a:t>
+            </a:r>
+            <a:r>
+              <a:rPr lang="en-US" altLang="zh-CN" smtClean="0"/>
+              <a:t>RU</a:t>
+            </a:r>
+            <a:r>
+              <a:rPr lang="zh-CN" altLang="en-US" smtClean="0"/>
+              <a:t>的数目。</a:t>
+            </a:r>
+            <a:r>
+              <a:rPr lang="en-US" altLang="zh-CN" smtClean="0"/>
+              <a:t>e</a:t>
+            </a:r>
+            <a:r>
+              <a:rPr lang="zh-CN" altLang="en-US" smtClean="0"/>
+              <a:t>代表当前状态下可能发生的事件</a:t>
+            </a:r>
+            <a:r>
+              <a:rPr lang="zh-CN" altLang="en-US" smtClean="0"/>
+              <a:t>，它可以从下面这些事件中选取一个。</a:t>
+            </a:r>
+            <a:r>
+              <a:rPr lang="en-US" altLang="zh-CN" smtClean="0"/>
+              <a:t>A</a:t>
+            </a:r>
+            <a:r>
+              <a:rPr lang="zh-CN" altLang="en-US" smtClean="0"/>
+              <a:t>代表产生一个新的服务请求。</a:t>
+            </a:r>
+            <a:r>
+              <a:rPr lang="en-US" altLang="zh-CN" smtClean="0"/>
+              <a:t>Di</a:t>
+            </a:r>
+            <a:r>
+              <a:rPr lang="zh-CN" altLang="en-US" smtClean="0"/>
+              <a:t>表示有一个使用</a:t>
+            </a:r>
+            <a:r>
+              <a:rPr lang="en-US" altLang="zh-CN" smtClean="0"/>
+              <a:t>i</a:t>
+            </a:r>
+            <a:r>
+              <a:rPr lang="zh-CN" altLang="en-US" smtClean="0"/>
+              <a:t>个</a:t>
+            </a:r>
+            <a:r>
+              <a:rPr lang="en-US" altLang="zh-CN" smtClean="0"/>
+              <a:t>RU</a:t>
+            </a:r>
+            <a:r>
+              <a:rPr lang="zh-CN" altLang="en-US" smtClean="0"/>
+              <a:t>的服务请求执行完毕。</a:t>
+            </a:r>
+            <a:r>
+              <a:rPr lang="en-US" altLang="zh-CN" smtClean="0"/>
+              <a:t>B1</a:t>
+            </a:r>
+            <a:r>
+              <a:rPr lang="zh-CN" altLang="en-US" smtClean="0"/>
+              <a:t>和</a:t>
+            </a:r>
+            <a:r>
+              <a:rPr lang="en-US" altLang="zh-CN" smtClean="0"/>
+              <a:t>B-1</a:t>
+            </a:r>
+            <a:r>
+              <a:rPr lang="zh-CN" altLang="en-US" smtClean="0"/>
+              <a:t>分别表示有车辆进入或者离开</a:t>
+            </a:r>
+            <a:r>
+              <a:rPr lang="en-US" altLang="zh-CN" smtClean="0"/>
               <a:t>VC</a:t>
             </a:r>
             <a:r>
-              <a:rPr lang="zh-CN" altLang="en-US" sz="1200" b="0" i="0" kern="1200" smtClean="0">
-                <a:solidFill>
-                  <a:schemeClr val="tx1"/>
-                </a:solidFill>
-                <a:effectLst/>
-                <a:latin typeface="+mn-lt"/>
-                <a:ea typeface="+mn-ea"/>
-                <a:cs typeface="+mn-cs"/>
-              </a:rPr>
-              <a:t>中</a:t>
-            </a:r>
-            <a:r>
-              <a:rPr lang="en-US" altLang="zh-CN" sz="1200" b="0" i="0" kern="1200" smtClean="0">
-                <a:solidFill>
-                  <a:schemeClr val="tx1"/>
-                </a:solidFill>
-                <a:effectLst/>
-                <a:latin typeface="+mn-lt"/>
-                <a:ea typeface="+mn-ea"/>
-                <a:cs typeface="+mn-cs"/>
-              </a:rPr>
+              <a:rPr lang="zh-CN" altLang="en-US" smtClean="0"/>
+              <a:t>。总共占用的</a:t>
+            </a:r>
+            <a:r>
+              <a:rPr lang="en-US" altLang="zh-CN" smtClean="0"/>
               <a:t>RU</a:t>
             </a:r>
             <a:r>
-              <a:rPr lang="zh-CN" altLang="en-US" sz="1200" b="0" i="0" kern="1200" smtClean="0">
-                <a:solidFill>
-                  <a:schemeClr val="tx1"/>
-                </a:solidFill>
-                <a:effectLst/>
-                <a:latin typeface="+mn-lt"/>
-                <a:ea typeface="+mn-ea"/>
-                <a:cs typeface="+mn-cs"/>
-              </a:rPr>
-              <a:t>的状态。</a:t>
-            </a:r>
-            <a:endParaRPr lang="en-US" altLang="zh-CN" sz="1200" b="0" i="0" kern="1200" smtClean="0">
-              <a:solidFill>
-                <a:schemeClr val="tx1"/>
-              </a:solidFill>
-              <a:effectLst/>
-              <a:latin typeface="+mn-lt"/>
-              <a:ea typeface="+mn-ea"/>
-              <a:cs typeface="+mn-cs"/>
-            </a:endParaRPr>
-          </a:p>
-          <a:p>
-            <a:pPr marL="0" marR="0" lvl="0" indent="0" algn="l" defTabSz="914400" rtl="0" eaLnBrk="1" fontAlgn="auto" latinLnBrk="0" hangingPunct="1">
-              <a:lnSpc>
-                <a:spcPct val="100000"/>
-              </a:lnSpc>
-              <a:spcBef>
-                <a:spcPts val="0"/>
-              </a:spcBef>
-              <a:spcAft>
-                <a:spcPts val="0"/>
-              </a:spcAft>
-              <a:buClrTx/>
-              <a:buSzTx/>
-              <a:buFontTx/>
-              <a:buNone/>
-              <a:tabLst/>
-              <a:defRPr/>
-            </a:pPr>
-            <a:r>
-              <a:rPr lang="zh-CN" altLang="en-US" sz="1200" b="0" i="0" kern="1200" smtClean="0">
-                <a:solidFill>
-                  <a:schemeClr val="tx1"/>
-                </a:solidFill>
-                <a:effectLst/>
-                <a:latin typeface="+mn-lt"/>
-                <a:ea typeface="+mn-ea"/>
-                <a:cs typeface="+mn-cs"/>
-              </a:rPr>
-              <a:t>当收到一个新的请求时，有两种选择：</a:t>
-            </a:r>
-            <a:r>
-              <a:rPr lang="en-US" altLang="zh-CN" sz="1200" b="0" i="0" kern="1200" smtClean="0">
-                <a:solidFill>
-                  <a:schemeClr val="tx1"/>
-                </a:solidFill>
-                <a:effectLst/>
-                <a:latin typeface="+mn-lt"/>
-                <a:ea typeface="+mn-ea"/>
-                <a:cs typeface="+mn-cs"/>
-              </a:rPr>
-              <a:t>1</a:t>
-            </a:r>
-            <a:r>
-              <a:rPr lang="zh-CN" altLang="en-US" sz="1200" b="0" i="0" kern="1200" smtClean="0">
-                <a:solidFill>
-                  <a:schemeClr val="tx1"/>
-                </a:solidFill>
-                <a:effectLst/>
-                <a:latin typeface="+mn-lt"/>
-                <a:ea typeface="+mn-ea"/>
-                <a:cs typeface="+mn-cs"/>
-              </a:rPr>
-              <a:t>在</a:t>
-            </a:r>
-            <a:r>
-              <a:rPr lang="en-US" altLang="zh-CN" sz="1200" b="0" i="0" kern="1200" smtClean="0">
-                <a:solidFill>
-                  <a:schemeClr val="tx1"/>
-                </a:solidFill>
-                <a:effectLst/>
-                <a:latin typeface="+mn-lt"/>
-                <a:ea typeface="+mn-ea"/>
-                <a:cs typeface="+mn-cs"/>
-              </a:rPr>
-              <a:t>VC</a:t>
-            </a:r>
-            <a:r>
-              <a:rPr lang="zh-CN" altLang="en-US" sz="1200" b="0" i="0" kern="1200" smtClean="0">
-                <a:solidFill>
-                  <a:schemeClr val="tx1"/>
-                </a:solidFill>
-                <a:effectLst/>
-                <a:latin typeface="+mn-lt"/>
-                <a:ea typeface="+mn-ea"/>
-                <a:cs typeface="+mn-cs"/>
-              </a:rPr>
-              <a:t>中分配给请求</a:t>
-            </a:r>
-            <a:r>
-              <a:rPr lang="en-US" altLang="zh-CN" sz="1200" b="0" i="0" kern="1200" smtClean="0">
-                <a:solidFill>
-                  <a:schemeClr val="tx1"/>
-                </a:solidFill>
-                <a:effectLst/>
-                <a:latin typeface="+mn-lt"/>
-                <a:ea typeface="+mn-ea"/>
-                <a:cs typeface="+mn-cs"/>
-              </a:rPr>
-              <a:t>i</a:t>
-            </a:r>
-            <a:r>
-              <a:rPr lang="zh-CN" altLang="en-US" sz="1200" b="0" i="0" kern="1200" smtClean="0">
-                <a:solidFill>
-                  <a:schemeClr val="tx1"/>
-                </a:solidFill>
-                <a:effectLst/>
-                <a:latin typeface="+mn-lt"/>
-                <a:ea typeface="+mn-ea"/>
-                <a:cs typeface="+mn-cs"/>
-              </a:rPr>
-              <a:t>个</a:t>
-            </a:r>
-            <a:r>
-              <a:rPr lang="en-US" altLang="zh-CN" sz="1200" b="0" i="0" kern="1200" smtClean="0">
-                <a:solidFill>
-                  <a:schemeClr val="tx1"/>
-                </a:solidFill>
-                <a:effectLst/>
-                <a:latin typeface="+mn-lt"/>
-                <a:ea typeface="+mn-ea"/>
-                <a:cs typeface="+mn-cs"/>
-              </a:rPr>
-              <a:t>RU a(s)=i</a:t>
-            </a:r>
-            <a:r>
-              <a:rPr lang="zh-CN" altLang="en-US" sz="1200" b="0" i="0" kern="1200" smtClean="0">
-                <a:solidFill>
-                  <a:schemeClr val="tx1"/>
-                </a:solidFill>
-                <a:effectLst/>
-                <a:latin typeface="+mn-lt"/>
-                <a:ea typeface="+mn-ea"/>
-                <a:cs typeface="+mn-cs"/>
-              </a:rPr>
-              <a:t>；</a:t>
-            </a:r>
-            <a:r>
-              <a:rPr lang="en-US" altLang="zh-CN" sz="1200" b="0" i="0" kern="1200" smtClean="0">
-                <a:solidFill>
-                  <a:schemeClr val="tx1"/>
-                </a:solidFill>
-                <a:effectLst/>
-                <a:latin typeface="+mn-lt"/>
-                <a:ea typeface="+mn-ea"/>
-                <a:cs typeface="+mn-cs"/>
-              </a:rPr>
-              <a:t>2</a:t>
-            </a:r>
-            <a:r>
-              <a:rPr lang="zh-CN" altLang="en-US" sz="1200" b="0" i="0" kern="1200" smtClean="0">
-                <a:solidFill>
-                  <a:schemeClr val="tx1"/>
-                </a:solidFill>
-                <a:effectLst/>
-                <a:latin typeface="+mn-lt"/>
-                <a:ea typeface="+mn-ea"/>
-                <a:cs typeface="+mn-cs"/>
-              </a:rPr>
-              <a:t>传给</a:t>
-            </a:r>
-            <a:r>
-              <a:rPr lang="en-US" altLang="zh-CN" sz="1200" b="0" i="0" kern="1200" smtClean="0">
-                <a:solidFill>
-                  <a:schemeClr val="tx1"/>
-                </a:solidFill>
-                <a:effectLst/>
-                <a:latin typeface="+mn-lt"/>
-                <a:ea typeface="+mn-ea"/>
-                <a:cs typeface="+mn-cs"/>
-              </a:rPr>
-              <a:t>RC</a:t>
-            </a:r>
-            <a:r>
-              <a:rPr lang="en-US" altLang="zh-CN" sz="1200" b="0" i="0" kern="1200" baseline="0" smtClean="0">
-                <a:solidFill>
-                  <a:schemeClr val="tx1"/>
-                </a:solidFill>
-                <a:effectLst/>
-                <a:latin typeface="+mn-lt"/>
-                <a:ea typeface="+mn-ea"/>
-                <a:cs typeface="+mn-cs"/>
-              </a:rPr>
-              <a:t> a(s)=0;</a:t>
-            </a:r>
-            <a:endParaRPr lang="en-US" altLang="zh-CN" sz="1200" b="0" i="0" kern="1200" smtClean="0">
-              <a:solidFill>
-                <a:schemeClr val="tx1"/>
-              </a:solidFill>
-              <a:effectLst/>
-              <a:latin typeface="+mn-lt"/>
-              <a:ea typeface="+mn-ea"/>
-              <a:cs typeface="+mn-cs"/>
-            </a:endParaRPr>
-          </a:p>
-          <a:p>
-            <a:pPr marL="0" marR="0" lvl="0" indent="0" algn="l" defTabSz="914400" rtl="0" eaLnBrk="1" fontAlgn="auto" latinLnBrk="0" hangingPunct="1">
-              <a:lnSpc>
-                <a:spcPct val="100000"/>
-              </a:lnSpc>
-              <a:spcBef>
-                <a:spcPts val="0"/>
-              </a:spcBef>
-              <a:spcAft>
-                <a:spcPts val="0"/>
-              </a:spcAft>
-              <a:buClrTx/>
-              <a:buSzTx/>
-              <a:buFontTx/>
-              <a:buNone/>
-              <a:tabLst/>
-              <a:defRPr/>
-            </a:pPr>
+              <a:rPr lang="zh-CN" altLang="en-US" smtClean="0"/>
+              <a:t>要小于</a:t>
+            </a:r>
+            <a:r>
+              <a:rPr lang="en-US" altLang="zh-CN" smtClean="0"/>
+              <a:t>M</a:t>
+            </a:r>
+            <a:r>
+              <a:rPr lang="zh-CN" altLang="en-US" smtClean="0"/>
+              <a:t>。</a:t>
+            </a:r>
             <a:endParaRPr lang="zh-CN" altLang="en-US" smtClean="0"/>
           </a:p>
         </p:txBody>
@@ -1670,7 +1406,7 @@
     </p:spTree>
     <p:extLst>
       <p:ext uri="{BB962C8B-B14F-4D97-AF65-F5344CB8AC3E}">
-        <p14:creationId xmlns:p14="http://schemas.microsoft.com/office/powerpoint/2010/main" val="2472758832"/>
+        <p14:creationId xmlns:p14="http://schemas.microsoft.com/office/powerpoint/2010/main" val="2980810449"/>
       </p:ext>
     </p:extLst>
   </p:cSld>
@@ -1742,20 +1478,16 @@
               <a:defRPr/>
             </a:pPr>
             <a:r>
-              <a:rPr lang="en-US" altLang="zh-CN" smtClean="0"/>
-              <a:t>El</a:t>
-            </a:r>
-            <a:r>
-              <a:rPr lang="zh-CN" altLang="en-US" smtClean="0"/>
-              <a:t>为在本机执行消耗的能量，</a:t>
-            </a:r>
-            <a:r>
-              <a:rPr lang="el-GR" altLang="zh-CN" smtClean="0"/>
-              <a:t>δ1</a:t>
-            </a:r>
-            <a:r>
-              <a:rPr lang="zh-CN" altLang="en-US" smtClean="0"/>
-              <a:t>（</a:t>
+              <a:rPr lang="zh-CN" altLang="en-US" sz="1200" b="0" i="0" kern="1200" smtClean="0">
+                <a:solidFill>
+                  <a:schemeClr val="tx1"/>
+                </a:solidFill>
+                <a:effectLst/>
+                <a:latin typeface="+mn-lt"/>
+                <a:ea typeface="+mn-ea"/>
+                <a:cs typeface="+mn-cs"/>
+              </a:rPr>
+              <a:t>当事件发生时，</a:t>
             </a:r>
             <a:r>
               <a:rPr lang="en-US" altLang="zh-CN" sz="1200" b="0" i="0" kern="1200" smtClean="0">
@@ -1767,21 +1499,77 @@
                 <a:ea typeface="+mn-ea"/>
                 <a:cs typeface="+mn-cs"/>
               </a:rPr>
-              <a:t>Delta</a:t>
-            </a:r>
-            <a:r>
-              <a:rPr lang="zh-CN" altLang="en-US" smtClean="0"/>
-              <a:t>）为车辆之间的传输时延，</a:t>
-            </a:r>
-            <a:r>
-              <a:rPr lang="en-US" altLang="zh-CN" smtClean="0"/>
-              <a:t>P</a:t>
-            </a:r>
-            <a:r>
-              <a:rPr lang="zh-CN" altLang="en-US" smtClean="0"/>
-              <a:t>为传输功率</a:t>
-            </a:r>
-            <a:endParaRPr lang="en-US" altLang="zh-CN" smtClean="0"/>
+              <a:t>VCC</a:t>
+            </a:r>
+            <a:r>
+              <a:rPr lang="zh-CN" altLang="en-US" sz="1200" b="0" i="0" kern="1200" smtClean="0">
+                <a:solidFill>
+                  <a:schemeClr val="tx1"/>
+                </a:solidFill>
+                <a:effectLst/>
+                <a:latin typeface="+mn-lt"/>
+                <a:ea typeface="+mn-ea"/>
+                <a:cs typeface="+mn-cs"/>
+              </a:rPr>
+              <a:t>系统根据当前状态</a:t>
+            </a:r>
+            <a:r>
+              <a:rPr lang="en-US" altLang="zh-CN" sz="1200" b="0" i="0" kern="1200" smtClean="0">
+                <a:solidFill>
+                  <a:schemeClr val="tx1"/>
+                </a:solidFill>
+                <a:effectLst/>
+                <a:latin typeface="+mn-lt"/>
+                <a:ea typeface="+mn-ea"/>
+                <a:cs typeface="+mn-cs"/>
+              </a:rPr>
+              <a:t>s</a:t>
+            </a:r>
+            <a:r>
+              <a:rPr lang="zh-CN" altLang="en-US" sz="1200" b="0" i="0" kern="1200" smtClean="0">
+                <a:solidFill>
+                  <a:schemeClr val="tx1"/>
+                </a:solidFill>
+                <a:effectLst/>
+                <a:latin typeface="+mn-lt"/>
+                <a:ea typeface="+mn-ea"/>
+                <a:cs typeface="+mn-cs"/>
+              </a:rPr>
+              <a:t>决定需要从操作集中采取哪些操作</a:t>
+            </a:r>
+            <a:r>
+              <a:rPr lang="en-US" altLang="zh-CN" sz="1200" b="0" i="0" kern="1200" smtClean="0">
+                <a:solidFill>
+                  <a:schemeClr val="tx1"/>
+                </a:solidFill>
+                <a:effectLst/>
+                <a:latin typeface="+mn-lt"/>
+                <a:ea typeface="+mn-ea"/>
+                <a:cs typeface="+mn-cs"/>
+              </a:rPr>
+              <a:t>a(s)</a:t>
+            </a:r>
+            <a:r>
+              <a:rPr lang="zh-CN" altLang="en-US" sz="1200" b="0" i="0" kern="1200" smtClean="0">
+                <a:solidFill>
+                  <a:schemeClr val="tx1"/>
+                </a:solidFill>
+                <a:effectLst/>
+                <a:latin typeface="+mn-lt"/>
+                <a:ea typeface="+mn-ea"/>
+                <a:cs typeface="+mn-cs"/>
+              </a:rPr>
+              <a:t>，即</a:t>
+            </a:r>
+            <a:endParaRPr lang="en-US" altLang="zh-CN" sz="1200" b="0" i="0" kern="1200" smtClean="0">
+              <a:solidFill>
+                <a:schemeClr val="tx1"/>
+              </a:solidFill>
+              <a:effectLst/>
+              <a:latin typeface="+mn-lt"/>
+              <a:ea typeface="+mn-ea"/>
+              <a:cs typeface="+mn-cs"/>
+            </a:endParaRPr>
           </a:p>
           <a:p>
             <a:pPr marL="0" marR="0" lvl="0" indent="0" algn="l" defTabSz="914400" rtl="0" eaLnBrk="1" fontAlgn="auto" latinLnBrk="0" hangingPunct="1">
@@ -1801,35 +1589,15 @@
               <a:tabLst/>
               <a:defRPr/>
             </a:pPr>
-            <a:r>
-              <a:rPr lang="en-US" altLang="zh-CN" smtClean="0"/>
-              <a:t>Dl</a:t>
-            </a:r>
-            <a:r>
-              <a:rPr lang="zh-CN" altLang="en-US" smtClean="0"/>
-              <a:t>为在本机执行所用的时间，</a:t>
-            </a:r>
-            <a:r>
-              <a:rPr lang="el-GR" altLang="zh-CN" smtClean="0"/>
-              <a:t>μ</a:t>
-            </a:r>
-            <a:r>
-              <a:rPr lang="en-US" altLang="zh-CN" smtClean="0"/>
-              <a:t>p</a:t>
-            </a:r>
-            <a:r>
-              <a:rPr lang="zh-CN" altLang="en-US" smtClean="0"/>
-              <a:t>为一个</a:t>
-            </a:r>
-            <a:r>
-              <a:rPr lang="en-US" altLang="zh-CN" smtClean="0"/>
-              <a:t>RU</a:t>
-            </a:r>
-            <a:r>
-              <a:rPr lang="zh-CN" altLang="en-US" smtClean="0"/>
-              <a:t>的服务率</a:t>
-            </a:r>
-            <a:endParaRPr lang="en-US" altLang="zh-CN" smtClean="0"/>
+            <a:endParaRPr lang="en-US" altLang="zh-CN" sz="1200" b="0" i="0" kern="1200" smtClean="0">
+              <a:solidFill>
+                <a:schemeClr val="tx1"/>
+              </a:solidFill>
+              <a:effectLst/>
+              <a:latin typeface="+mn-lt"/>
+              <a:ea typeface="+mn-ea"/>
+              <a:cs typeface="+mn-cs"/>
+            </a:endParaRPr>
           </a:p>
           <a:p>
             <a:pPr marL="0" marR="0" lvl="0" indent="0" algn="l" defTabSz="914400" rtl="0" eaLnBrk="1" fontAlgn="auto" latinLnBrk="0" hangingPunct="1">
@@ -1850,14 +1618,110 @@
               <a:defRPr/>
             </a:pPr>
             <a:r>
-              <a:rPr lang="en-US" altLang="zh-CN" smtClean="0"/>
-              <a:t>βe and βd </a:t>
-            </a:r>
-            <a:r>
-              <a:rPr lang="zh-CN" altLang="en-US" smtClean="0"/>
-              <a:t>能量和时间的单位收益</a:t>
-            </a:r>
-            <a:endParaRPr lang="en-US" altLang="zh-CN" smtClean="0"/>
+              <a:rPr lang="en-US" altLang="zh-CN" sz="1200" b="0" i="0" kern="1200" smtClean="0">
+                <a:solidFill>
+                  <a:schemeClr val="tx1"/>
+                </a:solidFill>
+                <a:effectLst/>
+                <a:latin typeface="+mn-lt"/>
+                <a:ea typeface="+mn-ea"/>
+                <a:cs typeface="+mn-cs"/>
+              </a:rPr>
+              <a:t>a(s)=-1</a:t>
+            </a:r>
+            <a:r>
+              <a:rPr lang="zh-CN" altLang="en-US" sz="1200" b="0" i="0" kern="1200" smtClean="0">
+                <a:solidFill>
+                  <a:schemeClr val="tx1"/>
+                </a:solidFill>
+                <a:effectLst/>
+                <a:latin typeface="+mn-lt"/>
+                <a:ea typeface="+mn-ea"/>
+                <a:cs typeface="+mn-cs"/>
+              </a:rPr>
+              <a:t>时，在一个服务请求完成时，或者汽车进入或者离开</a:t>
+            </a:r>
+            <a:r>
+              <a:rPr lang="en-US" altLang="zh-CN" sz="1200" b="0" i="0" kern="1200" smtClean="0">
+                <a:solidFill>
+                  <a:schemeClr val="tx1"/>
+                </a:solidFill>
+                <a:effectLst/>
+                <a:latin typeface="+mn-lt"/>
+                <a:ea typeface="+mn-ea"/>
+                <a:cs typeface="+mn-cs"/>
+              </a:rPr>
+              <a:t>VC</a:t>
+            </a:r>
+            <a:r>
+              <a:rPr lang="zh-CN" altLang="en-US" sz="1200" b="0" i="0" kern="1200" smtClean="0">
+                <a:solidFill>
+                  <a:schemeClr val="tx1"/>
+                </a:solidFill>
+                <a:effectLst/>
+                <a:latin typeface="+mn-lt"/>
+                <a:ea typeface="+mn-ea"/>
+                <a:cs typeface="+mn-cs"/>
+              </a:rPr>
+              <a:t>时，这时仅仅需要更新</a:t>
+            </a:r>
+            <a:r>
+              <a:rPr lang="en-US" altLang="zh-CN" sz="1200" b="0" i="0" kern="1200" smtClean="0">
+                <a:solidFill>
+                  <a:schemeClr val="tx1"/>
+                </a:solidFill>
+                <a:effectLst/>
+                <a:latin typeface="+mn-lt"/>
+                <a:ea typeface="+mn-ea"/>
+                <a:cs typeface="+mn-cs"/>
+              </a:rPr>
+              <a:t>VC</a:t>
+            </a:r>
+            <a:r>
+              <a:rPr lang="zh-CN" altLang="en-US" sz="1200" b="0" i="0" kern="1200" smtClean="0">
+                <a:solidFill>
+                  <a:schemeClr val="tx1"/>
+                </a:solidFill>
+                <a:effectLst/>
+                <a:latin typeface="+mn-lt"/>
+                <a:ea typeface="+mn-ea"/>
+                <a:cs typeface="+mn-cs"/>
+              </a:rPr>
+              <a:t>中</a:t>
+            </a:r>
+            <a:r>
+              <a:rPr lang="en-US" altLang="zh-CN" sz="1200" b="0" i="0" kern="1200" smtClean="0">
+                <a:solidFill>
+                  <a:schemeClr val="tx1"/>
+                </a:solidFill>
+                <a:effectLst/>
+                <a:latin typeface="+mn-lt"/>
+                <a:ea typeface="+mn-ea"/>
+                <a:cs typeface="+mn-cs"/>
+              </a:rPr>
+              <a:t>RU</a:t>
+            </a:r>
+            <a:r>
+              <a:rPr lang="zh-CN" altLang="en-US" sz="1200" b="0" i="0" kern="1200" smtClean="0">
+                <a:solidFill>
+                  <a:schemeClr val="tx1"/>
+                </a:solidFill>
+                <a:effectLst/>
+                <a:latin typeface="+mn-lt"/>
+                <a:ea typeface="+mn-ea"/>
+                <a:cs typeface="+mn-cs"/>
+              </a:rPr>
+              <a:t>的状态。</a:t>
+            </a:r>
+            <a:endParaRPr lang="en-US" altLang="zh-CN" sz="1200" b="0" i="0" kern="1200" smtClean="0">
+              <a:solidFill>
+                <a:schemeClr val="tx1"/>
+              </a:solidFill>
+              <a:effectLst/>
+              <a:latin typeface="+mn-lt"/>
+              <a:ea typeface="+mn-ea"/>
+              <a:cs typeface="+mn-cs"/>
+            </a:endParaRPr>
           </a:p>
           <a:p>
             <a:pPr marL="0" marR="0" lvl="0" indent="0" algn="l" defTabSz="914400" rtl="0" eaLnBrk="1" fontAlgn="auto" latinLnBrk="0" hangingPunct="1">
@@ -1878,28 +1742,197 @@
               <a:defRPr/>
             </a:pPr>
             <a:r>
-              <a:rPr lang="el-GR" altLang="zh-CN" smtClean="0"/>
-              <a:t>γ</a:t>
-            </a:r>
-            <a:r>
-              <a:rPr lang="zh-CN" altLang="en-US" smtClean="0"/>
-              <a:t>为每个单位时间的花费，</a:t>
-            </a:r>
-            <a:r>
-              <a:rPr lang="el-GR" altLang="zh-CN" smtClean="0"/>
-              <a:t>γδ1</a:t>
-            </a:r>
-            <a:r>
-              <a:rPr lang="zh-CN" altLang="en-US" smtClean="0"/>
-              <a:t>为卸载所需要的花费</a:t>
-            </a:r>
+              <a:rPr lang="zh-CN" altLang="en-US" sz="1200" b="0" i="0" kern="1200" smtClean="0">
+                <a:solidFill>
+                  <a:schemeClr val="tx1"/>
+                </a:solidFill>
+                <a:effectLst/>
+                <a:latin typeface="+mn-lt"/>
+                <a:ea typeface="+mn-ea"/>
+                <a:cs typeface="+mn-cs"/>
+              </a:rPr>
+              <a:t>当收到一个新的请求时，有两种选择：</a:t>
+            </a:r>
+            <a:r>
+              <a:rPr lang="en-US" altLang="zh-CN" sz="1200" b="0" i="0" kern="1200" smtClean="0">
+                <a:solidFill>
+                  <a:schemeClr val="tx1"/>
+                </a:solidFill>
+                <a:effectLst/>
+                <a:latin typeface="+mn-lt"/>
+                <a:ea typeface="+mn-ea"/>
+                <a:cs typeface="+mn-cs"/>
+              </a:rPr>
+              <a:t>1</a:t>
+            </a:r>
+            <a:r>
+              <a:rPr lang="zh-CN" altLang="en-US" sz="1200" b="0" i="0" kern="1200" smtClean="0">
+                <a:solidFill>
+                  <a:schemeClr val="tx1"/>
+                </a:solidFill>
+                <a:effectLst/>
+                <a:latin typeface="+mn-lt"/>
+                <a:ea typeface="+mn-ea"/>
+                <a:cs typeface="+mn-cs"/>
+              </a:rPr>
+              <a:t>在</a:t>
+            </a:r>
+            <a:r>
+              <a:rPr lang="en-US" altLang="zh-CN" sz="1200" b="0" i="0" kern="1200" smtClean="0">
+                <a:solidFill>
+                  <a:schemeClr val="tx1"/>
+                </a:solidFill>
+                <a:effectLst/>
+                <a:latin typeface="+mn-lt"/>
+                <a:ea typeface="+mn-ea"/>
+                <a:cs typeface="+mn-cs"/>
+              </a:rPr>
+              <a:t>VC</a:t>
+            </a:r>
+            <a:r>
+              <a:rPr lang="zh-CN" altLang="en-US" sz="1200" b="0" i="0" kern="1200" smtClean="0">
+                <a:solidFill>
+                  <a:schemeClr val="tx1"/>
+                </a:solidFill>
+                <a:effectLst/>
+                <a:latin typeface="+mn-lt"/>
+                <a:ea typeface="+mn-ea"/>
+                <a:cs typeface="+mn-cs"/>
+              </a:rPr>
+              <a:t>中分配给请求</a:t>
+            </a:r>
+            <a:r>
+              <a:rPr lang="en-US" altLang="zh-CN" sz="1200" b="0" i="0" kern="1200" smtClean="0">
+                <a:solidFill>
+                  <a:schemeClr val="tx1"/>
+                </a:solidFill>
+                <a:effectLst/>
+                <a:latin typeface="+mn-lt"/>
+                <a:ea typeface="+mn-ea"/>
+                <a:cs typeface="+mn-cs"/>
+              </a:rPr>
+              <a:t>i</a:t>
+            </a:r>
+            <a:r>
+              <a:rPr lang="zh-CN" altLang="en-US" sz="1200" b="0" i="0" kern="1200" smtClean="0">
+                <a:solidFill>
+                  <a:schemeClr val="tx1"/>
+                </a:solidFill>
+                <a:effectLst/>
+                <a:latin typeface="+mn-lt"/>
+                <a:ea typeface="+mn-ea"/>
+                <a:cs typeface="+mn-cs"/>
+              </a:rPr>
+              <a:t>个</a:t>
+            </a:r>
+            <a:r>
+              <a:rPr lang="en-US" altLang="zh-CN" sz="1200" b="0" i="0" kern="1200" smtClean="0">
+                <a:solidFill>
+                  <a:schemeClr val="tx1"/>
+                </a:solidFill>
+                <a:effectLst/>
+                <a:latin typeface="+mn-lt"/>
+                <a:ea typeface="+mn-ea"/>
+                <a:cs typeface="+mn-cs"/>
+              </a:rPr>
+              <a:t>RU a(s)=i</a:t>
+            </a:r>
+            <a:r>
+              <a:rPr lang="zh-CN" altLang="en-US" sz="1200" b="0" i="0" kern="1200" smtClean="0">
+                <a:solidFill>
+                  <a:schemeClr val="tx1"/>
+                </a:solidFill>
+                <a:effectLst/>
+                <a:latin typeface="+mn-lt"/>
+                <a:ea typeface="+mn-ea"/>
+                <a:cs typeface="+mn-cs"/>
+              </a:rPr>
+              <a:t>；</a:t>
+            </a:r>
+            <a:r>
+              <a:rPr lang="en-US" altLang="zh-CN" sz="1200" b="0" i="0" kern="1200" smtClean="0">
+                <a:solidFill>
+                  <a:schemeClr val="tx1"/>
+                </a:solidFill>
+                <a:effectLst/>
+                <a:latin typeface="+mn-lt"/>
+                <a:ea typeface="+mn-ea"/>
+                <a:cs typeface="+mn-cs"/>
+              </a:rPr>
+              <a:t>2</a:t>
+            </a:r>
+            <a:r>
+              <a:rPr lang="zh-CN" altLang="en-US" sz="1200" b="0" i="0" kern="1200" smtClean="0">
+                <a:solidFill>
+                  <a:schemeClr val="tx1"/>
+                </a:solidFill>
+                <a:effectLst/>
+                <a:latin typeface="+mn-lt"/>
+                <a:ea typeface="+mn-ea"/>
+                <a:cs typeface="+mn-cs"/>
+              </a:rPr>
+              <a:t>传给</a:t>
+            </a:r>
+            <a:r>
+              <a:rPr lang="en-US" altLang="zh-CN" sz="1200" b="0" i="0" kern="1200" smtClean="0">
+                <a:solidFill>
+                  <a:schemeClr val="tx1"/>
+                </a:solidFill>
+                <a:effectLst/>
+                <a:latin typeface="+mn-lt"/>
+                <a:ea typeface="+mn-ea"/>
+                <a:cs typeface="+mn-cs"/>
+              </a:rPr>
+              <a:t>RC</a:t>
+            </a:r>
+            <a:r>
+              <a:rPr lang="en-US" altLang="zh-CN" sz="1200" b="0" i="0" kern="1200" baseline="0" smtClean="0">
+                <a:solidFill>
+                  <a:schemeClr val="tx1"/>
+                </a:solidFill>
+                <a:effectLst/>
+                <a:latin typeface="+mn-lt"/>
+                <a:ea typeface="+mn-ea"/>
+                <a:cs typeface="+mn-cs"/>
+              </a:rPr>
+              <a:t> a(s)=0;</a:t>
+            </a:r>
+            <a:endParaRPr lang="en-US" altLang="zh-CN" sz="1200" b="0" i="0" kern="1200" smtClean="0">
+              <a:solidFill>
+                <a:schemeClr val="tx1"/>
+              </a:solidFill>
+              <a:effectLst/>
+              <a:latin typeface="+mn-lt"/>
+              <a:ea typeface="+mn-ea"/>
+              <a:cs typeface="+mn-cs"/>
+            </a:endParaRPr>
+          </a:p>
+          <a:p>
+            <a:pPr marL="0" marR="0" lvl="0" indent="0" algn="l" defTabSz="914400" rtl="0" eaLnBrk="1" fontAlgn="auto" latinLnBrk="0" hangingPunct="1">
+              <a:lnSpc>
+                <a:spcPct val="100000"/>
+              </a:lnSpc>
+              <a:spcBef>
+                <a:spcPts val="0"/>
+              </a:spcBef>
+              <a:spcAft>
+                <a:spcPts val="0"/>
+              </a:spcAft>
+              <a:buClrTx/>
+              <a:buSzTx/>
+              <a:buFontTx/>
+              <a:buNone/>
+              <a:tabLst/>
+              <a:defRPr/>
+            </a:pPr>
+            <a:endParaRPr lang="zh-CN" altLang="en-US" smtClean="0"/>
           </a:p>
         </p:txBody>
       </p:sp>
     </p:spTree>
     <p:extLst>
       <p:ext uri="{BB962C8B-B14F-4D97-AF65-F5344CB8AC3E}">
-        <p14:creationId xmlns:p14="http://schemas.microsoft.com/office/powerpoint/2010/main" val="3236050543"/>
+        <p14:creationId xmlns:p14="http://schemas.microsoft.com/office/powerpoint/2010/main" val="2472758832"/>
       </p:ext>
     </p:extLst>
   </p:cSld>
@@ -1971,28 +2004,44 @@
               <a:defRPr/>
             </a:pPr>
             <a:r>
+              <a:rPr lang="en-US" altLang="zh-CN" smtClean="0"/>
+              <a:t>El</a:t>
+            </a:r>
+            <a:r>
+              <a:rPr lang="zh-CN" altLang="en-US" smtClean="0"/>
+              <a:t>为在本机执行消耗的能量，</a:t>
+            </a:r>
+            <a:r>
               <a:rPr lang="el-GR" altLang="zh-CN" smtClean="0"/>
-              <a:t>Δ2</a:t>
+              <a:t>δ1</a:t>
             </a:r>
             <a:r>
               <a:rPr lang="zh-CN" altLang="en-US" smtClean="0"/>
-              <a:t>为</a:t>
+              <a:t>（</a:t>
+            </a:r>
+            <a:r>
+              <a:rPr lang="en-US" altLang="zh-CN" sz="1200" b="0" i="0" kern="1200" smtClean="0">
+                <a:solidFill>
+                  <a:schemeClr val="tx1"/>
+                </a:solidFill>
+                <a:effectLst/>
+                <a:latin typeface="+mn-lt"/>
+                <a:ea typeface="+mn-ea"/>
+                <a:cs typeface="+mn-cs"/>
+              </a:rPr>
+              <a:t>Delta</a:t>
+            </a:r>
+            <a:r>
+              <a:rPr lang="zh-CN" altLang="en-US" smtClean="0"/>
+              <a:t>）为车辆之间的传输时延，</a:t>
             </a:r>
             <a:r>
               <a:rPr lang="en-US" altLang="zh-CN" smtClean="0"/>
-              <a:t>VC</a:t>
+              <a:t>P</a:t>
             </a:r>
             <a:r>
               <a:rPr lang="zh-CN" altLang="en-US" smtClean="0"/>
-              <a:t>和</a:t>
-            </a:r>
-            <a:r>
-              <a:rPr lang="en-US" altLang="zh-CN" smtClean="0"/>
-              <a:t>RC</a:t>
-            </a:r>
-            <a:r>
-              <a:rPr lang="zh-CN" altLang="en-US" smtClean="0"/>
-              <a:t>之间传输时延</a:t>
+              <a:t>为传输功率</a:t>
             </a:r>
             <a:endParaRPr lang="en-US" altLang="zh-CN" smtClean="0"/>
           </a:p>
@@ -2015,8 +2064,32 @@
               <a:defRPr/>
             </a:pPr>
             <a:r>
+              <a:rPr lang="en-US" altLang="zh-CN" smtClean="0"/>
+              <a:t>Dl</a:t>
+            </a:r>
+            <a:r>
               <a:rPr lang="zh-CN" altLang="en-US" smtClean="0"/>
-              <a:t>当一个服务完成或者一个车辆进入系统时没有收益</a:t>
+              <a:t>为在本机执行所用的时间，</a:t>
+            </a:r>
+            <a:r>
+              <a:rPr lang="el-GR" altLang="zh-CN" smtClean="0"/>
+              <a:t>μ</a:t>
+            </a:r>
+            <a:r>
+              <a:rPr lang="en-US" altLang="zh-CN" smtClean="0"/>
+              <a:t>p</a:t>
+            </a:r>
+            <a:r>
+              <a:rPr lang="zh-CN" altLang="en-US" smtClean="0"/>
+              <a:t>为一个</a:t>
+            </a:r>
+            <a:r>
+              <a:rPr lang="en-US" altLang="zh-CN" smtClean="0"/>
+              <a:t>RU</a:t>
+            </a:r>
+            <a:r>
+              <a:rPr lang="zh-CN" altLang="en-US" smtClean="0"/>
+              <a:t>的服务率</a:t>
             </a:r>
             <a:endParaRPr lang="en-US" altLang="zh-CN" smtClean="0"/>
           </a:p>
@@ -2039,16 +2112,12 @@
               <a:defRPr/>
             </a:pPr>
             <a:r>
+              <a:rPr lang="en-US" altLang="zh-CN" smtClean="0"/>
+              <a:t>βe and βd </a:t>
+            </a:r>
+            <a:r>
               <a:rPr lang="zh-CN" altLang="en-US" smtClean="0"/>
-              <a:t>当车离开并且有空闲的</a:t>
-            </a:r>
-            <a:r>
-              <a:rPr lang="en-US" altLang="zh-CN" smtClean="0"/>
-              <a:t>RU</a:t>
-            </a:r>
-            <a:r>
-              <a:rPr lang="zh-CN" altLang="en-US" smtClean="0"/>
-              <a:t>资源时没有收益</a:t>
+              <a:t>能量和时间的单位收益</a:t>
             </a:r>
             <a:endParaRPr lang="en-US" altLang="zh-CN" smtClean="0"/>
           </a:p>
@@ -2071,17 +2140,28 @@
               <a:defRPr/>
             </a:pPr>
             <a:r>
+              <a:rPr lang="el-GR" altLang="zh-CN" smtClean="0"/>
+              <a:t>γ</a:t>
+            </a:r>
+            <a:r>
               <a:rPr lang="zh-CN" altLang="en-US" smtClean="0"/>
-              <a:t>当车离开并且没有空闲资源时，这时说明车离开会有任务结果丢失，因此要进行补偿</a:t>
-            </a:r>
-            <a:endParaRPr lang="en-US" altLang="zh-CN" smtClean="0"/>
+              <a:t>为每个单位时间的花费，</a:t>
+            </a:r>
+            <a:r>
+              <a:rPr lang="el-GR" altLang="zh-CN" smtClean="0"/>
+              <a:t>γδ1</a:t>
+            </a:r>
+            <a:r>
+              <a:rPr lang="zh-CN" altLang="en-US" smtClean="0"/>
+              <a:t>为卸载所需要的花费</a:t>
+            </a:r>
           </a:p>
         </p:txBody>
       </p:sp>
     </p:spTree>
     <p:extLst>
       <p:ext uri="{BB962C8B-B14F-4D97-AF65-F5344CB8AC3E}">
-        <p14:creationId xmlns:p14="http://schemas.microsoft.com/office/powerpoint/2010/main" val="725465578"/>
+        <p14:creationId xmlns:p14="http://schemas.microsoft.com/office/powerpoint/2010/main" val="3236050543"/>
       </p:ext>
     </p:extLst>
   </p:cSld>
@@ -2152,6 +2232,134 @@
               <a:tabLst/>
               <a:defRPr/>
             </a:pPr>
+            <a:r>
+              <a:rPr lang="el-GR" altLang="zh-CN" smtClean="0"/>
+              <a:t>Δ2</a:t>
+            </a:r>
+            <a:r>
+              <a:rPr lang="zh-CN" altLang="en-US" smtClean="0"/>
+              <a:t>为</a:t>
+            </a:r>
+            <a:r>
+              <a:rPr lang="en-US" altLang="zh-CN" smtClean="0"/>
+              <a:t>VC</a:t>
+            </a:r>
+            <a:r>
+              <a:rPr lang="zh-CN" altLang="en-US" smtClean="0"/>
+              <a:t>和</a:t>
+            </a:r>
+            <a:r>
+              <a:rPr lang="en-US" altLang="zh-CN" smtClean="0"/>
+              <a:t>RC</a:t>
+            </a:r>
+            <a:r>
+              <a:rPr lang="zh-CN" altLang="en-US" smtClean="0"/>
+              <a:t>之间传输时延</a:t>
+            </a:r>
+            <a:endParaRPr lang="en-US" altLang="zh-CN" smtClean="0"/>
+          </a:p>
+          <a:p>
+            <a:pPr marL="0" marR="0" lvl="0" indent="0" algn="l" defTabSz="914400" rtl="0" eaLnBrk="1" fontAlgn="auto" latinLnBrk="0" hangingPunct="1">
+              <a:lnSpc>
+                <a:spcPct val="100000"/>
+              </a:lnSpc>
+              <a:spcBef>
+                <a:spcPts val="0"/>
+              </a:spcBef>
+              <a:spcAft>
+                <a:spcPts val="0"/>
+              </a:spcAft>
+              <a:buClrTx/>
+              <a:buSzTx/>
+              <a:buFontTx/>
+              <a:buNone/>
+              <a:tabLst/>
+              <a:defRPr/>
+            </a:pPr>
+            <a:r>
+              <a:rPr lang="en-US" altLang="zh-CN" smtClean="0"/>
+              <a:t>2.</a:t>
+            </a:r>
+            <a:r>
+              <a:rPr lang="zh-CN" altLang="en-US" smtClean="0"/>
+              <a:t>当</a:t>
+            </a:r>
+            <a:r>
+              <a:rPr lang="zh-CN" altLang="en-US" smtClean="0"/>
+              <a:t>一个服务完成或者一个车辆进入系统时没有收益</a:t>
+            </a:r>
+            <a:endParaRPr lang="en-US" altLang="zh-CN" smtClean="0"/>
+          </a:p>
+          <a:p>
+            <a:pPr marL="0" marR="0" lvl="0" indent="0" algn="l" defTabSz="914400" rtl="0" eaLnBrk="1" fontAlgn="auto" latinLnBrk="0" hangingPunct="1">
+              <a:lnSpc>
+                <a:spcPct val="100000"/>
+              </a:lnSpc>
+              <a:spcBef>
+                <a:spcPts val="0"/>
+              </a:spcBef>
+              <a:spcAft>
+                <a:spcPts val="0"/>
+              </a:spcAft>
+              <a:buClrTx/>
+              <a:buSzTx/>
+              <a:buFontTx/>
+              <a:buNone/>
+              <a:tabLst/>
+              <a:defRPr/>
+            </a:pPr>
+            <a:r>
+              <a:rPr lang="en-US" altLang="zh-CN" smtClean="0"/>
+              <a:t>3.</a:t>
+            </a:r>
+            <a:r>
+              <a:rPr lang="zh-CN" altLang="en-US" smtClean="0"/>
+              <a:t>当</a:t>
+            </a:r>
+            <a:r>
+              <a:rPr lang="zh-CN" altLang="en-US" smtClean="0"/>
+              <a:t>车离开并且有空闲的</a:t>
+            </a:r>
+            <a:r>
+              <a:rPr lang="en-US" altLang="zh-CN" smtClean="0"/>
+              <a:t>RU</a:t>
+            </a:r>
+            <a:r>
+              <a:rPr lang="zh-CN" altLang="en-US" smtClean="0"/>
+              <a:t>资源时没有收益</a:t>
+            </a:r>
+            <a:endParaRPr lang="en-US" altLang="zh-CN" smtClean="0"/>
+          </a:p>
+          <a:p>
+            <a:pPr marL="0" marR="0" lvl="0" indent="0" algn="l" defTabSz="914400" rtl="0" eaLnBrk="1" fontAlgn="auto" latinLnBrk="0" hangingPunct="1">
+              <a:lnSpc>
+                <a:spcPct val="100000"/>
+              </a:lnSpc>
+              <a:spcBef>
+                <a:spcPts val="0"/>
+              </a:spcBef>
+              <a:spcAft>
+                <a:spcPts val="0"/>
+              </a:spcAft>
+              <a:buClrTx/>
+              <a:buSzTx/>
+              <a:buFontTx/>
+              <a:buNone/>
+              <a:tabLst/>
+              <a:defRPr/>
+            </a:pPr>
+            <a:r>
+              <a:rPr lang="en-US" altLang="zh-CN" smtClean="0"/>
+              <a:t>4.</a:t>
+            </a:r>
+            <a:r>
+              <a:rPr lang="zh-CN" altLang="en-US" smtClean="0"/>
+              <a:t>当</a:t>
+            </a:r>
+            <a:r>
+              <a:rPr lang="zh-CN" altLang="en-US" smtClean="0"/>
+              <a:t>车离开并且没有空闲资源时，这时说明车离开会有任务结果丢失，因此要进行补偿</a:t>
+            </a:r>
             <a:endParaRPr lang="en-US" altLang="zh-CN" smtClean="0"/>
           </a:p>
         </p:txBody>
@@ -2159,7 +2367,7 @@
     </p:spTree>
     <p:extLst>
       <p:ext uri="{BB962C8B-B14F-4D97-AF65-F5344CB8AC3E}">
-        <p14:creationId xmlns:p14="http://schemas.microsoft.com/office/powerpoint/2010/main" val="2301822676"/>
+        <p14:creationId xmlns:p14="http://schemas.microsoft.com/office/powerpoint/2010/main" val="725465578"/>
       </p:ext>
     </p:extLst>
   </p:cSld>
@@ -2213,14 +2421,31 @@
           <a:bodyPr/>
           <a:lstStyle/>
           <a:p>
-            <a:endParaRPr lang="zh-CN" altLang="en-US"/>
+            <a:pPr marL="0" marR="0" lvl="0" indent="0" algn="l" defTabSz="914400" rtl="0" eaLnBrk="1" fontAlgn="auto" latinLnBrk="0" hangingPunct="1">
+              <a:lnSpc>
+                <a:spcPct val="100000"/>
+              </a:lnSpc>
+              <a:spcBef>
+                <a:spcPts val="0"/>
+              </a:spcBef>
+              <a:spcAft>
+                <a:spcPts val="0"/>
+              </a:spcAft>
+              <a:buClrTx/>
+              <a:buSzTx/>
+              <a:buFontTx/>
+              <a:buNone/>
+              <a:tabLst/>
+              <a:defRPr/>
+            </a:pPr>
+            <a:endParaRPr lang="en-US" altLang="zh-CN" smtClean="0"/>
           </a:p>
         </p:txBody>
       </p:sp>
     </p:spTree>
     <p:extLst>
       <p:ext uri="{BB962C8B-B14F-4D97-AF65-F5344CB8AC3E}">
-        <p14:creationId xmlns:p14="http://schemas.microsoft.com/office/powerpoint/2010/main" val="1534657367"/>
+        <p14:creationId xmlns:p14="http://schemas.microsoft.com/office/powerpoint/2010/main" val="2301822676"/>
       </p:ext>
     </p:extLst>
   </p:cSld>
@@ -2364,7 +2589,7 @@
             </a:pPr>
             <a:fld id="{EECF7B46-E4F5-4A03-87D2-D83C76E9FB67}" type="datetime1">
               <a:rPr lang="zh-CN" altLang="en-US"/>
-              <a:t>2019/1/7</a:t>
+              <a:t>2019/1/8</a:t>
             </a:fld>
             <a:endParaRPr lang="zh-CN" altLang="en-US" sz="1800">
               <a:solidFill>
@@ -2558,7 +2783,7 @@
             </a:pPr>
             <a:fld id="{89889205-6308-43FC-BAC0-BE20FACFC596}" type="datetime1">
               <a:rPr lang="zh-CN" altLang="en-US"/>
-              <a:t>2019/1/7</a:t>
+              <a:t>2019/1/8</a:t>
             </a:fld>
             <a:endParaRPr lang="zh-CN" altLang="en-US" sz="1800">
               <a:solidFill>
@@ -2762,7 +2987,7 @@
             </a:pPr>
             <a:fld id="{B605B2E9-0310-4484-B4AA-BA98347AC229}" type="datetime1">
               <a:rPr lang="zh-CN" altLang="en-US"/>
-              <a:t>2019/1/7</a:t>
+              <a:t>2019/1/8</a:t>
             </a:fld>
             <a:endParaRPr lang="zh-CN" altLang="en-US" sz="1800">
               <a:solidFill>
@@ -2909,7 +3134,7 @@
             </a:pPr>
             <a:fld id="{32363CE1-1536-44E9-8A8F-60DDC4EC0C0C}" type="datetime1">
               <a:rPr lang="zh-CN" altLang="en-US"/>
-              <a:t>2019/1/7</a:t>
+              <a:t>2019/1/8</a:t>
             </a:fld>
             <a:endParaRPr lang="zh-CN" altLang="en-US" sz="1800">
               <a:solidFill>
@@ -3103,7 +3328,7 @@
             </a:pPr>
             <a:fld id="{BBDD8B43-1A29-47A5-8E1E-3C10E7F0C181}" type="datetime1">
               <a:rPr lang="zh-CN" altLang="en-US"/>
-              <a:t>2019/1/7</a:t>
+              <a:t>2019/1/8</a:t>
             </a:fld>
             <a:endParaRPr lang="zh-CN" altLang="en-US" sz="1800">
               <a:solidFill>
@@ -3319,7 +3544,7 @@
             </a:pPr>
             <a:fld id="{B9EE72FC-BEA5-44DD-A892-416510800269}" type="datetime1">
               <a:rPr lang="zh-CN" altLang="en-US"/>
-              <a:t>2019/1/7</a:t>
+              <a:t>2019/1/8</a:t>
             </a:fld>
             <a:endParaRPr lang="zh-CN" altLang="en-US" sz="1800">
               <a:solidFill>
@@ -3631,7 +3856,7 @@
             </a:pPr>
             <a:fld id="{1271429C-C73B-4A84-83FF-41356910CEAA}" type="datetime1">
               <a:rPr lang="zh-CN" altLang="en-US"/>
-              <a:t>2019/1/7</a:t>
+              <a:t>2019/1/8</a:t>
             </a:fld>
             <a:endParaRPr lang="zh-CN" altLang="en-US" sz="1800">
               <a:solidFill>
@@ -4082,7 +4307,7 @@
             </a:pPr>
             <a:fld id="{90AA1ED2-87EA-41BE-99EC-496F7F69370F}" type="datetime1">
               <a:rPr lang="zh-CN" altLang="en-US"/>
-              <a:t>2019/1/7</a:t>
+              <a:t>2019/1/8</a:t>
             </a:fld>
             <a:endParaRPr lang="zh-CN" altLang="en-US" sz="1800">
               <a:solidFill>
@@ -4224,7 +4449,7 @@
             </a:pPr>
             <a:fld id="{9973CD95-4BFA-4A1D-9C86-9C3237F29EAA}" type="datetime1">
               <a:rPr lang="zh-CN" altLang="en-US"/>
-              <a:t>2019/1/7</a:t>
+              <a:t>2019/1/8</a:t>
             </a:fld>
             <a:endParaRPr lang="zh-CN" altLang="en-US" sz="1800">
               <a:solidFill>
@@ -4343,7 +4568,7 @@
             </a:pPr>
             <a:fld id="{06314ED7-52AE-4E0D-A884-8E2E59AEECC7}" type="datetime1">
               <a:rPr lang="zh-CN" altLang="en-US"/>
-              <a:t>2019/1/7</a:t>
+              <a:t>2019/1/8</a:t>
             </a:fld>
             <a:endParaRPr lang="zh-CN" altLang="en-US" sz="1800">
               <a:solidFill>
@@ -4644,7 +4869,7 @@
             </a:pPr>
             <a:fld id="{3950D1A5-7B69-4CEC-8258-97751E783A44}" type="datetime1">
               <a:rPr lang="zh-CN" altLang="en-US"/>
-              <a:t>2019/1/7</a:t>
+              <a:t>2019/1/8</a:t>
             </a:fld>
             <a:endParaRPr lang="zh-CN" altLang="en-US" sz="1800">
               <a:solidFill>
@@ -4924,7 +5149,7 @@
             </a:pPr>
             <a:fld id="{27939C34-CF51-4915-817E-DB81CF211490}" type="datetime1">
               <a:rPr lang="zh-CN" altLang="en-US"/>
-              <a:t>2019/1/7</a:t>
+              <a:t>2019/1/8</a:t>
             </a:fld>
             <a:endParaRPr lang="zh-CN" altLang="en-US" sz="1800">
               <a:solidFill>
@@ -5237,7 +5462,7 @@
             </a:pPr>
             <a:fld id="{DFFE92E3-3AE8-4BBA-9C65-9AC364C18C34}" type="datetime1">
               <a:rPr lang="zh-CN" altLang="en-US"/>
-              <a:t>2019/1/7</a:t>
+              <a:t>2019/1/8</a:t>
             </a:fld>
             <a:endParaRPr lang="zh-CN" altLang="en-US" sz="1800">
               <a:solidFill>
@@ -6956,10 +7181,134 @@
           </a:p>
         </p:txBody>
       </p:sp>
+      <p:pic>
+        <p:nvPicPr>
+          <p:cNvPr id="3" name="图片 2"/>
+          <p:cNvPicPr>
+            <a:picLocks noChangeAspect="1"/>
+          </p:cNvPicPr>
+          <p:nvPr/>
+        </p:nvPicPr>
+        <p:blipFill>
+          <a:blip r:embed="rId4"/>
+          <a:stretch>
+            <a:fillRect/>
+          </a:stretch>
+        </p:blipFill>
+        <p:spPr>
+          <a:xfrm>
+            <a:off x="3377641" y="2481439"/>
+            <a:ext cx="5436716" cy="3108200"/>
+          </a:xfrm>
+          <a:prstGeom prst="rect">
+            <a:avLst/>
+          </a:prstGeom>
+        </p:spPr>
+      </p:pic>
+      <p:sp>
+        <p:nvSpPr>
+          <p:cNvPr id="10" name="文本框 9"/>
+          <p:cNvSpPr txBox="1"/>
+          <p:nvPr/>
+        </p:nvSpPr>
+        <p:spPr>
+          <a:xfrm>
+            <a:off x="926123" y="905284"/>
+            <a:ext cx="2865116" cy="369332"/>
+          </a:xfrm>
+          <a:prstGeom prst="rect">
+            <a:avLst/>
+          </a:prstGeom>
+          <a:noFill/>
+        </p:spPr>
+        <p:txBody>
+          <a:bodyPr wrap="square" rtlCol="0">
+            <a:spAutoFit/>
+          </a:bodyPr>
+          <a:lstStyle/>
+          <a:p>
+            <a:r>
+              <a:rPr lang="en-US" altLang="zh-CN" b="1"/>
+              <a:t>Transition Probability</a:t>
+            </a:r>
+            <a:endParaRPr lang="en-US" altLang="zh-CN" b="1"/>
+          </a:p>
+        </p:txBody>
+      </p:sp>
+      <p:pic>
+        <p:nvPicPr>
+          <p:cNvPr id="5" name="图片 4"/>
+          <p:cNvPicPr>
+            <a:picLocks noChangeAspect="1"/>
+          </p:cNvPicPr>
+          <p:nvPr/>
+        </p:nvPicPr>
+        <p:blipFill>
+          <a:blip r:embed="rId5"/>
+          <a:stretch>
+            <a:fillRect/>
+          </a:stretch>
+        </p:blipFill>
+        <p:spPr>
+          <a:xfrm>
+            <a:off x="853831" y="1595054"/>
+            <a:ext cx="5047619" cy="952381"/>
+          </a:xfrm>
+          <a:prstGeom prst="rect">
+            <a:avLst/>
+          </a:prstGeom>
+        </p:spPr>
+      </p:pic>
+      <p:sp>
+        <p:nvSpPr>
+          <p:cNvPr id="4" name="文本框 3"/>
+          <p:cNvSpPr txBox="1"/>
+          <p:nvPr/>
+        </p:nvSpPr>
+        <p:spPr>
+          <a:xfrm>
+            <a:off x="3791239" y="1791669"/>
+            <a:ext cx="5427406" cy="369332"/>
+          </a:xfrm>
+          <a:prstGeom prst="rect">
+            <a:avLst/>
+          </a:prstGeom>
+          <a:noFill/>
+        </p:spPr>
+        <p:txBody>
+          <a:bodyPr wrap="square" rtlCol="0">
+            <a:spAutoFit/>
+          </a:bodyPr>
+          <a:lstStyle/>
+          <a:p>
+            <a:r>
+              <a:rPr lang="zh-CN" altLang="en-US" smtClean="0"/>
+              <a:t>在</a:t>
+            </a:r>
+            <a:r>
+              <a:rPr lang="en-US" altLang="zh-CN" smtClean="0"/>
+              <a:t>s</a:t>
+            </a:r>
+            <a:r>
+              <a:rPr lang="zh-CN" altLang="en-US" smtClean="0"/>
+              <a:t>状态下执行动态</a:t>
+            </a:r>
+            <a:r>
+              <a:rPr lang="en-US" altLang="zh-CN" smtClean="0"/>
+              <a:t>a</a:t>
+            </a:r>
+            <a:r>
+              <a:rPr lang="zh-CN" altLang="en-US" smtClean="0"/>
+              <a:t>所有可能发生的事件数目之和</a:t>
+            </a:r>
+            <a:endParaRPr lang="zh-CN" altLang="en-US"/>
+          </a:p>
+        </p:txBody>
+      </p:sp>
     </p:spTree>
     <p:extLst>
       <p:ext uri="{BB962C8B-B14F-4D97-AF65-F5344CB8AC3E}">
-        <p14:creationId xmlns:p14="http://schemas.microsoft.com/office/powerpoint/2010/main" val="938965259"/>
+        <p14:creationId xmlns:p14="http://schemas.microsoft.com/office/powerpoint/2010/main" val="225016998"/>
       </p:ext>
     </p:extLst>
   </p:cSld>
@@ -6977,285 +7326,6 @@
 </file>
 
 <file path=ppt/slides/slide11.xml><?xml version="1.0" encoding="utf-8"?>
-<p:sld xmlns:a="http://schemas.openxmlformats.org/drawingml/2006/main" xmlns:r="http://schemas.openxmlformats.org/officeDocument/2006/relationships" xmlns:p="http://schemas.openxmlformats.org/presentationml/2006/main">
-  <p:cSld>
-    <p:spTree>
-      <p:nvGrpSpPr>
-        <p:cNvPr id="1" name=""/>
-        <p:cNvGrpSpPr/>
-        <p:nvPr/>
-      </p:nvGrpSpPr>
-      <p:grpSpPr>
-        <a:xfrm>
-          <a:off x="0" y="0"/>
-          <a:ext cx="0" cy="0"/>
-          <a:chOff x="0" y="0"/>
-          <a:chExt cx="0" cy="0"/>
-        </a:xfrm>
-      </p:grpSpPr>
-      <p:pic>
-        <p:nvPicPr>
-          <p:cNvPr id="18434" name="图片 1"/>
-          <p:cNvPicPr>
-            <a:picLocks noChangeAspect="1" noChangeArrowheads="1"/>
-          </p:cNvPicPr>
-          <p:nvPr/>
-        </p:nvPicPr>
-        <p:blipFill>
-          <a:blip r:embed="rId2">
-            <a:extLst>
-              <a:ext uri="{28A0092B-C50C-407E-A947-70E740481C1C}">
-                <a14:useLocalDpi xmlns:a14="http://schemas.microsoft.com/office/drawing/2010/main" val="0"/>
-              </a:ext>
-            </a:extLst>
-          </a:blip>
-          <a:srcRect/>
-          <a:stretch>
-            <a:fillRect/>
-          </a:stretch>
-        </p:blipFill>
-        <p:spPr bwMode="auto">
-          <a:xfrm>
-            <a:off x="0" y="0"/>
-            <a:ext cx="12192000" cy="6858000"/>
-          </a:xfrm>
-          <a:prstGeom prst="rect">
-            <a:avLst/>
-          </a:prstGeom>
-          <a:noFill/>
-          <a:ln>
-            <a:noFill/>
-          </a:ln>
-          <a:extLst>
-            <a:ext uri="{909E8E84-426E-40DD-AFC4-6F175D3DCCD1}">
-              <a14:hiddenFill xmlns:a14="http://schemas.microsoft.com/office/drawing/2010/main">
-                <a:solidFill>
-                  <a:srgbClr val="FFFFFF"/>
-                </a:solidFill>
-              </a14:hiddenFill>
-            </a:ext>
-            <a:ext uri="{91240B29-F687-4F45-9708-019B960494DF}">
-              <a14:hiddenLine xmlns:a14="http://schemas.microsoft.com/office/drawing/2010/main" w="9525">
-                <a:solidFill>
-                  <a:srgbClr val="000000"/>
-                </a:solidFill>
-                <a:miter lim="800000"/>
-                <a:headEnd/>
-                <a:tailEnd/>
-              </a14:hiddenLine>
-            </a:ext>
-          </a:extLst>
-        </p:spPr>
-      </p:pic>
-      <p:sp>
-        <p:nvSpPr>
-          <p:cNvPr id="18435" name="文本框 6"/>
-          <p:cNvSpPr>
-            <a:spLocks noChangeArrowheads="1"/>
-          </p:cNvSpPr>
-          <p:nvPr/>
-        </p:nvSpPr>
-        <p:spPr bwMode="auto">
-          <a:xfrm>
-            <a:off x="1423988" y="1334911"/>
-            <a:ext cx="7278687" cy="769938"/>
-          </a:xfrm>
-          <a:prstGeom prst="rect">
-            <a:avLst/>
-          </a:prstGeom>
-          <a:noFill/>
-          <a:ln>
-            <a:noFill/>
-          </a:ln>
-          <a:extLst>
-            <a:ext uri="{909E8E84-426E-40DD-AFC4-6F175D3DCCD1}">
-              <a14:hiddenFill xmlns:a14="http://schemas.microsoft.com/office/drawing/2010/main">
-                <a:solidFill>
-                  <a:srgbClr val="FFFFFF"/>
-                </a:solidFill>
-              </a14:hiddenFill>
-            </a:ext>
-            <a:ext uri="{91240B29-F687-4F45-9708-019B960494DF}">
-              <a14:hiddenLine xmlns:a14="http://schemas.microsoft.com/office/drawing/2010/main" w="9525">
-                <a:solidFill>
-                  <a:srgbClr val="000000"/>
-                </a:solidFill>
-                <a:miter lim="800000"/>
-                <a:headEnd/>
-                <a:tailEnd/>
-              </a14:hiddenLine>
-            </a:ext>
-          </a:extLst>
-        </p:spPr>
-        <p:txBody>
-          <a:bodyPr>
-            <a:spAutoFit/>
-          </a:bodyPr>
-          <a:lstStyle/>
-          <a:p>
-            <a:r>
-              <a:rPr lang="zh-CN" altLang="en-US" sz="4400" b="1" smtClean="0">
-                <a:solidFill>
-                  <a:srgbClr val="000000"/>
-                </a:solidFill>
-                <a:latin typeface="微软雅黑" panose="020B0503020204020204" pitchFamily="34" charset="-122"/>
-                <a:ea typeface="微软雅黑" panose="020B0503020204020204" pitchFamily="34" charset="-122"/>
-                <a:sym typeface="微软雅黑" panose="020B0503020204020204" pitchFamily="34" charset="-122"/>
-              </a:rPr>
-              <a:t>谢谢</a:t>
-            </a:r>
-            <a:endParaRPr lang="zh-CN" altLang="en-US" sz="4400" b="1">
-              <a:solidFill>
-                <a:srgbClr val="000000"/>
-              </a:solidFill>
-              <a:latin typeface="微软雅黑" panose="020B0503020204020204" pitchFamily="34" charset="-122"/>
-              <a:ea typeface="微软雅黑" panose="020B0503020204020204" pitchFamily="34" charset="-122"/>
-              <a:sym typeface="微软雅黑" panose="020B0503020204020204" pitchFamily="34" charset="-122"/>
-            </a:endParaRPr>
-          </a:p>
-        </p:txBody>
-      </p:sp>
-      <p:sp>
-        <p:nvSpPr>
-          <p:cNvPr id="18438" name="文本框 9"/>
-          <p:cNvSpPr>
-            <a:spLocks noChangeArrowheads="1"/>
-          </p:cNvSpPr>
-          <p:nvPr/>
-        </p:nvSpPr>
-        <p:spPr bwMode="auto">
-          <a:xfrm>
-            <a:off x="1423988" y="2736850"/>
-            <a:ext cx="5360987" cy="1477328"/>
-          </a:xfrm>
-          <a:prstGeom prst="rect">
-            <a:avLst/>
-          </a:prstGeom>
-          <a:noFill/>
-          <a:ln>
-            <a:noFill/>
-          </a:ln>
-          <a:extLst>
-            <a:ext uri="{909E8E84-426E-40DD-AFC4-6F175D3DCCD1}">
-              <a14:hiddenFill xmlns:a14="http://schemas.microsoft.com/office/drawing/2010/main">
-                <a:solidFill>
-                  <a:srgbClr val="FFFFFF"/>
-                </a:solidFill>
-              </a14:hiddenFill>
-            </a:ext>
-            <a:ext uri="{91240B29-F687-4F45-9708-019B960494DF}">
-              <a14:hiddenLine xmlns:a14="http://schemas.microsoft.com/office/drawing/2010/main" w="9525">
-                <a:solidFill>
-                  <a:srgbClr val="000000"/>
-                </a:solidFill>
-                <a:miter lim="800000"/>
-                <a:headEnd/>
-                <a:tailEnd/>
-              </a14:hiddenLine>
-            </a:ext>
-          </a:extLst>
-        </p:spPr>
-        <p:txBody>
-          <a:bodyPr>
-            <a:spAutoFit/>
-          </a:bodyPr>
-          <a:lstStyle/>
-          <a:p>
-            <a:pPr>
-              <a:lnSpc>
-                <a:spcPct val="150000"/>
-              </a:lnSpc>
-            </a:pPr>
-            <a:r>
-              <a:rPr lang="zh-CN" altLang="en-US" sz="2000" smtClean="0">
-                <a:solidFill>
-                  <a:srgbClr val="000000"/>
-                </a:solidFill>
-                <a:latin typeface="微软雅黑" panose="020B0503020204020204" pitchFamily="34" charset="-122"/>
-                <a:ea typeface="微软雅黑" panose="020B0503020204020204" pitchFamily="34" charset="-122"/>
-                <a:sym typeface="微软雅黑" panose="020B0503020204020204" pitchFamily="34" charset="-122"/>
-              </a:rPr>
-              <a:t>汇报人：王琦     </a:t>
-            </a:r>
-            <a:endParaRPr lang="en-US" altLang="zh-CN" sz="2000">
-              <a:solidFill>
-                <a:srgbClr val="000000"/>
-              </a:solidFill>
-              <a:latin typeface="微软雅黑" panose="020B0503020204020204" pitchFamily="34" charset="-122"/>
-              <a:ea typeface="微软雅黑" panose="020B0503020204020204" pitchFamily="34" charset="-122"/>
-              <a:sym typeface="微软雅黑" panose="020B0503020204020204" pitchFamily="34" charset="-122"/>
-            </a:endParaRPr>
-          </a:p>
-          <a:p>
-            <a:pPr>
-              <a:lnSpc>
-                <a:spcPct val="150000"/>
-              </a:lnSpc>
-            </a:pPr>
-            <a:r>
-              <a:rPr lang="zh-CN" altLang="en-US" sz="2000" smtClean="0">
-                <a:solidFill>
-                  <a:srgbClr val="000000"/>
-                </a:solidFill>
-                <a:latin typeface="微软雅黑" panose="020B0503020204020204" pitchFamily="34" charset="-122"/>
-                <a:ea typeface="微软雅黑" panose="020B0503020204020204" pitchFamily="34" charset="-122"/>
-                <a:sym typeface="微软雅黑" panose="020B0503020204020204" pitchFamily="34" charset="-122"/>
-              </a:rPr>
-              <a:t>导师：李智勇             </a:t>
-            </a:r>
-            <a:endParaRPr lang="en-US" sz="2000">
-              <a:solidFill>
-                <a:srgbClr val="000000"/>
-              </a:solidFill>
-              <a:latin typeface="微软雅黑" panose="020B0503020204020204" pitchFamily="34" charset="-122"/>
-              <a:ea typeface="微软雅黑" panose="020B0503020204020204" pitchFamily="34" charset="-122"/>
-              <a:sym typeface="微软雅黑" panose="020B0503020204020204" pitchFamily="34" charset="-122"/>
-            </a:endParaRPr>
-          </a:p>
-          <a:p>
-            <a:pPr>
-              <a:lnSpc>
-                <a:spcPct val="150000"/>
-              </a:lnSpc>
-            </a:pPr>
-            <a:r>
-              <a:rPr lang="en-US" altLang="zh-CN" sz="2000">
-                <a:solidFill>
-                  <a:srgbClr val="000000"/>
-                </a:solidFill>
-                <a:latin typeface="微软雅黑" panose="020B0503020204020204" pitchFamily="34" charset="-122"/>
-                <a:ea typeface="微软雅黑" panose="020B0503020204020204" pitchFamily="34" charset="-122"/>
-                <a:sym typeface="微软雅黑" panose="020B0503020204020204" pitchFamily="34" charset="-122"/>
-              </a:rPr>
-              <a:t>    </a:t>
-            </a:r>
-            <a:endParaRPr lang="zh-CN" altLang="en-US" sz="2000">
-              <a:solidFill>
-                <a:srgbClr val="000000"/>
-              </a:solidFill>
-              <a:latin typeface="微软雅黑" panose="020B0503020204020204" pitchFamily="34" charset="-122"/>
-              <a:ea typeface="微软雅黑" panose="020B0503020204020204" pitchFamily="34" charset="-122"/>
-              <a:sym typeface="微软雅黑" panose="020B0503020204020204" pitchFamily="34" charset="-122"/>
-            </a:endParaRPr>
-          </a:p>
-        </p:txBody>
-      </p:sp>
-    </p:spTree>
-  </p:cSld>
-  <p:clrMapOvr>
-    <a:masterClrMapping/>
-  </p:clrMapOvr>
-  <p:timing>
-    <p:tnLst>
-      <p:par>
-        <p:cTn id="1" dur="indefinite" restart="never" nodeType="tmRoot"/>
-      </p:par>
-    </p:tnLst>
-  </p:timing>
-</p:sld>
-</file>
-
-<file path=ppt/slides/slide2.xml><?xml version="1.0" encoding="utf-8"?>
 <p:sld xmlns:a="http://schemas.openxmlformats.org/drawingml/2006/main" xmlns:r="http://schemas.openxmlformats.org/officeDocument/2006/relationships" xmlns:p="http://schemas.openxmlformats.org/presentationml/2006/main">
   <p:cSld>
     <p:spTree>
@@ -7336,8 +7406,8 @@
         </p:nvSpPr>
         <p:spPr bwMode="auto">
           <a:xfrm>
-            <a:off x="728980" y="1125855"/>
-            <a:ext cx="10734675" cy="5198745"/>
+            <a:off x="728662" y="905284"/>
+            <a:ext cx="10734675" cy="5732145"/>
           </a:xfrm>
           <a:prstGeom prst="parallelogram">
             <a:avLst>
@@ -7373,323 +7443,6 @@
               <a:latin typeface="宋体" panose="02010600030101010101" pitchFamily="2" charset="-122"/>
               <a:sym typeface="宋体" panose="02010600030101010101" pitchFamily="2" charset="-122"/>
             </a:endParaRPr>
-          </a:p>
-        </p:txBody>
-      </p:sp>
-      <p:sp>
-        <p:nvSpPr>
-          <p:cNvPr id="5127" name="矩形 20"/>
-          <p:cNvSpPr>
-            <a:spLocks noChangeArrowheads="1"/>
-          </p:cNvSpPr>
-          <p:nvPr/>
-        </p:nvSpPr>
-        <p:spPr bwMode="auto">
-          <a:xfrm>
-            <a:off x="857257" y="1125855"/>
-            <a:ext cx="10606398" cy="4385816"/>
-          </a:xfrm>
-          <a:prstGeom prst="rect">
-            <a:avLst/>
-          </a:prstGeom>
-          <a:noFill/>
-          <a:ln>
-            <a:noFill/>
-          </a:ln>
-          <a:extLst>
-            <a:ext uri="{909E8E84-426E-40DD-AFC4-6F175D3DCCD1}">
-              <a14:hiddenFill xmlns:a14="http://schemas.microsoft.com/office/drawing/2010/main">
-                <a:solidFill>
-                  <a:srgbClr val="FFFFFF"/>
-                </a:solidFill>
-              </a14:hiddenFill>
-            </a:ext>
-            <a:ext uri="{91240B29-F687-4F45-9708-019B960494DF}">
-              <a14:hiddenLine xmlns:a14="http://schemas.microsoft.com/office/drawing/2010/main" w="9525">
-                <a:solidFill>
-                  <a:srgbClr val="000000"/>
-                </a:solidFill>
-                <a:miter lim="800000"/>
-                <a:headEnd/>
-                <a:tailEnd/>
-              </a14:hiddenLine>
-            </a:ext>
-          </a:extLst>
-        </p:spPr>
-        <p:txBody>
-          <a:bodyPr wrap="square">
-            <a:spAutoFit/>
-          </a:bodyPr>
-          <a:lstStyle/>
-          <a:p>
-            <a:pPr>
-              <a:lnSpc>
-                <a:spcPct val="150000"/>
-              </a:lnSpc>
-            </a:pPr>
-            <a:r>
-              <a:rPr lang="zh-CN" altLang="en-US" sz="2400" b="1" smtClean="0">
-                <a:solidFill>
-                  <a:srgbClr val="000000"/>
-                </a:solidFill>
-                <a:latin typeface="微软雅黑" panose="020B0503020204020204" pitchFamily="34" charset="-122"/>
-                <a:ea typeface="微软雅黑" panose="020B0503020204020204" pitchFamily="34" charset="-122"/>
-                <a:sym typeface="微软雅黑" panose="020B0503020204020204" pitchFamily="34" charset="-122"/>
-              </a:rPr>
-              <a:t>论文介绍：</a:t>
-            </a:r>
-            <a:endParaRPr lang="en-US" altLang="zh-CN" sz="2400" b="1" smtClean="0">
-              <a:solidFill>
-                <a:srgbClr val="000000"/>
-              </a:solidFill>
-              <a:latin typeface="微软雅黑" panose="020B0503020204020204" pitchFamily="34" charset="-122"/>
-              <a:ea typeface="微软雅黑" panose="020B0503020204020204" pitchFamily="34" charset="-122"/>
-              <a:sym typeface="微软雅黑" panose="020B0503020204020204" pitchFamily="34" charset="-122"/>
-            </a:endParaRPr>
-          </a:p>
-          <a:p>
-            <a:pPr>
-              <a:lnSpc>
-                <a:spcPct val="150000"/>
-              </a:lnSpc>
-            </a:pPr>
-            <a:r>
-              <a:rPr lang="zh-CN" altLang="en-US" smtClean="0">
-                <a:latin typeface="+mn-ea"/>
-                <a:ea typeface="+mn-ea"/>
-              </a:rPr>
-              <a:t>题目：</a:t>
-            </a:r>
-            <a:r>
-              <a:rPr lang="en-US" altLang="zh-CN" smtClean="0">
-                <a:latin typeface="+mn-ea"/>
-                <a:ea typeface="+mn-ea"/>
-              </a:rPr>
-              <a:t>《</a:t>
-            </a:r>
-            <a:r>
-              <a:rPr lang="en-US" altLang="zh-CN">
-                <a:latin typeface="+mn-ea"/>
-                <a:ea typeface="+mn-ea"/>
-                <a:sym typeface="微软雅黑" panose="020B0503020204020204" pitchFamily="34" charset="-122"/>
-              </a:rPr>
-              <a:t>An SMDP-Based Resource Allocation in Vehicular Cloud Computing </a:t>
-            </a:r>
-            <a:r>
-              <a:rPr lang="en-US" altLang="zh-CN" smtClean="0">
-                <a:latin typeface="+mn-ea"/>
-                <a:ea typeface="+mn-ea"/>
-                <a:sym typeface="微软雅黑" panose="020B0503020204020204" pitchFamily="34" charset="-122"/>
-              </a:rPr>
-              <a:t>Systems</a:t>
-            </a:r>
-            <a:r>
-              <a:rPr lang="en-US" altLang="zh-CN" smtClean="0">
-                <a:latin typeface="+mn-ea"/>
-                <a:ea typeface="+mn-ea"/>
-              </a:rPr>
-              <a:t>》</a:t>
-            </a:r>
-          </a:p>
-          <a:p>
-            <a:pPr>
-              <a:lnSpc>
-                <a:spcPct val="150000"/>
-              </a:lnSpc>
-            </a:pPr>
-            <a:r>
-              <a:rPr lang="zh-CN" altLang="en-US" smtClean="0">
-                <a:latin typeface="+mn-ea"/>
-                <a:ea typeface="+mn-ea"/>
-              </a:rPr>
-              <a:t>期刊：</a:t>
-            </a:r>
-            <a:r>
-              <a:rPr lang="en-US" altLang="zh-CN">
-                <a:latin typeface="+mn-ea"/>
-                <a:ea typeface="+mn-ea"/>
-              </a:rPr>
-              <a:t>《IEEE Transactions on Industrial Electronics</a:t>
-            </a:r>
-            <a:r>
-              <a:rPr lang="en-US" altLang="zh-CN" smtClean="0">
-                <a:latin typeface="+mn-ea"/>
-                <a:ea typeface="+mn-ea"/>
-              </a:rPr>
-              <a:t>》 </a:t>
-            </a:r>
-            <a:r>
-              <a:rPr lang="en-US" altLang="zh-CN">
-                <a:latin typeface="+mn-ea"/>
-                <a:ea typeface="+mn-ea"/>
-              </a:rPr>
-              <a:t>Dec. </a:t>
-            </a:r>
-            <a:r>
-              <a:rPr lang="en-US" altLang="zh-CN" smtClean="0">
-                <a:latin typeface="+mn-ea"/>
-                <a:ea typeface="+mn-ea"/>
-              </a:rPr>
-              <a:t>2015</a:t>
-            </a:r>
-          </a:p>
-          <a:p>
-            <a:pPr>
-              <a:lnSpc>
-                <a:spcPct val="150000"/>
-              </a:lnSpc>
-            </a:pPr>
-            <a:endParaRPr lang="en-US" altLang="zh-CN">
-              <a:latin typeface="+mn-ea"/>
-              <a:ea typeface="+mn-ea"/>
-            </a:endParaRPr>
-          </a:p>
-          <a:p>
-            <a:pPr>
-              <a:lnSpc>
-                <a:spcPct val="150000"/>
-              </a:lnSpc>
-            </a:pPr>
-            <a:r>
-              <a:rPr lang="zh-CN" altLang="en-US">
-                <a:latin typeface="+mn-ea"/>
-              </a:rPr>
-              <a:t>题目：</a:t>
-            </a:r>
-            <a:r>
-              <a:rPr lang="en-US" altLang="zh-CN" smtClean="0">
-                <a:latin typeface="+mn-ea"/>
-              </a:rPr>
-              <a:t>《</a:t>
-            </a:r>
-            <a:r>
-              <a:rPr lang="en-US" altLang="zh-CN">
-                <a:latin typeface="+mn-ea"/>
-                <a:sym typeface="微软雅黑" panose="020B0503020204020204" pitchFamily="34" charset="-122"/>
-              </a:rPr>
-              <a:t>Resource Allocation in Vehicular Cloud Computing Systems With Heterogeneous Vehicles and Roadside Units</a:t>
-            </a:r>
-            <a:r>
-              <a:rPr lang="en-US" altLang="zh-CN" smtClean="0">
-                <a:latin typeface="+mn-ea"/>
-              </a:rPr>
-              <a:t>》</a:t>
-            </a:r>
-            <a:endParaRPr lang="en-US" altLang="zh-CN">
-              <a:latin typeface="+mn-ea"/>
-            </a:endParaRPr>
-          </a:p>
-          <a:p>
-            <a:pPr>
-              <a:lnSpc>
-                <a:spcPct val="150000"/>
-              </a:lnSpc>
-            </a:pPr>
-            <a:r>
-              <a:rPr lang="zh-CN" altLang="en-US">
-                <a:latin typeface="+mn-ea"/>
-              </a:rPr>
-              <a:t>期刊：</a:t>
-            </a:r>
-            <a:r>
-              <a:rPr lang="en-US" altLang="zh-CN">
-                <a:latin typeface="+mn-ea"/>
-              </a:rPr>
-              <a:t>《IEEE Internet of Things Journal》 Oct. </a:t>
-            </a:r>
-            <a:r>
-              <a:rPr lang="en-US" altLang="zh-CN" smtClean="0">
-                <a:latin typeface="+mn-ea"/>
-              </a:rPr>
-              <a:t>2018</a:t>
-            </a:r>
-          </a:p>
-          <a:p>
-            <a:pPr>
-              <a:lnSpc>
-                <a:spcPct val="150000"/>
-              </a:lnSpc>
-            </a:pPr>
-            <a:endParaRPr lang="en-US" altLang="zh-CN" smtClean="0">
-              <a:latin typeface="+mn-ea"/>
-            </a:endParaRPr>
-          </a:p>
-          <a:p>
-            <a:pPr>
-              <a:lnSpc>
-                <a:spcPct val="150000"/>
-              </a:lnSpc>
-            </a:pPr>
-            <a:r>
-              <a:rPr lang="zh-CN" altLang="en-US" smtClean="0">
-                <a:latin typeface="+mn-ea"/>
-                <a:ea typeface="+mn-ea"/>
-              </a:rPr>
-              <a:t>目标：最大化</a:t>
-            </a:r>
-            <a:r>
-              <a:rPr lang="en-US" altLang="zh-CN" smtClean="0">
-                <a:latin typeface="+mn-ea"/>
-                <a:ea typeface="+mn-ea"/>
-              </a:rPr>
-              <a:t>VCC</a:t>
-            </a:r>
-            <a:r>
-              <a:rPr lang="zh-CN" altLang="en-US" smtClean="0">
-                <a:latin typeface="+mn-ea"/>
-                <a:ea typeface="+mn-ea"/>
-              </a:rPr>
-              <a:t>的长期</a:t>
-            </a:r>
-            <a:r>
-              <a:rPr lang="zh-CN" altLang="en-US">
-                <a:latin typeface="+mn-ea"/>
-                <a:ea typeface="+mn-ea"/>
-              </a:rPr>
-              <a:t>预期回报。系统奖励是通过考虑</a:t>
-            </a:r>
-            <a:r>
-              <a:rPr lang="en-US" altLang="zh-CN">
-                <a:latin typeface="+mn-ea"/>
-                <a:ea typeface="+mn-ea"/>
-              </a:rPr>
-              <a:t>VCC</a:t>
-            </a:r>
-            <a:r>
-              <a:rPr lang="zh-CN" altLang="en-US">
-                <a:latin typeface="+mn-ea"/>
-                <a:ea typeface="+mn-ea"/>
-              </a:rPr>
-              <a:t>系统的</a:t>
-            </a:r>
-            <a:r>
-              <a:rPr lang="zh-CN" altLang="en-US" b="1">
-                <a:latin typeface="+mn-ea"/>
-                <a:ea typeface="+mn-ea"/>
-              </a:rPr>
-              <a:t>收入</a:t>
-            </a:r>
-            <a:r>
-              <a:rPr lang="zh-CN" altLang="en-US">
-                <a:latin typeface="+mn-ea"/>
-                <a:ea typeface="+mn-ea"/>
-              </a:rPr>
-              <a:t>和</a:t>
-            </a:r>
-            <a:r>
-              <a:rPr lang="zh-CN" altLang="en-US" b="1">
-                <a:latin typeface="+mn-ea"/>
-                <a:ea typeface="+mn-ea"/>
-              </a:rPr>
-              <a:t>成本</a:t>
-            </a:r>
-            <a:r>
-              <a:rPr lang="zh-CN" altLang="en-US">
-                <a:latin typeface="+mn-ea"/>
-                <a:ea typeface="+mn-ea"/>
-              </a:rPr>
-              <a:t>以及可用资源的可变性特征得出的。</a:t>
-            </a:r>
           </a:p>
         </p:txBody>
       </p:sp>
@@ -8402,10 +8155,166 @@
           </a:p>
         </p:txBody>
       </p:sp>
+      <p:sp>
+        <p:nvSpPr>
+          <p:cNvPr id="10" name="文本框 9"/>
+          <p:cNvSpPr txBox="1"/>
+          <p:nvPr/>
+        </p:nvSpPr>
+        <p:spPr>
+          <a:xfrm>
+            <a:off x="926123" y="905284"/>
+            <a:ext cx="2865116" cy="369332"/>
+          </a:xfrm>
+          <a:prstGeom prst="rect">
+            <a:avLst/>
+          </a:prstGeom>
+          <a:noFill/>
+        </p:spPr>
+        <p:txBody>
+          <a:bodyPr wrap="square" rtlCol="0">
+            <a:spAutoFit/>
+          </a:bodyPr>
+          <a:lstStyle/>
+          <a:p>
+            <a:r>
+              <a:rPr lang="en-US" altLang="zh-CN" b="1"/>
+              <a:t>Transition Probability</a:t>
+            </a:r>
+            <a:endParaRPr lang="en-US" altLang="zh-CN" b="1"/>
+          </a:p>
+        </p:txBody>
+      </p:sp>
+      <p:pic>
+        <p:nvPicPr>
+          <p:cNvPr id="2" name="图片 1"/>
+          <p:cNvPicPr>
+            <a:picLocks noChangeAspect="1"/>
+          </p:cNvPicPr>
+          <p:nvPr/>
+        </p:nvPicPr>
+        <p:blipFill>
+          <a:blip r:embed="rId4"/>
+          <a:stretch>
+            <a:fillRect/>
+          </a:stretch>
+        </p:blipFill>
+        <p:spPr>
+          <a:xfrm>
+            <a:off x="1295999" y="2457657"/>
+            <a:ext cx="4800000" cy="3580952"/>
+          </a:xfrm>
+          <a:prstGeom prst="rect">
+            <a:avLst/>
+          </a:prstGeom>
+        </p:spPr>
+      </p:pic>
+      <p:pic>
+        <p:nvPicPr>
+          <p:cNvPr id="6" name="图片 5"/>
+          <p:cNvPicPr>
+            <a:picLocks noChangeAspect="1"/>
+          </p:cNvPicPr>
+          <p:nvPr/>
+        </p:nvPicPr>
+        <p:blipFill>
+          <a:blip r:embed="rId5"/>
+          <a:stretch>
+            <a:fillRect/>
+          </a:stretch>
+        </p:blipFill>
+        <p:spPr>
+          <a:xfrm>
+            <a:off x="6112530" y="3023024"/>
+            <a:ext cx="5238095" cy="2752381"/>
+          </a:xfrm>
+          <a:prstGeom prst="rect">
+            <a:avLst/>
+          </a:prstGeom>
+        </p:spPr>
+      </p:pic>
+      <p:pic>
+        <p:nvPicPr>
+          <p:cNvPr id="7" name="图片 6"/>
+          <p:cNvPicPr>
+            <a:picLocks noChangeAspect="1"/>
+          </p:cNvPicPr>
+          <p:nvPr/>
+        </p:nvPicPr>
+        <p:blipFill>
+          <a:blip r:embed="rId6"/>
+          <a:stretch>
+            <a:fillRect/>
+          </a:stretch>
+        </p:blipFill>
+        <p:spPr>
+          <a:xfrm>
+            <a:off x="1048380" y="1438537"/>
+            <a:ext cx="5047619" cy="952381"/>
+          </a:xfrm>
+          <a:prstGeom prst="rect">
+            <a:avLst/>
+          </a:prstGeom>
+        </p:spPr>
+      </p:pic>
+      <p:sp>
+        <p:nvSpPr>
+          <p:cNvPr id="8" name="文本框 7"/>
+          <p:cNvSpPr txBox="1"/>
+          <p:nvPr/>
+        </p:nvSpPr>
+        <p:spPr>
+          <a:xfrm>
+            <a:off x="4218039" y="1674171"/>
+            <a:ext cx="4085303" cy="369332"/>
+          </a:xfrm>
+          <a:prstGeom prst="rect">
+            <a:avLst/>
+          </a:prstGeom>
+          <a:noFill/>
+        </p:spPr>
+        <p:txBody>
+          <a:bodyPr wrap="square" rtlCol="0">
+            <a:spAutoFit/>
+          </a:bodyPr>
+          <a:lstStyle/>
+          <a:p>
+            <a:r>
+              <a:rPr lang="zh-CN" altLang="en-US" smtClean="0"/>
+              <a:t>从状态</a:t>
+            </a:r>
+            <a:r>
+              <a:rPr lang="en-US" altLang="zh-CN" smtClean="0"/>
+              <a:t>s</a:t>
+            </a:r>
+            <a:r>
+              <a:rPr lang="zh-CN" altLang="en-US" smtClean="0"/>
+              <a:t>在动作</a:t>
+            </a:r>
+            <a:r>
+              <a:rPr lang="en-US" altLang="zh-CN" smtClean="0"/>
+              <a:t>a</a:t>
+            </a:r>
+            <a:r>
+              <a:rPr lang="zh-CN" altLang="en-US" smtClean="0"/>
+              <a:t>下转换到</a:t>
+            </a:r>
+            <a:r>
+              <a:rPr lang="en-US" altLang="zh-CN" smtClean="0"/>
+              <a:t>s’</a:t>
+            </a:r>
+            <a:r>
+              <a:rPr lang="zh-CN" altLang="en-US" smtClean="0"/>
+              <a:t>的概率</a:t>
+            </a:r>
+            <a:endParaRPr lang="zh-CN" altLang="en-US"/>
+          </a:p>
+        </p:txBody>
+      </p:sp>
     </p:spTree>
     <p:extLst>
       <p:ext uri="{BB962C8B-B14F-4D97-AF65-F5344CB8AC3E}">
-        <p14:creationId xmlns:p14="http://schemas.microsoft.com/office/powerpoint/2010/main" val="822331676"/>
+        <p14:creationId xmlns:p14="http://schemas.microsoft.com/office/powerpoint/2010/main" val="1867090939"/>
       </p:ext>
     </p:extLst>
   </p:cSld>
@@ -8422,7 +8331,7 @@
 </p:sld>
 </file>
 
-<file path=ppt/slides/slide3.xml><?xml version="1.0" encoding="utf-8"?>
+<file path=ppt/slides/slide12.xml><?xml version="1.0" encoding="utf-8"?>
 <p:sld xmlns:a="http://schemas.openxmlformats.org/drawingml/2006/main" xmlns:r="http://schemas.openxmlformats.org/officeDocument/2006/relationships" xmlns:p="http://schemas.openxmlformats.org/presentationml/2006/main">
   <p:cSld>
     <p:spTree>
@@ -9254,6 +9163,78 @@
       </p:sp>
       <p:pic>
         <p:nvPicPr>
+          <p:cNvPr id="2" name="图片 1"/>
+          <p:cNvPicPr>
+            <a:picLocks noChangeAspect="1"/>
+          </p:cNvPicPr>
+          <p:nvPr/>
+        </p:nvPicPr>
+        <p:blipFill>
+          <a:blip r:embed="rId4"/>
+          <a:stretch>
+            <a:fillRect/>
+          </a:stretch>
+        </p:blipFill>
+        <p:spPr>
+          <a:xfrm>
+            <a:off x="3167424" y="5141226"/>
+            <a:ext cx="5609524" cy="1352381"/>
+          </a:xfrm>
+          <a:prstGeom prst="rect">
+            <a:avLst/>
+          </a:prstGeom>
+        </p:spPr>
+      </p:pic>
+      <p:pic>
+        <p:nvPicPr>
+          <p:cNvPr id="3" name="图片 2"/>
+          <p:cNvPicPr>
+            <a:picLocks noChangeAspect="1"/>
+          </p:cNvPicPr>
+          <p:nvPr/>
+        </p:nvPicPr>
+        <p:blipFill>
+          <a:blip r:embed="rId5"/>
+          <a:stretch>
+            <a:fillRect/>
+          </a:stretch>
+        </p:blipFill>
+        <p:spPr>
+          <a:xfrm>
+            <a:off x="3572189" y="1665815"/>
+            <a:ext cx="5047619" cy="1161905"/>
+          </a:xfrm>
+          <a:prstGeom prst="rect">
+            <a:avLst/>
+          </a:prstGeom>
+        </p:spPr>
+      </p:pic>
+      <p:pic>
+        <p:nvPicPr>
+          <p:cNvPr id="4" name="图片 3"/>
+          <p:cNvPicPr>
+            <a:picLocks noChangeAspect="1"/>
+          </p:cNvPicPr>
+          <p:nvPr/>
+        </p:nvPicPr>
+        <p:blipFill>
+          <a:blip r:embed="rId6"/>
+          <a:stretch>
+            <a:fillRect/>
+          </a:stretch>
+        </p:blipFill>
+        <p:spPr>
+          <a:xfrm>
+            <a:off x="3448376" y="2647290"/>
+            <a:ext cx="5047619" cy="1085714"/>
+          </a:xfrm>
+          <a:prstGeom prst="rect">
+            <a:avLst/>
+          </a:prstGeom>
+        </p:spPr>
+      </p:pic>
+      <p:pic>
+        <p:nvPicPr>
           <p:cNvPr id="5" name="图片 4"/>
           <p:cNvPicPr>
             <a:picLocks noChangeAspect="1"/>
@@ -9261,31 +9242,59 @@
           <p:nvPr/>
         </p:nvPicPr>
         <p:blipFill>
-          <a:blip r:embed="rId4">
-            <a:extLst>
-              <a:ext uri="{28A0092B-C50C-407E-A947-70E740481C1C}">
-                <a14:useLocalDpi xmlns:a14="http://schemas.microsoft.com/office/drawing/2010/main" val="0"/>
-              </a:ext>
-            </a:extLst>
-          </a:blip>
+          <a:blip r:embed="rId7"/>
           <a:stretch>
             <a:fillRect/>
           </a:stretch>
         </p:blipFill>
         <p:spPr>
           <a:xfrm>
-            <a:off x="1677421" y="1012439"/>
-            <a:ext cx="8837155" cy="5517833"/>
+            <a:off x="3291232" y="3733004"/>
+            <a:ext cx="5361905" cy="1495238"/>
           </a:xfrm>
           <a:prstGeom prst="rect">
             <a:avLst/>
           </a:prstGeom>
         </p:spPr>
       </p:pic>
+      <p:sp>
+        <p:nvSpPr>
+          <p:cNvPr id="6" name="文本框 5"/>
+          <p:cNvSpPr txBox="1"/>
+          <p:nvPr/>
+        </p:nvSpPr>
+        <p:spPr>
+          <a:xfrm>
+            <a:off x="929148" y="938292"/>
+            <a:ext cx="2643041" cy="369332"/>
+          </a:xfrm>
+          <a:prstGeom prst="rect">
+            <a:avLst/>
+          </a:prstGeom>
+          <a:noFill/>
+        </p:spPr>
+        <p:txBody>
+          <a:bodyPr wrap="square" rtlCol="0">
+            <a:spAutoFit/>
+          </a:bodyPr>
+          <a:lstStyle/>
+          <a:p>
+            <a:r>
+              <a:rPr lang="en-US" altLang="zh-CN" b="1"/>
+              <a:t>S</a:t>
+            </a:r>
+            <a:r>
+              <a:rPr lang="en-US" altLang="zh-CN" b="1"/>
+              <a:t>ulotion</a:t>
+            </a:r>
+            <a:endParaRPr lang="zh-CN" altLang="en-US" b="1"/>
+          </a:p>
+        </p:txBody>
+      </p:sp>
     </p:spTree>
     <p:extLst>
       <p:ext uri="{BB962C8B-B14F-4D97-AF65-F5344CB8AC3E}">
-        <p14:creationId xmlns:p14="http://schemas.microsoft.com/office/powerpoint/2010/main" val="3204903735"/>
+        <p14:creationId xmlns:p14="http://schemas.microsoft.com/office/powerpoint/2010/main" val="938965259"/>
       </p:ext>
     </p:extLst>
   </p:cSld>
@@ -9302,7 +9311,286 @@
 </p:sld>
 </file>
 
-<file path=ppt/slides/slide4.xml><?xml version="1.0" encoding="utf-8"?>
+<file path=ppt/slides/slide13.xml><?xml version="1.0" encoding="utf-8"?>
+<p:sld xmlns:a="http://schemas.openxmlformats.org/drawingml/2006/main" xmlns:r="http://schemas.openxmlformats.org/officeDocument/2006/relationships" xmlns:p="http://schemas.openxmlformats.org/presentationml/2006/main">
+  <p:cSld>
+    <p:spTree>
+      <p:nvGrpSpPr>
+        <p:cNvPr id="1" name=""/>
+        <p:cNvGrpSpPr/>
+        <p:nvPr/>
+      </p:nvGrpSpPr>
+      <p:grpSpPr>
+        <a:xfrm>
+          <a:off x="0" y="0"/>
+          <a:ext cx="0" cy="0"/>
+          <a:chOff x="0" y="0"/>
+          <a:chExt cx="0" cy="0"/>
+        </a:xfrm>
+      </p:grpSpPr>
+      <p:pic>
+        <p:nvPicPr>
+          <p:cNvPr id="18434" name="图片 1"/>
+          <p:cNvPicPr>
+            <a:picLocks noChangeAspect="1" noChangeArrowheads="1"/>
+          </p:cNvPicPr>
+          <p:nvPr/>
+        </p:nvPicPr>
+        <p:blipFill>
+          <a:blip r:embed="rId2">
+            <a:extLst>
+              <a:ext uri="{28A0092B-C50C-407E-A947-70E740481C1C}">
+                <a14:useLocalDpi xmlns:a14="http://schemas.microsoft.com/office/drawing/2010/main" val="0"/>
+              </a:ext>
+            </a:extLst>
+          </a:blip>
+          <a:srcRect/>
+          <a:stretch>
+            <a:fillRect/>
+          </a:stretch>
+        </p:blipFill>
+        <p:spPr bwMode="auto">
+          <a:xfrm>
+            <a:off x="0" y="0"/>
+            <a:ext cx="12192000" cy="6858000"/>
+          </a:xfrm>
+          <a:prstGeom prst="rect">
+            <a:avLst/>
+          </a:prstGeom>
+          <a:noFill/>
+          <a:ln>
+            <a:noFill/>
+          </a:ln>
+          <a:extLst>
+            <a:ext uri="{909E8E84-426E-40DD-AFC4-6F175D3DCCD1}">
+              <a14:hiddenFill xmlns:a14="http://schemas.microsoft.com/office/drawing/2010/main">
+                <a:solidFill>
+                  <a:srgbClr val="FFFFFF"/>
+                </a:solidFill>
+              </a14:hiddenFill>
+            </a:ext>
+            <a:ext uri="{91240B29-F687-4F45-9708-019B960494DF}">
+              <a14:hiddenLine xmlns:a14="http://schemas.microsoft.com/office/drawing/2010/main" w="9525">
+                <a:solidFill>
+                  <a:srgbClr val="000000"/>
+                </a:solidFill>
+                <a:miter lim="800000"/>
+                <a:headEnd/>
+                <a:tailEnd/>
+              </a14:hiddenLine>
+            </a:ext>
+          </a:extLst>
+        </p:spPr>
+      </p:pic>
+      <p:sp>
+        <p:nvSpPr>
+          <p:cNvPr id="18435" name="文本框 6"/>
+          <p:cNvSpPr>
+            <a:spLocks noChangeArrowheads="1"/>
+          </p:cNvSpPr>
+          <p:nvPr/>
+        </p:nvSpPr>
+        <p:spPr bwMode="auto">
+          <a:xfrm>
+            <a:off x="1423988" y="1334911"/>
+            <a:ext cx="7278687" cy="769938"/>
+          </a:xfrm>
+          <a:prstGeom prst="rect">
+            <a:avLst/>
+          </a:prstGeom>
+          <a:noFill/>
+          <a:ln>
+            <a:noFill/>
+          </a:ln>
+          <a:extLst>
+            <a:ext uri="{909E8E84-426E-40DD-AFC4-6F175D3DCCD1}">
+              <a14:hiddenFill xmlns:a14="http://schemas.microsoft.com/office/drawing/2010/main">
+                <a:solidFill>
+                  <a:srgbClr val="FFFFFF"/>
+                </a:solidFill>
+              </a14:hiddenFill>
+            </a:ext>
+            <a:ext uri="{91240B29-F687-4F45-9708-019B960494DF}">
+              <a14:hiddenLine xmlns:a14="http://schemas.microsoft.com/office/drawing/2010/main" w="9525">
+                <a:solidFill>
+                  <a:srgbClr val="000000"/>
+                </a:solidFill>
+                <a:miter lim="800000"/>
+                <a:headEnd/>
+                <a:tailEnd/>
+              </a14:hiddenLine>
+            </a:ext>
+          </a:extLst>
+        </p:spPr>
+        <p:txBody>
+          <a:bodyPr>
+            <a:spAutoFit/>
+          </a:bodyPr>
+          <a:lstStyle/>
+          <a:p>
+            <a:r>
+              <a:rPr lang="zh-CN" altLang="en-US" sz="4400" b="1" smtClean="0">
+                <a:solidFill>
+                  <a:srgbClr val="000000"/>
+                </a:solidFill>
+                <a:latin typeface="微软雅黑" panose="020B0503020204020204" pitchFamily="34" charset="-122"/>
+                <a:ea typeface="微软雅黑" panose="020B0503020204020204" pitchFamily="34" charset="-122"/>
+                <a:sym typeface="微软雅黑" panose="020B0503020204020204" pitchFamily="34" charset="-122"/>
+              </a:rPr>
+              <a:t>谢谢</a:t>
+            </a:r>
+            <a:endParaRPr lang="zh-CN" altLang="en-US" sz="4400" b="1">
+              <a:solidFill>
+                <a:srgbClr val="000000"/>
+              </a:solidFill>
+              <a:latin typeface="微软雅黑" panose="020B0503020204020204" pitchFamily="34" charset="-122"/>
+              <a:ea typeface="微软雅黑" panose="020B0503020204020204" pitchFamily="34" charset="-122"/>
+              <a:sym typeface="微软雅黑" panose="020B0503020204020204" pitchFamily="34" charset="-122"/>
+            </a:endParaRPr>
+          </a:p>
+        </p:txBody>
+      </p:sp>
+      <p:sp>
+        <p:nvSpPr>
+          <p:cNvPr id="18438" name="文本框 9"/>
+          <p:cNvSpPr>
+            <a:spLocks noChangeArrowheads="1"/>
+          </p:cNvSpPr>
+          <p:nvPr/>
+        </p:nvSpPr>
+        <p:spPr bwMode="auto">
+          <a:xfrm>
+            <a:off x="1423988" y="2736850"/>
+            <a:ext cx="5360987" cy="1477328"/>
+          </a:xfrm>
+          <a:prstGeom prst="rect">
+            <a:avLst/>
+          </a:prstGeom>
+          <a:noFill/>
+          <a:ln>
+            <a:noFill/>
+          </a:ln>
+          <a:extLst>
+            <a:ext uri="{909E8E84-426E-40DD-AFC4-6F175D3DCCD1}">
+              <a14:hiddenFill xmlns:a14="http://schemas.microsoft.com/office/drawing/2010/main">
+                <a:solidFill>
+                  <a:srgbClr val="FFFFFF"/>
+                </a:solidFill>
+              </a14:hiddenFill>
+            </a:ext>
+            <a:ext uri="{91240B29-F687-4F45-9708-019B960494DF}">
+              <a14:hiddenLine xmlns:a14="http://schemas.microsoft.com/office/drawing/2010/main" w="9525">
+                <a:solidFill>
+                  <a:srgbClr val="000000"/>
+                </a:solidFill>
+                <a:miter lim="800000"/>
+                <a:headEnd/>
+                <a:tailEnd/>
+              </a14:hiddenLine>
+            </a:ext>
+          </a:extLst>
+        </p:spPr>
+        <p:txBody>
+          <a:bodyPr>
+            <a:spAutoFit/>
+          </a:bodyPr>
+          <a:lstStyle/>
+          <a:p>
+            <a:pPr>
+              <a:lnSpc>
+                <a:spcPct val="150000"/>
+              </a:lnSpc>
+            </a:pPr>
+            <a:r>
+              <a:rPr lang="zh-CN" altLang="en-US" sz="2000" smtClean="0">
+                <a:solidFill>
+                  <a:srgbClr val="000000"/>
+                </a:solidFill>
+                <a:latin typeface="微软雅黑" panose="020B0503020204020204" pitchFamily="34" charset="-122"/>
+                <a:ea typeface="微软雅黑" panose="020B0503020204020204" pitchFamily="34" charset="-122"/>
+                <a:sym typeface="微软雅黑" panose="020B0503020204020204" pitchFamily="34" charset="-122"/>
+              </a:rPr>
+              <a:t>汇报人：王琦     </a:t>
+            </a:r>
+            <a:endParaRPr lang="en-US" altLang="zh-CN" sz="2000">
+              <a:solidFill>
+                <a:srgbClr val="000000"/>
+              </a:solidFill>
+              <a:latin typeface="微软雅黑" panose="020B0503020204020204" pitchFamily="34" charset="-122"/>
+              <a:ea typeface="微软雅黑" panose="020B0503020204020204" pitchFamily="34" charset="-122"/>
+              <a:sym typeface="微软雅黑" panose="020B0503020204020204" pitchFamily="34" charset="-122"/>
+            </a:endParaRPr>
+          </a:p>
+          <a:p>
+            <a:pPr>
+              <a:lnSpc>
+                <a:spcPct val="150000"/>
+              </a:lnSpc>
+            </a:pPr>
+            <a:r>
+              <a:rPr lang="zh-CN" altLang="en-US" sz="2000" smtClean="0">
+                <a:solidFill>
+                  <a:srgbClr val="000000"/>
+                </a:solidFill>
+                <a:latin typeface="微软雅黑" panose="020B0503020204020204" pitchFamily="34" charset="-122"/>
+                <a:ea typeface="微软雅黑" panose="020B0503020204020204" pitchFamily="34" charset="-122"/>
+                <a:sym typeface="微软雅黑" panose="020B0503020204020204" pitchFamily="34" charset="-122"/>
+              </a:rPr>
+              <a:t>导师：李智勇             </a:t>
+            </a:r>
+            <a:endParaRPr lang="en-US" sz="2000">
+              <a:solidFill>
+                <a:srgbClr val="000000"/>
+              </a:solidFill>
+              <a:latin typeface="微软雅黑" panose="020B0503020204020204" pitchFamily="34" charset="-122"/>
+              <a:ea typeface="微软雅黑" panose="020B0503020204020204" pitchFamily="34" charset="-122"/>
+              <a:sym typeface="微软雅黑" panose="020B0503020204020204" pitchFamily="34" charset="-122"/>
+            </a:endParaRPr>
+          </a:p>
+          <a:p>
+            <a:pPr>
+              <a:lnSpc>
+                <a:spcPct val="150000"/>
+              </a:lnSpc>
+            </a:pPr>
+            <a:r>
+              <a:rPr lang="en-US" altLang="zh-CN" sz="2000">
+                <a:solidFill>
+                  <a:srgbClr val="000000"/>
+                </a:solidFill>
+                <a:latin typeface="微软雅黑" panose="020B0503020204020204" pitchFamily="34" charset="-122"/>
+                <a:ea typeface="微软雅黑" panose="020B0503020204020204" pitchFamily="34" charset="-122"/>
+                <a:sym typeface="微软雅黑" panose="020B0503020204020204" pitchFamily="34" charset="-122"/>
+              </a:rPr>
+              <a:t>    </a:t>
+            </a:r>
+            <a:endParaRPr lang="zh-CN" altLang="en-US" sz="2000">
+              <a:solidFill>
+                <a:srgbClr val="000000"/>
+              </a:solidFill>
+              <a:latin typeface="微软雅黑" panose="020B0503020204020204" pitchFamily="34" charset="-122"/>
+              <a:ea typeface="微软雅黑" panose="020B0503020204020204" pitchFamily="34" charset="-122"/>
+              <a:sym typeface="微软雅黑" panose="020B0503020204020204" pitchFamily="34" charset="-122"/>
+            </a:endParaRPr>
+          </a:p>
+        </p:txBody>
+      </p:sp>
+    </p:spTree>
+  </p:cSld>
+  <p:clrMapOvr>
+    <a:masterClrMapping/>
+  </p:clrMapOvr>
+  <p:timing>
+    <p:tnLst>
+      <p:par>
+        <p:cTn id="1" dur="indefinite" restart="never" nodeType="tmRoot"/>
+      </p:par>
+    </p:tnLst>
+  </p:timing>
+</p:sld>
+</file>
+
+<file path=ppt/slides/slide2.xml><?xml version="1.0" encoding="utf-8"?>
 <p:sld xmlns:a="http://schemas.openxmlformats.org/drawingml/2006/main" xmlns:r="http://schemas.openxmlformats.org/officeDocument/2006/relationships" xmlns:p="http://schemas.openxmlformats.org/presentationml/2006/main">
   <p:cSld>
     <p:spTree>
@@ -9383,8 +9671,8 @@
         </p:nvSpPr>
         <p:spPr bwMode="auto">
           <a:xfrm>
-            <a:off x="728662" y="905284"/>
-            <a:ext cx="10734675" cy="5732145"/>
+            <a:off x="728980" y="1125855"/>
+            <a:ext cx="10734675" cy="5198745"/>
           </a:xfrm>
           <a:prstGeom prst="parallelogram">
             <a:avLst>
@@ -9420,6 +9708,323 @@
               <a:latin typeface="宋体" panose="02010600030101010101" pitchFamily="2" charset="-122"/>
               <a:sym typeface="宋体" panose="02010600030101010101" pitchFamily="2" charset="-122"/>
             </a:endParaRPr>
+          </a:p>
+        </p:txBody>
+      </p:sp>
+      <p:sp>
+        <p:nvSpPr>
+          <p:cNvPr id="5127" name="矩形 20"/>
+          <p:cNvSpPr>
+            <a:spLocks noChangeArrowheads="1"/>
+          </p:cNvSpPr>
+          <p:nvPr/>
+        </p:nvSpPr>
+        <p:spPr bwMode="auto">
+          <a:xfrm>
+            <a:off x="857257" y="1125855"/>
+            <a:ext cx="10606398" cy="4385816"/>
+          </a:xfrm>
+          <a:prstGeom prst="rect">
+            <a:avLst/>
+          </a:prstGeom>
+          <a:noFill/>
+          <a:ln>
+            <a:noFill/>
+          </a:ln>
+          <a:extLst>
+            <a:ext uri="{909E8E84-426E-40DD-AFC4-6F175D3DCCD1}">
+              <a14:hiddenFill xmlns:a14="http://schemas.microsoft.com/office/drawing/2010/main">
+                <a:solidFill>
+                  <a:srgbClr val="FFFFFF"/>
+                </a:solidFill>
+              </a14:hiddenFill>
+            </a:ext>
+            <a:ext uri="{91240B29-F687-4F45-9708-019B960494DF}">
+              <a14:hiddenLine xmlns:a14="http://schemas.microsoft.com/office/drawing/2010/main" w="9525">
+                <a:solidFill>
+                  <a:srgbClr val="000000"/>
+                </a:solidFill>
+                <a:miter lim="800000"/>
+                <a:headEnd/>
+                <a:tailEnd/>
+              </a14:hiddenLine>
+            </a:ext>
+          </a:extLst>
+        </p:spPr>
+        <p:txBody>
+          <a:bodyPr wrap="square">
+            <a:spAutoFit/>
+          </a:bodyPr>
+          <a:lstStyle/>
+          <a:p>
+            <a:pPr>
+              <a:lnSpc>
+                <a:spcPct val="150000"/>
+              </a:lnSpc>
+            </a:pPr>
+            <a:r>
+              <a:rPr lang="zh-CN" altLang="en-US" sz="2400" b="1" smtClean="0">
+                <a:solidFill>
+                  <a:srgbClr val="000000"/>
+                </a:solidFill>
+                <a:latin typeface="微软雅黑" panose="020B0503020204020204" pitchFamily="34" charset="-122"/>
+                <a:ea typeface="微软雅黑" panose="020B0503020204020204" pitchFamily="34" charset="-122"/>
+                <a:sym typeface="微软雅黑" panose="020B0503020204020204" pitchFamily="34" charset="-122"/>
+              </a:rPr>
+              <a:t>论文介绍：</a:t>
+            </a:r>
+            <a:endParaRPr lang="en-US" altLang="zh-CN" sz="2400" b="1" smtClean="0">
+              <a:solidFill>
+                <a:srgbClr val="000000"/>
+              </a:solidFill>
+              <a:latin typeface="微软雅黑" panose="020B0503020204020204" pitchFamily="34" charset="-122"/>
+              <a:ea typeface="微软雅黑" panose="020B0503020204020204" pitchFamily="34" charset="-122"/>
+              <a:sym typeface="微软雅黑" panose="020B0503020204020204" pitchFamily="34" charset="-122"/>
+            </a:endParaRPr>
+          </a:p>
+          <a:p>
+            <a:pPr>
+              <a:lnSpc>
+                <a:spcPct val="150000"/>
+              </a:lnSpc>
+            </a:pPr>
+            <a:r>
+              <a:rPr lang="zh-CN" altLang="en-US" smtClean="0">
+                <a:latin typeface="+mn-ea"/>
+                <a:ea typeface="+mn-ea"/>
+              </a:rPr>
+              <a:t>题目：</a:t>
+            </a:r>
+            <a:r>
+              <a:rPr lang="en-US" altLang="zh-CN" smtClean="0">
+                <a:latin typeface="+mn-ea"/>
+                <a:ea typeface="+mn-ea"/>
+              </a:rPr>
+              <a:t>《</a:t>
+            </a:r>
+            <a:r>
+              <a:rPr lang="en-US" altLang="zh-CN">
+                <a:latin typeface="+mn-ea"/>
+                <a:ea typeface="+mn-ea"/>
+                <a:sym typeface="微软雅黑" panose="020B0503020204020204" pitchFamily="34" charset="-122"/>
+              </a:rPr>
+              <a:t>An SMDP-Based Resource Allocation in Vehicular Cloud Computing </a:t>
+            </a:r>
+            <a:r>
+              <a:rPr lang="en-US" altLang="zh-CN" smtClean="0">
+                <a:latin typeface="+mn-ea"/>
+                <a:ea typeface="+mn-ea"/>
+                <a:sym typeface="微软雅黑" panose="020B0503020204020204" pitchFamily="34" charset="-122"/>
+              </a:rPr>
+              <a:t>Systems</a:t>
+            </a:r>
+            <a:r>
+              <a:rPr lang="en-US" altLang="zh-CN" smtClean="0">
+                <a:latin typeface="+mn-ea"/>
+                <a:ea typeface="+mn-ea"/>
+              </a:rPr>
+              <a:t>》</a:t>
+            </a:r>
+          </a:p>
+          <a:p>
+            <a:pPr>
+              <a:lnSpc>
+                <a:spcPct val="150000"/>
+              </a:lnSpc>
+            </a:pPr>
+            <a:r>
+              <a:rPr lang="zh-CN" altLang="en-US" smtClean="0">
+                <a:latin typeface="+mn-ea"/>
+                <a:ea typeface="+mn-ea"/>
+              </a:rPr>
+              <a:t>期刊：</a:t>
+            </a:r>
+            <a:r>
+              <a:rPr lang="en-US" altLang="zh-CN">
+                <a:latin typeface="+mn-ea"/>
+                <a:ea typeface="+mn-ea"/>
+              </a:rPr>
+              <a:t>《IEEE Transactions on Industrial Electronics</a:t>
+            </a:r>
+            <a:r>
+              <a:rPr lang="en-US" altLang="zh-CN" smtClean="0">
+                <a:latin typeface="+mn-ea"/>
+                <a:ea typeface="+mn-ea"/>
+              </a:rPr>
+              <a:t>》 </a:t>
+            </a:r>
+            <a:r>
+              <a:rPr lang="en-US" altLang="zh-CN">
+                <a:latin typeface="+mn-ea"/>
+                <a:ea typeface="+mn-ea"/>
+              </a:rPr>
+              <a:t>Dec. </a:t>
+            </a:r>
+            <a:r>
+              <a:rPr lang="en-US" altLang="zh-CN" smtClean="0">
+                <a:latin typeface="+mn-ea"/>
+                <a:ea typeface="+mn-ea"/>
+              </a:rPr>
+              <a:t>2015</a:t>
+            </a:r>
+          </a:p>
+          <a:p>
+            <a:pPr>
+              <a:lnSpc>
+                <a:spcPct val="150000"/>
+              </a:lnSpc>
+            </a:pPr>
+            <a:endParaRPr lang="en-US" altLang="zh-CN">
+              <a:latin typeface="+mn-ea"/>
+              <a:ea typeface="+mn-ea"/>
+            </a:endParaRPr>
+          </a:p>
+          <a:p>
+            <a:pPr>
+              <a:lnSpc>
+                <a:spcPct val="150000"/>
+              </a:lnSpc>
+            </a:pPr>
+            <a:r>
+              <a:rPr lang="zh-CN" altLang="en-US">
+                <a:latin typeface="+mn-ea"/>
+              </a:rPr>
+              <a:t>题目：</a:t>
+            </a:r>
+            <a:r>
+              <a:rPr lang="en-US" altLang="zh-CN" smtClean="0">
+                <a:latin typeface="+mn-ea"/>
+              </a:rPr>
+              <a:t>《</a:t>
+            </a:r>
+            <a:r>
+              <a:rPr lang="en-US" altLang="zh-CN">
+                <a:latin typeface="+mn-ea"/>
+                <a:sym typeface="微软雅黑" panose="020B0503020204020204" pitchFamily="34" charset="-122"/>
+              </a:rPr>
+              <a:t>Resource Allocation in Vehicular Cloud Computing Systems With Heterogeneous Vehicles and Roadside Units</a:t>
+            </a:r>
+            <a:r>
+              <a:rPr lang="en-US" altLang="zh-CN" smtClean="0">
+                <a:latin typeface="+mn-ea"/>
+              </a:rPr>
+              <a:t>》</a:t>
+            </a:r>
+            <a:endParaRPr lang="en-US" altLang="zh-CN">
+              <a:latin typeface="+mn-ea"/>
+            </a:endParaRPr>
+          </a:p>
+          <a:p>
+            <a:pPr>
+              <a:lnSpc>
+                <a:spcPct val="150000"/>
+              </a:lnSpc>
+            </a:pPr>
+            <a:r>
+              <a:rPr lang="zh-CN" altLang="en-US">
+                <a:latin typeface="+mn-ea"/>
+              </a:rPr>
+              <a:t>期刊：</a:t>
+            </a:r>
+            <a:r>
+              <a:rPr lang="en-US" altLang="zh-CN">
+                <a:latin typeface="+mn-ea"/>
+              </a:rPr>
+              <a:t>《IEEE Internet of Things Journal》 Oct. </a:t>
+            </a:r>
+            <a:r>
+              <a:rPr lang="en-US" altLang="zh-CN" smtClean="0">
+                <a:latin typeface="+mn-ea"/>
+              </a:rPr>
+              <a:t>2018</a:t>
+            </a:r>
+          </a:p>
+          <a:p>
+            <a:pPr>
+              <a:lnSpc>
+                <a:spcPct val="150000"/>
+              </a:lnSpc>
+            </a:pPr>
+            <a:endParaRPr lang="en-US" altLang="zh-CN" smtClean="0">
+              <a:latin typeface="+mn-ea"/>
+            </a:endParaRPr>
+          </a:p>
+          <a:p>
+            <a:pPr>
+              <a:lnSpc>
+                <a:spcPct val="150000"/>
+              </a:lnSpc>
+            </a:pPr>
+            <a:r>
+              <a:rPr lang="zh-CN" altLang="en-US" smtClean="0">
+                <a:latin typeface="+mn-ea"/>
+                <a:ea typeface="+mn-ea"/>
+              </a:rPr>
+              <a:t>目标：最大化</a:t>
+            </a:r>
+            <a:r>
+              <a:rPr lang="en-US" altLang="zh-CN" smtClean="0">
+                <a:latin typeface="+mn-ea"/>
+                <a:ea typeface="+mn-ea"/>
+              </a:rPr>
+              <a:t>VCC</a:t>
+            </a:r>
+            <a:r>
+              <a:rPr lang="zh-CN" altLang="en-US" smtClean="0">
+                <a:latin typeface="+mn-ea"/>
+                <a:ea typeface="+mn-ea"/>
+              </a:rPr>
+              <a:t>的长期</a:t>
+            </a:r>
+            <a:r>
+              <a:rPr lang="zh-CN" altLang="en-US">
+                <a:latin typeface="+mn-ea"/>
+                <a:ea typeface="+mn-ea"/>
+              </a:rPr>
+              <a:t>预期回报。系统奖励是通过考虑</a:t>
+            </a:r>
+            <a:r>
+              <a:rPr lang="en-US" altLang="zh-CN">
+                <a:latin typeface="+mn-ea"/>
+                <a:ea typeface="+mn-ea"/>
+              </a:rPr>
+              <a:t>VCC</a:t>
+            </a:r>
+            <a:r>
+              <a:rPr lang="zh-CN" altLang="en-US">
+                <a:latin typeface="+mn-ea"/>
+                <a:ea typeface="+mn-ea"/>
+              </a:rPr>
+              <a:t>系统的</a:t>
+            </a:r>
+            <a:r>
+              <a:rPr lang="zh-CN" altLang="en-US" b="1">
+                <a:latin typeface="+mn-ea"/>
+                <a:ea typeface="+mn-ea"/>
+              </a:rPr>
+              <a:t>收入</a:t>
+            </a:r>
+            <a:r>
+              <a:rPr lang="zh-CN" altLang="en-US">
+                <a:latin typeface="+mn-ea"/>
+                <a:ea typeface="+mn-ea"/>
+              </a:rPr>
+              <a:t>和</a:t>
+            </a:r>
+            <a:r>
+              <a:rPr lang="zh-CN" altLang="en-US" b="1">
+                <a:latin typeface="+mn-ea"/>
+                <a:ea typeface="+mn-ea"/>
+              </a:rPr>
+              <a:t>成本</a:t>
+            </a:r>
+            <a:r>
+              <a:rPr lang="zh-CN" altLang="en-US">
+                <a:latin typeface="+mn-ea"/>
+                <a:ea typeface="+mn-ea"/>
+              </a:rPr>
+              <a:t>以及可用资源的可变性特征得出的。</a:t>
+            </a:r>
           </a:p>
         </p:txBody>
       </p:sp>
@@ -10132,111 +10737,10 @@
           </a:p>
         </p:txBody>
       </p:sp>
-      <p:sp>
-        <p:nvSpPr>
-          <p:cNvPr id="3" name="文本框 2"/>
-          <p:cNvSpPr txBox="1"/>
-          <p:nvPr/>
-        </p:nvSpPr>
-        <p:spPr>
-          <a:xfrm>
-            <a:off x="926123" y="905284"/>
-            <a:ext cx="2121877" cy="369332"/>
-          </a:xfrm>
-          <a:prstGeom prst="rect">
-            <a:avLst/>
-          </a:prstGeom>
-          <a:noFill/>
-        </p:spPr>
-        <p:txBody>
-          <a:bodyPr wrap="square" rtlCol="0">
-            <a:spAutoFit/>
-          </a:bodyPr>
-          <a:lstStyle/>
-          <a:p>
-            <a:r>
-              <a:rPr lang="en-US" altLang="zh-CN" b="1"/>
-              <a:t>System States</a:t>
-            </a:r>
-          </a:p>
-        </p:txBody>
-      </p:sp>
-      <p:pic>
-        <p:nvPicPr>
-          <p:cNvPr id="4" name="图片 3"/>
-          <p:cNvPicPr>
-            <a:picLocks noChangeAspect="1"/>
-          </p:cNvPicPr>
-          <p:nvPr/>
-        </p:nvPicPr>
-        <p:blipFill>
-          <a:blip r:embed="rId4"/>
-          <a:stretch>
-            <a:fillRect/>
-          </a:stretch>
-        </p:blipFill>
-        <p:spPr>
-          <a:xfrm>
-            <a:off x="3572189" y="1567588"/>
-            <a:ext cx="5047619" cy="952381"/>
-          </a:xfrm>
-          <a:prstGeom prst="rect">
-            <a:avLst/>
-          </a:prstGeom>
-        </p:spPr>
-      </p:pic>
-      <p:pic>
-        <p:nvPicPr>
-          <p:cNvPr id="6" name="图片 5"/>
-          <p:cNvPicPr>
-            <a:picLocks noChangeAspect="1"/>
-          </p:cNvPicPr>
-          <p:nvPr/>
-        </p:nvPicPr>
-        <p:blipFill>
-          <a:blip r:embed="rId5"/>
-          <a:stretch>
-            <a:fillRect/>
-          </a:stretch>
-        </p:blipFill>
-        <p:spPr>
-          <a:xfrm>
-            <a:off x="3572189" y="2518047"/>
-            <a:ext cx="5047619" cy="952381"/>
-          </a:xfrm>
-          <a:prstGeom prst="rect">
-            <a:avLst/>
-          </a:prstGeom>
-        </p:spPr>
-      </p:pic>
-      <p:pic>
-        <p:nvPicPr>
-          <p:cNvPr id="7" name="图片 6"/>
-          <p:cNvPicPr>
-            <a:picLocks noChangeAspect="1"/>
-          </p:cNvPicPr>
-          <p:nvPr/>
-        </p:nvPicPr>
-        <p:blipFill>
-          <a:blip r:embed="rId6"/>
-          <a:stretch>
-            <a:fillRect/>
-          </a:stretch>
-        </p:blipFill>
-        <p:spPr>
-          <a:xfrm>
-            <a:off x="3572189" y="3425253"/>
-            <a:ext cx="5047619" cy="1333333"/>
-          </a:xfrm>
-          <a:prstGeom prst="rect">
-            <a:avLst/>
-          </a:prstGeom>
-        </p:spPr>
-      </p:pic>
     </p:spTree>
     <p:extLst>
       <p:ext uri="{BB962C8B-B14F-4D97-AF65-F5344CB8AC3E}">
-        <p14:creationId xmlns:p14="http://schemas.microsoft.com/office/powerpoint/2010/main" val="1503436424"/>
+        <p14:creationId xmlns:p14="http://schemas.microsoft.com/office/powerpoint/2010/main" val="822331676"/>
       </p:ext>
     </p:extLst>
   </p:cSld>
@@ -10253,7 +10757,7 @@
 </p:sld>
 </file>
 
-<file path=ppt/slides/slide5.xml><?xml version="1.0" encoding="utf-8"?>
+<file path=ppt/slides/slide3.xml><?xml version="1.0" encoding="utf-8"?>
 <p:sld xmlns:a="http://schemas.openxmlformats.org/drawingml/2006/main" xmlns:r="http://schemas.openxmlformats.org/officeDocument/2006/relationships" xmlns:p="http://schemas.openxmlformats.org/presentationml/2006/main">
   <p:cSld>
     <p:spTree>
@@ -11083,128 +11587,30 @@
           </a:p>
         </p:txBody>
       </p:sp>
-      <p:sp>
-        <p:nvSpPr>
-          <p:cNvPr id="3" name="文本框 2"/>
-          <p:cNvSpPr txBox="1"/>
-          <p:nvPr/>
-        </p:nvSpPr>
-        <p:spPr>
-          <a:xfrm>
-            <a:off x="926123" y="905284"/>
-            <a:ext cx="2121877" cy="369332"/>
-          </a:xfrm>
-          <a:prstGeom prst="rect">
-            <a:avLst/>
-          </a:prstGeom>
-          <a:noFill/>
-        </p:spPr>
-        <p:txBody>
-          <a:bodyPr wrap="square" rtlCol="0">
-            <a:spAutoFit/>
-          </a:bodyPr>
-          <a:lstStyle/>
-          <a:p>
-            <a:r>
-              <a:rPr lang="en-US" altLang="zh-CN" b="1" smtClean="0"/>
-              <a:t>Actions</a:t>
-            </a:r>
-            <a:endParaRPr lang="en-US" altLang="zh-CN" b="1"/>
-          </a:p>
-        </p:txBody>
-      </p:sp>
       <p:pic>
         <p:nvPicPr>
-          <p:cNvPr id="2" name="图片 1"/>
+          <p:cNvPr id="5" name="图片 4"/>
           <p:cNvPicPr>
             <a:picLocks noChangeAspect="1"/>
           </p:cNvPicPr>
           <p:nvPr/>
         </p:nvPicPr>
         <p:blipFill>
-          <a:blip r:embed="rId4"/>
+          <a:blip r:embed="rId4">
+            <a:extLst>
+              <a:ext uri="{28A0092B-C50C-407E-A947-70E740481C1C}">
+                <a14:useLocalDpi xmlns:a14="http://schemas.microsoft.com/office/drawing/2010/main" val="0"/>
+              </a:ext>
+            </a:extLst>
+          </a:blip>
           <a:stretch>
             <a:fillRect/>
           </a:stretch>
         </p:blipFill>
         <p:spPr>
           <a:xfrm>
-            <a:off x="3572189" y="1672228"/>
-            <a:ext cx="5047619" cy="952381"/>
-          </a:xfrm>
-          <a:prstGeom prst="rect">
-            <a:avLst/>
-          </a:prstGeom>
-        </p:spPr>
-      </p:pic>
-      <p:sp>
-        <p:nvSpPr>
-          <p:cNvPr id="5" name="文本框 4"/>
-          <p:cNvSpPr txBox="1"/>
-          <p:nvPr/>
-        </p:nvSpPr>
-        <p:spPr>
-          <a:xfrm>
-            <a:off x="1032387" y="1672228"/>
-            <a:ext cx="2846439" cy="646331"/>
-          </a:xfrm>
-          <a:prstGeom prst="rect">
-            <a:avLst/>
-          </a:prstGeom>
-          <a:noFill/>
-        </p:spPr>
-        <p:txBody>
-          <a:bodyPr wrap="square" rtlCol="0">
-            <a:spAutoFit/>
-          </a:bodyPr>
-          <a:lstStyle/>
-          <a:p>
-            <a:r>
-              <a:rPr lang="zh-CN" altLang="en-US"/>
-              <a:t>在动作</a:t>
-            </a:r>
-            <a:r>
-              <a:rPr lang="zh-CN" altLang="en-US" smtClean="0"/>
-              <a:t>集合</a:t>
-            </a:r>
-            <a:r>
-              <a:rPr lang="en-US" altLang="zh-CN"/>
-              <a:t>A</a:t>
-            </a:r>
-            <a:r>
-              <a:rPr lang="zh-CN" altLang="en-US" smtClean="0"/>
-              <a:t>中</a:t>
-            </a:r>
-            <a:r>
-              <a:rPr lang="zh-CN" altLang="en-US"/>
-              <a:t>，有几种可能的动作</a:t>
-            </a:r>
-            <a:r>
-              <a:rPr lang="en-US" altLang="zh-CN"/>
-              <a:t>a</a:t>
-            </a:r>
-            <a:endParaRPr lang="zh-CN" altLang="en-US"/>
-          </a:p>
-        </p:txBody>
-      </p:sp>
-      <p:pic>
-        <p:nvPicPr>
-          <p:cNvPr id="8" name="图片 7"/>
-          <p:cNvPicPr>
-            <a:picLocks noChangeAspect="1"/>
-          </p:cNvPicPr>
-          <p:nvPr/>
-        </p:nvPicPr>
-        <p:blipFill>
-          <a:blip r:embed="rId5"/>
-          <a:stretch>
-            <a:fillRect/>
-          </a:stretch>
-        </p:blipFill>
-        <p:spPr>
-          <a:xfrm>
-            <a:off x="2343619" y="2824238"/>
-            <a:ext cx="7504762" cy="1209524"/>
+            <a:off x="1677421" y="1012439"/>
+            <a:ext cx="8837155" cy="5517833"/>
           </a:xfrm>
           <a:prstGeom prst="rect">
             <a:avLst/>
@@ -11214,7 +11620,7 @@
     </p:spTree>
     <p:extLst>
       <p:ext uri="{BB962C8B-B14F-4D97-AF65-F5344CB8AC3E}">
-        <p14:creationId xmlns:p14="http://schemas.microsoft.com/office/powerpoint/2010/main" val="1551495463"/>
+        <p14:creationId xmlns:p14="http://schemas.microsoft.com/office/powerpoint/2010/main" val="3204903735"/>
       </p:ext>
     </p:extLst>
   </p:cSld>
@@ -11231,7 +11637,7 @@
 </p:sld>
 </file>
 
-<file path=ppt/slides/slide6.xml><?xml version="1.0" encoding="utf-8"?>
+<file path=ppt/slides/slide4.xml><?xml version="1.0" encoding="utf-8"?>
 <p:sld xmlns:a="http://schemas.openxmlformats.org/drawingml/2006/main" xmlns:r="http://schemas.openxmlformats.org/officeDocument/2006/relationships" xmlns:p="http://schemas.openxmlformats.org/presentationml/2006/main">
   <p:cSld>
     <p:spTree>
@@ -11271,7 +11677,7 @@
         </p:blipFill>
         <p:spPr bwMode="auto">
           <a:xfrm>
-            <a:off x="-2" y="0"/>
+            <a:off x="0" y="0"/>
             <a:ext cx="12192000" cy="6858000"/>
           </a:xfrm>
           <a:prstGeom prst="rect">
@@ -11352,30 +11758,6 @@
           </a:p>
         </p:txBody>
       </p:sp>
-      <p:pic>
-        <p:nvPicPr>
-          <p:cNvPr id="5" name="图片 4"/>
-          <p:cNvPicPr>
-            <a:picLocks noChangeAspect="1"/>
-          </p:cNvPicPr>
-          <p:nvPr/>
-        </p:nvPicPr>
-        <p:blipFill>
-          <a:blip r:embed="rId4"/>
-          <a:stretch>
-            <a:fillRect/>
-          </a:stretch>
-        </p:blipFill>
-        <p:spPr>
-          <a:xfrm>
-            <a:off x="-761294" y="2165947"/>
-            <a:ext cx="5047619" cy="952381"/>
-          </a:xfrm>
-          <a:prstGeom prst="rect">
-            <a:avLst/>
-          </a:prstGeom>
-        </p:spPr>
-      </p:pic>
       <p:grpSp>
         <p:nvGrpSpPr>
           <p:cNvPr id="5129" name="Group 15"/>
@@ -12087,14 +12469,14 @@
       </p:sp>
       <p:sp>
         <p:nvSpPr>
-          <p:cNvPr id="3" name="文本框 2"/>
+          <p:cNvPr id="6" name="文本框 5"/>
           <p:cNvSpPr txBox="1"/>
           <p:nvPr/>
         </p:nvSpPr>
         <p:spPr>
           <a:xfrm>
-            <a:off x="926123" y="905284"/>
-            <a:ext cx="2121877" cy="369332"/>
+            <a:off x="929148" y="938292"/>
+            <a:ext cx="2643041" cy="369332"/>
           </a:xfrm>
           <a:prstGeom prst="rect">
             <a:avLst/>
@@ -12108,275 +12490,37 @@
           <a:lstStyle/>
           <a:p>
             <a:r>
-              <a:rPr lang="en-US" altLang="zh-CN" b="1" smtClean="0"/>
-              <a:t>Rewards</a:t>
-            </a:r>
-            <a:endParaRPr lang="en-US" altLang="zh-CN" b="1"/>
+              <a:rPr lang="zh-CN" altLang="en-US" b="1" smtClean="0"/>
+              <a:t>异构结构</a:t>
+            </a:r>
+            <a:endParaRPr lang="zh-CN" altLang="en-US" b="1"/>
           </a:p>
         </p:txBody>
       </p:sp>
       <p:pic>
         <p:nvPicPr>
-          <p:cNvPr id="2" name="图片 1"/>
+          <p:cNvPr id="7" name="图片 6"/>
           <p:cNvPicPr>
             <a:picLocks noChangeAspect="1"/>
           </p:cNvPicPr>
           <p:nvPr/>
         </p:nvPicPr>
         <p:blipFill>
-          <a:blip r:embed="rId5"/>
+          <a:blip r:embed="rId4">
+            <a:extLst>
+              <a:ext uri="{28A0092B-C50C-407E-A947-70E740481C1C}">
+                <a14:useLocalDpi xmlns:a14="http://schemas.microsoft.com/office/drawing/2010/main" val="0"/>
+              </a:ext>
+            </a:extLst>
+          </a:blip>
           <a:stretch>
             <a:fillRect/>
           </a:stretch>
         </p:blipFill>
         <p:spPr>
           <a:xfrm>
-            <a:off x="3572189" y="1418977"/>
-            <a:ext cx="5047619" cy="952381"/>
-          </a:xfrm>
-          <a:prstGeom prst="rect">
-            <a:avLst/>
-          </a:prstGeom>
-        </p:spPr>
-      </p:pic>
-      <p:sp>
-        <p:nvSpPr>
-          <p:cNvPr id="8" name="文本框 7"/>
-          <p:cNvSpPr txBox="1"/>
-          <p:nvPr/>
-        </p:nvSpPr>
-        <p:spPr>
-          <a:xfrm>
-            <a:off x="2255050" y="2350613"/>
-            <a:ext cx="8038785" cy="369332"/>
-          </a:xfrm>
-          <a:prstGeom prst="rect">
-            <a:avLst/>
-          </a:prstGeom>
-          <a:noFill/>
-        </p:spPr>
-        <p:txBody>
-          <a:bodyPr wrap="square" rtlCol="0">
-            <a:spAutoFit/>
-          </a:bodyPr>
-          <a:lstStyle/>
-          <a:p>
-            <a:r>
-              <a:rPr lang="zh-CN" altLang="en-US" smtClean="0"/>
-              <a:t>是在</a:t>
-            </a:r>
-            <a:r>
-              <a:rPr lang="en-US" altLang="zh-CN" smtClean="0"/>
-              <a:t>s</a:t>
-            </a:r>
-            <a:r>
-              <a:rPr lang="zh-CN" altLang="en-US" smtClean="0"/>
-              <a:t>状态下事件</a:t>
-            </a:r>
-            <a:r>
-              <a:rPr lang="en-US" altLang="zh-CN" smtClean="0"/>
-              <a:t>e</a:t>
-            </a:r>
-            <a:r>
-              <a:rPr lang="zh-CN" altLang="en-US" smtClean="0"/>
-              <a:t>发生时，执行动作</a:t>
-            </a:r>
-            <a:r>
-              <a:rPr lang="en-US" altLang="zh-CN" smtClean="0"/>
-              <a:t>a</a:t>
-            </a:r>
-            <a:r>
-              <a:rPr lang="zh-CN" altLang="en-US"/>
-              <a:t>后</a:t>
-            </a:r>
-            <a:r>
-              <a:rPr lang="zh-CN" altLang="en-US" smtClean="0"/>
-              <a:t>产生的即时收益，由收入和成本构成。</a:t>
-            </a:r>
-            <a:endParaRPr lang="zh-CN" altLang="en-US"/>
-          </a:p>
-        </p:txBody>
-      </p:sp>
-      <p:sp>
-        <p:nvSpPr>
-          <p:cNvPr id="9" name="文本框 8"/>
-          <p:cNvSpPr txBox="1"/>
-          <p:nvPr/>
-        </p:nvSpPr>
-        <p:spPr>
-          <a:xfrm>
-            <a:off x="2255050" y="2859282"/>
-            <a:ext cx="8863241" cy="369332"/>
-          </a:xfrm>
-          <a:prstGeom prst="rect">
-            <a:avLst/>
-          </a:prstGeom>
-          <a:noFill/>
-        </p:spPr>
-        <p:txBody>
-          <a:bodyPr wrap="square" rtlCol="0">
-            <a:spAutoFit/>
-          </a:bodyPr>
-          <a:lstStyle/>
-          <a:p>
-            <a:r>
-              <a:rPr lang="zh-CN" altLang="en-US" smtClean="0"/>
-              <a:t>收入来自节约的能耗和执行速率的提升。</a:t>
-            </a:r>
-            <a:endParaRPr lang="zh-CN" altLang="en-US"/>
-          </a:p>
-        </p:txBody>
-      </p:sp>
-      <p:pic>
-        <p:nvPicPr>
-          <p:cNvPr id="10" name="图片 9"/>
-          <p:cNvPicPr>
-            <a:picLocks noChangeAspect="1"/>
-          </p:cNvPicPr>
-          <p:nvPr/>
-        </p:nvPicPr>
-        <p:blipFill>
-          <a:blip r:embed="rId6"/>
-          <a:stretch>
-            <a:fillRect/>
-          </a:stretch>
-        </p:blipFill>
-        <p:spPr>
-          <a:xfrm>
-            <a:off x="1379705" y="3320475"/>
-            <a:ext cx="9789474" cy="1963800"/>
-          </a:xfrm>
-          <a:prstGeom prst="rect">
-            <a:avLst/>
-          </a:prstGeom>
-        </p:spPr>
-      </p:pic>
-      <p:pic>
-        <p:nvPicPr>
-          <p:cNvPr id="11" name="图片 10"/>
-          <p:cNvPicPr>
-            <a:picLocks noChangeAspect="1"/>
-          </p:cNvPicPr>
-          <p:nvPr/>
-        </p:nvPicPr>
-        <p:blipFill>
-          <a:blip r:embed="rId7"/>
-          <a:stretch>
-            <a:fillRect/>
-          </a:stretch>
-        </p:blipFill>
-        <p:spPr>
-          <a:xfrm>
-            <a:off x="1762515" y="5220476"/>
-            <a:ext cx="5047619" cy="952381"/>
-          </a:xfrm>
-          <a:prstGeom prst="rect">
-            <a:avLst/>
-          </a:prstGeom>
-        </p:spPr>
-      </p:pic>
-      <p:pic>
-        <p:nvPicPr>
-          <p:cNvPr id="12" name="图片 11"/>
-          <p:cNvPicPr>
-            <a:picLocks noChangeAspect="1"/>
-          </p:cNvPicPr>
-          <p:nvPr/>
-        </p:nvPicPr>
-        <p:blipFill>
-          <a:blip r:embed="rId8"/>
-          <a:stretch>
-            <a:fillRect/>
-          </a:stretch>
-        </p:blipFill>
-        <p:spPr>
-          <a:xfrm>
-            <a:off x="5518977" y="5217602"/>
-            <a:ext cx="5047619" cy="952381"/>
-          </a:xfrm>
-          <a:prstGeom prst="rect">
-            <a:avLst/>
-          </a:prstGeom>
-        </p:spPr>
-      </p:pic>
-      <p:sp>
-        <p:nvSpPr>
-          <p:cNvPr id="13" name="文本框 12"/>
-          <p:cNvSpPr txBox="1"/>
-          <p:nvPr/>
-        </p:nvSpPr>
-        <p:spPr>
-          <a:xfrm>
-            <a:off x="3622425" y="5913811"/>
-            <a:ext cx="1784555" cy="369332"/>
-          </a:xfrm>
-          <a:prstGeom prst="rect">
-            <a:avLst/>
-          </a:prstGeom>
-          <a:noFill/>
-        </p:spPr>
-        <p:txBody>
-          <a:bodyPr wrap="square" rtlCol="0">
-            <a:spAutoFit/>
-          </a:bodyPr>
-          <a:lstStyle/>
-          <a:p>
-            <a:r>
-              <a:rPr lang="zh-CN" altLang="en-US" smtClean="0"/>
-              <a:t>节约的能量</a:t>
-            </a:r>
-            <a:endParaRPr lang="zh-CN" altLang="en-US"/>
-          </a:p>
-        </p:txBody>
-      </p:sp>
-      <p:sp>
-        <p:nvSpPr>
-          <p:cNvPr id="20" name="文本框 19"/>
-          <p:cNvSpPr txBox="1"/>
-          <p:nvPr/>
-        </p:nvSpPr>
-        <p:spPr>
-          <a:xfrm>
-            <a:off x="7370889" y="5947827"/>
-            <a:ext cx="1784555" cy="369332"/>
-          </a:xfrm>
-          <a:prstGeom prst="rect">
-            <a:avLst/>
-          </a:prstGeom>
-          <a:noFill/>
-        </p:spPr>
-        <p:txBody>
-          <a:bodyPr wrap="square" rtlCol="0">
-            <a:spAutoFit/>
-          </a:bodyPr>
-          <a:lstStyle/>
-          <a:p>
-            <a:r>
-              <a:rPr lang="zh-CN" altLang="en-US" smtClean="0"/>
-              <a:t>节约的时间</a:t>
-            </a:r>
-            <a:endParaRPr lang="zh-CN" altLang="en-US"/>
-          </a:p>
-        </p:txBody>
-      </p:sp>
-      <p:pic>
-        <p:nvPicPr>
-          <p:cNvPr id="14" name="图片 13"/>
-          <p:cNvPicPr>
-            <a:picLocks noChangeAspect="1"/>
-          </p:cNvPicPr>
-          <p:nvPr/>
-        </p:nvPicPr>
-        <p:blipFill>
-          <a:blip r:embed="rId9"/>
-          <a:stretch>
-            <a:fillRect/>
-          </a:stretch>
-        </p:blipFill>
-        <p:spPr>
-          <a:xfrm>
-            <a:off x="9535076" y="5482263"/>
-            <a:ext cx="1414330" cy="267576"/>
+            <a:off x="3111123" y="1307624"/>
+            <a:ext cx="5969751" cy="5296797"/>
           </a:xfrm>
           <a:prstGeom prst="rect">
             <a:avLst/>
@@ -12386,7 +12530,7 @@
     </p:spTree>
     <p:extLst>
       <p:ext uri="{BB962C8B-B14F-4D97-AF65-F5344CB8AC3E}">
-        <p14:creationId xmlns:p14="http://schemas.microsoft.com/office/powerpoint/2010/main" val="2110875869"/>
+        <p14:creationId xmlns:p14="http://schemas.microsoft.com/office/powerpoint/2010/main" val="612315051"/>
       </p:ext>
     </p:extLst>
   </p:cSld>
@@ -12403,7 +12547,7 @@
 </p:sld>
 </file>
 
-<file path=ppt/slides/slide7.xml><?xml version="1.0" encoding="utf-8"?>
+<file path=ppt/slides/slide5.xml><?xml version="1.0" encoding="utf-8"?>
 <p:sld xmlns:a="http://schemas.openxmlformats.org/drawingml/2006/main" xmlns:r="http://schemas.openxmlformats.org/officeDocument/2006/relationships" xmlns:p="http://schemas.openxmlformats.org/presentationml/2006/main">
   <p:cSld>
     <p:spTree>
@@ -12443,7 +12587,7 @@
         </p:blipFill>
         <p:spPr bwMode="auto">
           <a:xfrm>
-            <a:off x="-2" y="0"/>
+            <a:off x="0" y="0"/>
             <a:ext cx="12192000" cy="6858000"/>
           </a:xfrm>
           <a:prstGeom prst="rect">
@@ -13256,16 +13400,15 @@
           <a:lstStyle/>
           <a:p>
             <a:r>
-              <a:rPr lang="en-US" altLang="zh-CN" b="1" smtClean="0"/>
-              <a:t>Rewards</a:t>
-            </a:r>
-            <a:endParaRPr lang="en-US" altLang="zh-CN" b="1"/>
+              <a:rPr lang="en-US" altLang="zh-CN" b="1"/>
+              <a:t>System States</a:t>
+            </a:r>
           </a:p>
         </p:txBody>
       </p:sp>
       <p:pic>
         <p:nvPicPr>
-          <p:cNvPr id="2" name="图片 1"/>
+          <p:cNvPr id="4" name="图片 3"/>
           <p:cNvPicPr>
             <a:picLocks noChangeAspect="1"/>
           </p:cNvPicPr>
@@ -13279,7 +13422,7 @@
         </p:blipFill>
         <p:spPr>
           <a:xfrm>
-            <a:off x="3572189" y="1418977"/>
+            <a:off x="3572189" y="1567588"/>
             <a:ext cx="5047619" cy="952381"/>
           </a:xfrm>
           <a:prstGeom prst="rect">
@@ -13289,7 +13432,7 @@
       </p:pic>
       <p:pic>
         <p:nvPicPr>
-          <p:cNvPr id="10" name="图片 9"/>
+          <p:cNvPr id="6" name="图片 5"/>
           <p:cNvPicPr>
             <a:picLocks noChangeAspect="1"/>
           </p:cNvPicPr>
@@ -13303,8 +13446,8 @@
         </p:blipFill>
         <p:spPr>
           <a:xfrm>
-            <a:off x="1394453" y="2083921"/>
-            <a:ext cx="9789474" cy="1963800"/>
+            <a:off x="3572188" y="3072058"/>
+            <a:ext cx="5047619" cy="952381"/>
           </a:xfrm>
           <a:prstGeom prst="rect">
             <a:avLst/>
@@ -13313,7 +13456,7 @@
       </p:pic>
       <p:pic>
         <p:nvPicPr>
-          <p:cNvPr id="4" name="图片 3"/>
+          <p:cNvPr id="7" name="图片 6"/>
           <p:cNvPicPr>
             <a:picLocks noChangeAspect="1"/>
           </p:cNvPicPr>
@@ -13327,18 +13470,137 @@
         </p:blipFill>
         <p:spPr>
           <a:xfrm>
-            <a:off x="3191236" y="4925545"/>
-            <a:ext cx="5809524" cy="952381"/>
+            <a:off x="3572189" y="4323334"/>
+            <a:ext cx="5047619" cy="1333333"/>
           </a:xfrm>
           <a:prstGeom prst="rect">
             <a:avLst/>
           </a:prstGeom>
         </p:spPr>
       </p:pic>
+      <p:sp>
+        <p:nvSpPr>
+          <p:cNvPr id="2" name="文本框 1"/>
+          <p:cNvSpPr txBox="1"/>
+          <p:nvPr/>
+        </p:nvSpPr>
+        <p:spPr>
+          <a:xfrm>
+            <a:off x="8507098" y="1817563"/>
+            <a:ext cx="2843527" cy="369332"/>
+          </a:xfrm>
+          <a:prstGeom prst="rect">
+            <a:avLst/>
+          </a:prstGeom>
+          <a:noFill/>
+        </p:spPr>
+        <p:txBody>
+          <a:bodyPr wrap="square" rtlCol="0">
+            <a:spAutoFit/>
+          </a:bodyPr>
+          <a:lstStyle/>
+          <a:p>
+            <a:r>
+              <a:rPr lang="zh-CN" altLang="en-US" smtClean="0"/>
+              <a:t>有</a:t>
+            </a:r>
+            <a:r>
+              <a:rPr lang="en-US" altLang="zh-CN" smtClean="0"/>
+              <a:t>n</a:t>
+            </a:r>
+            <a:r>
+              <a:rPr lang="en-US" altLang="zh-CN" baseline="-25000" smtClean="0"/>
+              <a:t>i</a:t>
+            </a:r>
+            <a:r>
+              <a:rPr lang="zh-CN" altLang="en-US" smtClean="0"/>
+              <a:t>个被配了</a:t>
+            </a:r>
+            <a:r>
+              <a:rPr lang="en-US" altLang="zh-CN" smtClean="0"/>
+              <a:t>i</a:t>
+            </a:r>
+            <a:r>
+              <a:rPr lang="zh-CN" altLang="en-US" smtClean="0"/>
+              <a:t>个</a:t>
+            </a:r>
+            <a:r>
+              <a:rPr lang="en-US" altLang="zh-CN" smtClean="0"/>
+              <a:t>RU</a:t>
+            </a:r>
+            <a:r>
+              <a:rPr lang="zh-CN" altLang="en-US" smtClean="0"/>
+              <a:t>的请求</a:t>
+            </a:r>
+            <a:endParaRPr lang="zh-CN" altLang="en-US"/>
+          </a:p>
+        </p:txBody>
+      </p:sp>
+      <p:sp>
+        <p:nvSpPr>
+          <p:cNvPr id="5" name="文本框 4"/>
+          <p:cNvSpPr txBox="1"/>
+          <p:nvPr/>
+        </p:nvSpPr>
+        <p:spPr>
+          <a:xfrm>
+            <a:off x="3982065" y="2363341"/>
+            <a:ext cx="4876083" cy="646331"/>
+          </a:xfrm>
+          <a:prstGeom prst="rect">
+            <a:avLst/>
+          </a:prstGeom>
+          <a:noFill/>
+        </p:spPr>
+        <p:txBody>
+          <a:bodyPr wrap="square" rtlCol="0">
+            <a:spAutoFit/>
+          </a:bodyPr>
+          <a:lstStyle/>
+          <a:p>
+            <a:r>
+              <a:rPr lang="en-US" altLang="zh-CN"/>
+              <a:t>N</a:t>
+            </a:r>
+            <a:r>
+              <a:rPr lang="en-US" altLang="zh-CN" baseline="-25000"/>
+              <a:t>R</a:t>
+            </a:r>
+            <a:r>
+              <a:rPr lang="zh-CN" altLang="en-US"/>
+              <a:t>表示一个服务请求最多能</a:t>
+            </a:r>
+            <a:r>
+              <a:rPr lang="zh-CN" altLang="en-US"/>
+              <a:t>分配</a:t>
+            </a:r>
+            <a:r>
+              <a:rPr lang="en-US" altLang="zh-CN" smtClean="0"/>
+              <a:t>N</a:t>
+            </a:r>
+            <a:r>
+              <a:rPr lang="en-US" altLang="zh-CN" baseline="-25000" smtClean="0"/>
+              <a:t>R</a:t>
+            </a:r>
+            <a:r>
+              <a:rPr lang="zh-CN" altLang="en-US" smtClean="0"/>
+              <a:t>个</a:t>
+            </a:r>
+            <a:r>
+              <a:rPr lang="en-US" altLang="zh-CN" smtClean="0"/>
+              <a:t>RU</a:t>
+            </a:r>
+            <a:endParaRPr lang="zh-CN" altLang="en-US"/>
+          </a:p>
+          <a:p>
+            <a:endParaRPr lang="zh-CN" altLang="en-US"/>
+          </a:p>
+        </p:txBody>
+      </p:sp>
     </p:spTree>
     <p:extLst>
       <p:ext uri="{BB962C8B-B14F-4D97-AF65-F5344CB8AC3E}">
-        <p14:creationId xmlns:p14="http://schemas.microsoft.com/office/powerpoint/2010/main" val="3606969526"/>
+        <p14:creationId xmlns:p14="http://schemas.microsoft.com/office/powerpoint/2010/main" val="1503436424"/>
       </p:ext>
     </p:extLst>
   </p:cSld>
@@ -13355,7 +13617,7 @@
 </p:sld>
 </file>
 
-<file path=ppt/slides/slide8.xml><?xml version="1.0" encoding="utf-8"?>
+<file path=ppt/slides/slide6.xml><?xml version="1.0" encoding="utf-8"?>
 <p:sld xmlns:a="http://schemas.openxmlformats.org/drawingml/2006/main" xmlns:r="http://schemas.openxmlformats.org/officeDocument/2006/relationships" xmlns:p="http://schemas.openxmlformats.org/presentationml/2006/main">
   <p:cSld>
     <p:spTree>
@@ -13395,7 +13657,7 @@
         </p:blipFill>
         <p:spPr bwMode="auto">
           <a:xfrm>
-            <a:off x="-2" y="-457200"/>
+            <a:off x="0" y="0"/>
             <a:ext cx="12192000" cy="6858000"/>
           </a:xfrm>
           <a:prstGeom prst="rect">
@@ -14209,7 +14471,7 @@
           <a:p>
             <a:r>
               <a:rPr lang="en-US" altLang="zh-CN" b="1" smtClean="0"/>
-              <a:t>Rewards</a:t>
+              <a:t>Actions</a:t>
             </a:r>
             <a:endParaRPr lang="en-US" altLang="zh-CN" b="1"/>
           </a:p>
@@ -14231,7 +14493,7 @@
         </p:blipFill>
         <p:spPr>
           <a:xfrm>
-            <a:off x="3572189" y="1418977"/>
+            <a:off x="3926151" y="1789896"/>
             <a:ext cx="5047619" cy="952381"/>
           </a:xfrm>
           <a:prstGeom prst="rect">
@@ -14241,32 +14503,49 @@
       </p:pic>
       <p:sp>
         <p:nvSpPr>
-          <p:cNvPr id="5" name="矩形 4"/>
-          <p:cNvSpPr/>
+          <p:cNvPr id="5" name="文本框 4"/>
+          <p:cNvSpPr txBox="1"/>
           <p:nvPr/>
         </p:nvSpPr>
         <p:spPr>
           <a:xfrm>
-            <a:off x="5426586" y="3244334"/>
-            <a:ext cx="1569660" cy="369332"/>
+            <a:off x="926123" y="2008141"/>
+            <a:ext cx="3908323" cy="369332"/>
           </a:xfrm>
           <a:prstGeom prst="rect">
             <a:avLst/>
           </a:prstGeom>
+          <a:noFill/>
         </p:spPr>
         <p:txBody>
-          <a:bodyPr wrap="none">
+          <a:bodyPr wrap="square" rtlCol="0">
             <a:spAutoFit/>
           </a:bodyPr>
           <a:lstStyle/>
           <a:p>
             <a:r>
-              <a:rPr lang="zh-CN" altLang="en-US" smtClean="0">
-                <a:solidFill>
-                  <a:srgbClr val="2E3033"/>
-                </a:solidFill>
-              </a:rPr>
-              <a:t>系统期望成本</a:t>
+              <a:rPr lang="zh-CN" altLang="en-US"/>
+              <a:t>在动作</a:t>
+            </a:r>
+            <a:r>
+              <a:rPr lang="zh-CN" altLang="en-US" smtClean="0"/>
+              <a:t>集合</a:t>
+            </a:r>
+            <a:r>
+              <a:rPr lang="en-US" altLang="zh-CN"/>
+              <a:t>A</a:t>
+            </a:r>
+            <a:r>
+              <a:rPr lang="zh-CN" altLang="en-US" smtClean="0"/>
+              <a:t>中</a:t>
+            </a:r>
+            <a:r>
+              <a:rPr lang="zh-CN" altLang="en-US"/>
+              <a:t>，有几种可能的动作</a:t>
+            </a:r>
+            <a:r>
+              <a:rPr lang="en-US" altLang="zh-CN"/>
+              <a:t>a</a:t>
             </a:r>
             <a:endParaRPr lang="zh-CN" altLang="en-US"/>
           </a:p>
@@ -14274,7 +14553,7 @@
       </p:sp>
       <p:pic>
         <p:nvPicPr>
-          <p:cNvPr id="7" name="图片 6"/>
+          <p:cNvPr id="8" name="图片 7"/>
           <p:cNvPicPr>
             <a:picLocks noChangeAspect="1"/>
           </p:cNvPicPr>
@@ -14288,32 +14567,8 @@
         </p:blipFill>
         <p:spPr>
           <a:xfrm>
-            <a:off x="3572190" y="2317809"/>
-            <a:ext cx="5047619" cy="952381"/>
-          </a:xfrm>
-          <a:prstGeom prst="rect">
-            <a:avLst/>
-          </a:prstGeom>
-        </p:spPr>
-      </p:pic>
-      <p:pic>
-        <p:nvPicPr>
-          <p:cNvPr id="8" name="图片 7"/>
-          <p:cNvPicPr>
-            <a:picLocks noChangeAspect="1"/>
-          </p:cNvPicPr>
-          <p:nvPr/>
-        </p:nvPicPr>
-        <p:blipFill>
-          <a:blip r:embed="rId6"/>
-          <a:stretch>
-            <a:fillRect/>
-          </a:stretch>
-        </p:blipFill>
-        <p:spPr>
-          <a:xfrm>
-            <a:off x="1463990" y="3778309"/>
-            <a:ext cx="5047619" cy="952381"/>
+            <a:off x="2343618" y="4221417"/>
+            <a:ext cx="7504762" cy="1209524"/>
           </a:xfrm>
           <a:prstGeom prst="rect">
             <a:avLst/>
@@ -14322,108 +14577,168 @@
       </p:pic>
       <p:sp>
         <p:nvSpPr>
-          <p:cNvPr id="9" name="文本框 8"/>
-          <p:cNvSpPr txBox="1"/>
+          <p:cNvPr id="4" name="矩形标注 3"/>
+          <p:cNvSpPr/>
           <p:nvPr/>
         </p:nvSpPr>
-        <p:spPr>
+        <p:spPr bwMode="auto">
           <a:xfrm>
-            <a:off x="5194300" y="4089400"/>
-            <a:ext cx="2641600" cy="646331"/>
+            <a:off x="7838144" y="3149979"/>
+            <a:ext cx="1704063" cy="648414"/>
           </a:xfrm>
-          <a:prstGeom prst="rect">
-            <a:avLst/>
+          <a:prstGeom prst="wedgeRectCallout">
+            <a:avLst>
+              <a:gd name="adj1" fmla="val -50333"/>
+              <a:gd name="adj2" fmla="val 162064"/>
+            </a:avLst>
           </a:prstGeom>
-          <a:noFill/>
+          <a:ln>
+            <a:headEnd type="none" w="med" len="med"/>
+            <a:tailEnd type="none" w="med" len="med"/>
+          </a:ln>
         </p:spPr>
+        <p:style>
+          <a:lnRef idx="2">
+            <a:schemeClr val="accent4"/>
+          </a:lnRef>
+          <a:fillRef idx="1">
+            <a:schemeClr val="lt1"/>
+          </a:fillRef>
+          <a:effectRef idx="0">
+            <a:schemeClr val="accent4"/>
+          </a:effectRef>
+          <a:fontRef idx="minor">
+            <a:schemeClr val="dk1"/>
+          </a:fontRef>
+        </p:style>
         <p:txBody>
-          <a:bodyPr wrap="square" rtlCol="0">
-            <a:spAutoFit/>
-          </a:bodyPr>
+          <a:bodyPr vert="horz" wrap="square" lIns="91440" tIns="45720" rIns="91440" bIns="45720" numCol="1" rtlCol="0" anchor="t" anchorCtr="0" compatLnSpc="1"/>
           <a:lstStyle/>
           <a:p>
             <a:r>
-              <a:rPr lang="zh-CN" altLang="en-US" smtClean="0"/>
-              <a:t>当前状态到下一个状态期望服务时间</a:t>
-            </a:r>
-            <a:endParaRPr lang="zh-CN" altLang="en-US"/>
+              <a:rPr lang="zh-CN" altLang="en-US">
+                <a:solidFill>
+                  <a:schemeClr val="tx1"/>
+                </a:solidFill>
+              </a:rPr>
+              <a:t>仅仅需要更新</a:t>
+            </a:r>
+            <a:r>
+              <a:rPr lang="en-US" altLang="zh-CN">
+                <a:solidFill>
+                  <a:schemeClr val="tx1"/>
+                </a:solidFill>
+              </a:rPr>
+              <a:t>VC</a:t>
+            </a:r>
+            <a:r>
+              <a:rPr lang="zh-CN" altLang="en-US">
+                <a:solidFill>
+                  <a:schemeClr val="tx1"/>
+                </a:solidFill>
+              </a:rPr>
+              <a:t>中</a:t>
+            </a:r>
+            <a:r>
+              <a:rPr lang="en-US" altLang="zh-CN">
+                <a:solidFill>
+                  <a:schemeClr val="tx1"/>
+                </a:solidFill>
+              </a:rPr>
+              <a:t>RU</a:t>
+            </a:r>
+            <a:r>
+              <a:rPr lang="zh-CN" altLang="en-US">
+                <a:solidFill>
+                  <a:schemeClr val="tx1"/>
+                </a:solidFill>
+              </a:rPr>
+              <a:t>的状态</a:t>
+            </a:r>
+            <a:endParaRPr kumimoji="0" lang="zh-CN" altLang="en-US" sz="1800" b="0" i="0" u="none" strike="noStrike" cap="none" normalizeH="0" baseline="0" smtClean="0">
+              <a:ln>
+                <a:noFill/>
+              </a:ln>
+              <a:solidFill>
+                <a:schemeClr val="tx1"/>
+              </a:solidFill>
+              <a:effectLst/>
+              <a:latin typeface="Arial" panose="020B0604020202020204" pitchFamily="34" charset="0"/>
+              <a:ea typeface="宋体" panose="02010600030101010101" pitchFamily="2" charset="-122"/>
+            </a:endParaRPr>
           </a:p>
         </p:txBody>
       </p:sp>
-      <p:pic>
-        <p:nvPicPr>
-          <p:cNvPr id="12" name="图片 11"/>
-          <p:cNvPicPr>
-            <a:picLocks noChangeAspect="1"/>
-          </p:cNvPicPr>
-          <p:nvPr/>
-        </p:nvPicPr>
-        <p:blipFill>
-          <a:blip r:embed="rId7"/>
-          <a:stretch>
-            <a:fillRect/>
-          </a:stretch>
-        </p:blipFill>
-        <p:spPr>
-          <a:xfrm>
-            <a:off x="1495740" y="4800683"/>
-            <a:ext cx="5047619" cy="1333333"/>
-          </a:xfrm>
-          <a:prstGeom prst="rect">
-            <a:avLst/>
-          </a:prstGeom>
-        </p:spPr>
-      </p:pic>
       <p:sp>
         <p:nvSpPr>
-          <p:cNvPr id="13" name="文本框 12"/>
-          <p:cNvSpPr txBox="1"/>
+          <p:cNvPr id="6" name="矩形标注 5"/>
+          <p:cNvSpPr/>
           <p:nvPr/>
         </p:nvSpPr>
-        <p:spPr>
+        <p:spPr bwMode="auto">
           <a:xfrm>
-            <a:off x="5536528" y="5048250"/>
-            <a:ext cx="2788322" cy="369332"/>
+            <a:off x="6742764" y="5638586"/>
+            <a:ext cx="2190760" cy="672908"/>
           </a:xfrm>
-          <a:prstGeom prst="rect">
-            <a:avLst/>
+          <a:prstGeom prst="wedgeRectCallout">
+            <a:avLst>
+              <a:gd name="adj1" fmla="val -63968"/>
+              <a:gd name="adj2" fmla="val -135592"/>
+            </a:avLst>
           </a:prstGeom>
-          <a:noFill/>
+          <a:ln>
+            <a:headEnd type="none" w="med" len="med"/>
+            <a:tailEnd type="none" w="med" len="med"/>
+          </a:ln>
         </p:spPr>
+        <p:style>
+          <a:lnRef idx="2">
+            <a:schemeClr val="accent4"/>
+          </a:lnRef>
+          <a:fillRef idx="1">
+            <a:schemeClr val="lt1"/>
+          </a:fillRef>
+          <a:effectRef idx="0">
+            <a:schemeClr val="accent4"/>
+          </a:effectRef>
+          <a:fontRef idx="minor">
+            <a:schemeClr val="dk1"/>
+          </a:fontRef>
+        </p:style>
         <p:txBody>
-          <a:bodyPr wrap="square" rtlCol="0">
-            <a:spAutoFit/>
-          </a:bodyPr>
+          <a:bodyPr vert="horz" wrap="square" lIns="91440" tIns="45720" rIns="91440" bIns="45720" numCol="1" rtlCol="0" anchor="t" anchorCtr="0" compatLnSpc="1"/>
           <a:lstStyle/>
           <a:p>
             <a:r>
+              <a:rPr lang="zh-CN" altLang="en-US"/>
+              <a:t>收到一个新</a:t>
+            </a:r>
+            <a:r>
+              <a:rPr lang="zh-CN" altLang="en-US"/>
+              <a:t>的</a:t>
+            </a:r>
+            <a:r>
               <a:rPr lang="zh-CN" altLang="en-US" smtClean="0"/>
-              <a:t>在状态</a:t>
-            </a:r>
-            <a:r>
-              <a:rPr lang="en-US" altLang="zh-CN" smtClean="0"/>
-              <a:t>s</a:t>
-            </a:r>
-            <a:r>
-              <a:rPr lang="zh-CN" altLang="en-US" smtClean="0"/>
-              <a:t>下执行</a:t>
-            </a:r>
-            <a:r>
-              <a:rPr lang="en-US" altLang="zh-CN" smtClean="0"/>
-              <a:t>a</a:t>
-            </a:r>
-            <a:r>
-              <a:rPr lang="zh-CN" altLang="en-US" smtClean="0"/>
-              <a:t>成本率</a:t>
-            </a:r>
-            <a:endParaRPr lang="zh-CN" altLang="en-US"/>
+              <a:t>请求，要决定卸载到哪里</a:t>
+            </a:r>
+            <a:endParaRPr kumimoji="0" lang="zh-CN" altLang="en-US" sz="1800" b="0" i="0" u="none" strike="noStrike" cap="none" normalizeH="0" baseline="0" smtClean="0">
+              <a:ln>
+                <a:noFill/>
+              </a:ln>
+              <a:solidFill>
+                <a:schemeClr val="tx1"/>
+              </a:solidFill>
+              <a:effectLst/>
+              <a:latin typeface="Arial" panose="020B0604020202020204" pitchFamily="34" charset="0"/>
+              <a:ea typeface="宋体" panose="02010600030101010101" pitchFamily="2" charset="-122"/>
+            </a:endParaRPr>
           </a:p>
         </p:txBody>
       </p:sp>
     </p:spTree>
     <p:extLst>
       <p:ext uri="{BB962C8B-B14F-4D97-AF65-F5344CB8AC3E}">
-        <p14:creationId xmlns:p14="http://schemas.microsoft.com/office/powerpoint/2010/main" val="19351381"/>
+        <p14:creationId xmlns:p14="http://schemas.microsoft.com/office/powerpoint/2010/main" val="1551495463"/>
       </p:ext>
     </p:extLst>
   </p:cSld>
@@ -14440,7 +14755,7 @@
 </p:sld>
 </file>
 
-<file path=ppt/slides/slide9.xml><?xml version="1.0" encoding="utf-8"?>
+<file path=ppt/slides/slide7.xml><?xml version="1.0" encoding="utf-8"?>
 <p:sld xmlns:a="http://schemas.openxmlformats.org/drawingml/2006/main" xmlns:r="http://schemas.openxmlformats.org/officeDocument/2006/relationships" xmlns:p="http://schemas.openxmlformats.org/presentationml/2006/main">
   <p:cSld>
     <p:spTree>
@@ -14480,7 +14795,7 @@
         </p:blipFill>
         <p:spPr bwMode="auto">
           <a:xfrm>
-            <a:off x="0" y="0"/>
+            <a:off x="-2" y="0"/>
             <a:ext cx="12192000" cy="6858000"/>
           </a:xfrm>
           <a:prstGeom prst="rect">
@@ -14561,6 +14876,30 @@
           </a:p>
         </p:txBody>
       </p:sp>
+      <p:pic>
+        <p:nvPicPr>
+          <p:cNvPr id="5" name="图片 4"/>
+          <p:cNvPicPr>
+            <a:picLocks noChangeAspect="1"/>
+          </p:cNvPicPr>
+          <p:nvPr/>
+        </p:nvPicPr>
+        <p:blipFill>
+          <a:blip r:embed="rId4"/>
+          <a:stretch>
+            <a:fillRect/>
+          </a:stretch>
+        </p:blipFill>
+        <p:spPr>
+          <a:xfrm>
+            <a:off x="-761294" y="2165947"/>
+            <a:ext cx="5047619" cy="952381"/>
+          </a:xfrm>
+          <a:prstGeom prst="rect">
+            <a:avLst/>
+          </a:prstGeom>
+        </p:spPr>
+      </p:pic>
       <p:grpSp>
         <p:nvGrpSpPr>
           <p:cNvPr id="5129" name="Group 15"/>
@@ -15270,10 +15609,2571 @@
           </a:p>
         </p:txBody>
       </p:sp>
+      <p:sp>
+        <p:nvSpPr>
+          <p:cNvPr id="3" name="文本框 2"/>
+          <p:cNvSpPr txBox="1"/>
+          <p:nvPr/>
+        </p:nvSpPr>
+        <p:spPr>
+          <a:xfrm>
+            <a:off x="926123" y="905284"/>
+            <a:ext cx="2121877" cy="369332"/>
+          </a:xfrm>
+          <a:prstGeom prst="rect">
+            <a:avLst/>
+          </a:prstGeom>
+          <a:noFill/>
+        </p:spPr>
+        <p:txBody>
+          <a:bodyPr wrap="square" rtlCol="0">
+            <a:spAutoFit/>
+          </a:bodyPr>
+          <a:lstStyle/>
+          <a:p>
+            <a:r>
+              <a:rPr lang="en-US" altLang="zh-CN" b="1" smtClean="0"/>
+              <a:t>Rewards</a:t>
+            </a:r>
+            <a:endParaRPr lang="en-US" altLang="zh-CN" b="1"/>
+          </a:p>
+        </p:txBody>
+      </p:sp>
+      <p:pic>
+        <p:nvPicPr>
+          <p:cNvPr id="2" name="图片 1"/>
+          <p:cNvPicPr>
+            <a:picLocks noChangeAspect="1"/>
+          </p:cNvPicPr>
+          <p:nvPr/>
+        </p:nvPicPr>
+        <p:blipFill>
+          <a:blip r:embed="rId5"/>
+          <a:stretch>
+            <a:fillRect/>
+          </a:stretch>
+        </p:blipFill>
+        <p:spPr>
+          <a:xfrm>
+            <a:off x="3572189" y="1418977"/>
+            <a:ext cx="5047619" cy="952381"/>
+          </a:xfrm>
+          <a:prstGeom prst="rect">
+            <a:avLst/>
+          </a:prstGeom>
+        </p:spPr>
+      </p:pic>
+      <p:sp>
+        <p:nvSpPr>
+          <p:cNvPr id="8" name="文本框 7"/>
+          <p:cNvSpPr txBox="1"/>
+          <p:nvPr/>
+        </p:nvSpPr>
+        <p:spPr>
+          <a:xfrm>
+            <a:off x="2255050" y="2350613"/>
+            <a:ext cx="8038785" cy="369332"/>
+          </a:xfrm>
+          <a:prstGeom prst="rect">
+            <a:avLst/>
+          </a:prstGeom>
+          <a:noFill/>
+        </p:spPr>
+        <p:txBody>
+          <a:bodyPr wrap="square" rtlCol="0">
+            <a:spAutoFit/>
+          </a:bodyPr>
+          <a:lstStyle/>
+          <a:p>
+            <a:r>
+              <a:rPr lang="zh-CN" altLang="en-US" smtClean="0"/>
+              <a:t>是在</a:t>
+            </a:r>
+            <a:r>
+              <a:rPr lang="en-US" altLang="zh-CN" smtClean="0"/>
+              <a:t>s</a:t>
+            </a:r>
+            <a:r>
+              <a:rPr lang="zh-CN" altLang="en-US" smtClean="0"/>
+              <a:t>状态下事件</a:t>
+            </a:r>
+            <a:r>
+              <a:rPr lang="en-US" altLang="zh-CN" smtClean="0"/>
+              <a:t>e</a:t>
+            </a:r>
+            <a:r>
+              <a:rPr lang="zh-CN" altLang="en-US" smtClean="0"/>
+              <a:t>发生时，执行动作</a:t>
+            </a:r>
+            <a:r>
+              <a:rPr lang="en-US" altLang="zh-CN" smtClean="0"/>
+              <a:t>a</a:t>
+            </a:r>
+            <a:r>
+              <a:rPr lang="zh-CN" altLang="en-US"/>
+              <a:t>后</a:t>
+            </a:r>
+            <a:r>
+              <a:rPr lang="zh-CN" altLang="en-US" smtClean="0"/>
+              <a:t>产生的即时收益，由收入和成本构成。</a:t>
+            </a:r>
+            <a:endParaRPr lang="zh-CN" altLang="en-US"/>
+          </a:p>
+        </p:txBody>
+      </p:sp>
+      <p:sp>
+        <p:nvSpPr>
+          <p:cNvPr id="9" name="文本框 8"/>
+          <p:cNvSpPr txBox="1"/>
+          <p:nvPr/>
+        </p:nvSpPr>
+        <p:spPr>
+          <a:xfrm>
+            <a:off x="2255050" y="2859282"/>
+            <a:ext cx="8863241" cy="369332"/>
+          </a:xfrm>
+          <a:prstGeom prst="rect">
+            <a:avLst/>
+          </a:prstGeom>
+          <a:noFill/>
+        </p:spPr>
+        <p:txBody>
+          <a:bodyPr wrap="square" rtlCol="0">
+            <a:spAutoFit/>
+          </a:bodyPr>
+          <a:lstStyle/>
+          <a:p>
+            <a:r>
+              <a:rPr lang="zh-CN" altLang="en-US" smtClean="0"/>
+              <a:t>收入来自节约的能耗和执行速率的提升。</a:t>
+            </a:r>
+            <a:endParaRPr lang="zh-CN" altLang="en-US"/>
+          </a:p>
+        </p:txBody>
+      </p:sp>
+      <p:pic>
+        <p:nvPicPr>
+          <p:cNvPr id="10" name="图片 9"/>
+          <p:cNvPicPr>
+            <a:picLocks noChangeAspect="1"/>
+          </p:cNvPicPr>
+          <p:nvPr/>
+        </p:nvPicPr>
+        <p:blipFill>
+          <a:blip r:embed="rId6"/>
+          <a:stretch>
+            <a:fillRect/>
+          </a:stretch>
+        </p:blipFill>
+        <p:spPr>
+          <a:xfrm>
+            <a:off x="1379705" y="3320475"/>
+            <a:ext cx="9789474" cy="1963800"/>
+          </a:xfrm>
+          <a:prstGeom prst="rect">
+            <a:avLst/>
+          </a:prstGeom>
+        </p:spPr>
+      </p:pic>
+      <p:pic>
+        <p:nvPicPr>
+          <p:cNvPr id="11" name="图片 10"/>
+          <p:cNvPicPr>
+            <a:picLocks noChangeAspect="1"/>
+          </p:cNvPicPr>
+          <p:nvPr/>
+        </p:nvPicPr>
+        <p:blipFill>
+          <a:blip r:embed="rId7"/>
+          <a:stretch>
+            <a:fillRect/>
+          </a:stretch>
+        </p:blipFill>
+        <p:spPr>
+          <a:xfrm>
+            <a:off x="1762515" y="5220476"/>
+            <a:ext cx="5047619" cy="952381"/>
+          </a:xfrm>
+          <a:prstGeom prst="rect">
+            <a:avLst/>
+          </a:prstGeom>
+        </p:spPr>
+      </p:pic>
+      <p:pic>
+        <p:nvPicPr>
+          <p:cNvPr id="12" name="图片 11"/>
+          <p:cNvPicPr>
+            <a:picLocks noChangeAspect="1"/>
+          </p:cNvPicPr>
+          <p:nvPr/>
+        </p:nvPicPr>
+        <p:blipFill>
+          <a:blip r:embed="rId8"/>
+          <a:stretch>
+            <a:fillRect/>
+          </a:stretch>
+        </p:blipFill>
+        <p:spPr>
+          <a:xfrm>
+            <a:off x="5518977" y="5217602"/>
+            <a:ext cx="5047619" cy="952381"/>
+          </a:xfrm>
+          <a:prstGeom prst="rect">
+            <a:avLst/>
+          </a:prstGeom>
+        </p:spPr>
+      </p:pic>
+      <p:sp>
+        <p:nvSpPr>
+          <p:cNvPr id="13" name="文本框 12"/>
+          <p:cNvSpPr txBox="1"/>
+          <p:nvPr/>
+        </p:nvSpPr>
+        <p:spPr>
+          <a:xfrm>
+            <a:off x="3622425" y="5913811"/>
+            <a:ext cx="1784555" cy="369332"/>
+          </a:xfrm>
+          <a:prstGeom prst="rect">
+            <a:avLst/>
+          </a:prstGeom>
+          <a:noFill/>
+        </p:spPr>
+        <p:txBody>
+          <a:bodyPr wrap="square" rtlCol="0">
+            <a:spAutoFit/>
+          </a:bodyPr>
+          <a:lstStyle/>
+          <a:p>
+            <a:r>
+              <a:rPr lang="zh-CN" altLang="en-US" smtClean="0"/>
+              <a:t>节约的能量</a:t>
+            </a:r>
+            <a:endParaRPr lang="zh-CN" altLang="en-US"/>
+          </a:p>
+        </p:txBody>
+      </p:sp>
+      <p:sp>
+        <p:nvSpPr>
+          <p:cNvPr id="20" name="文本框 19"/>
+          <p:cNvSpPr txBox="1"/>
+          <p:nvPr/>
+        </p:nvSpPr>
+        <p:spPr>
+          <a:xfrm>
+            <a:off x="7370889" y="5947827"/>
+            <a:ext cx="1784555" cy="369332"/>
+          </a:xfrm>
+          <a:prstGeom prst="rect">
+            <a:avLst/>
+          </a:prstGeom>
+          <a:noFill/>
+        </p:spPr>
+        <p:txBody>
+          <a:bodyPr wrap="square" rtlCol="0">
+            <a:spAutoFit/>
+          </a:bodyPr>
+          <a:lstStyle/>
+          <a:p>
+            <a:r>
+              <a:rPr lang="zh-CN" altLang="en-US" smtClean="0"/>
+              <a:t>节约的时间</a:t>
+            </a:r>
+            <a:endParaRPr lang="zh-CN" altLang="en-US"/>
+          </a:p>
+        </p:txBody>
+      </p:sp>
+      <p:pic>
+        <p:nvPicPr>
+          <p:cNvPr id="14" name="图片 13"/>
+          <p:cNvPicPr>
+            <a:picLocks noChangeAspect="1"/>
+          </p:cNvPicPr>
+          <p:nvPr/>
+        </p:nvPicPr>
+        <p:blipFill>
+          <a:blip r:embed="rId9"/>
+          <a:stretch>
+            <a:fillRect/>
+          </a:stretch>
+        </p:blipFill>
+        <p:spPr>
+          <a:xfrm>
+            <a:off x="9535076" y="5482263"/>
+            <a:ext cx="1414330" cy="267576"/>
+          </a:xfrm>
+          <a:prstGeom prst="rect">
+            <a:avLst/>
+          </a:prstGeom>
+        </p:spPr>
+      </p:pic>
+      <p:sp>
+        <p:nvSpPr>
+          <p:cNvPr id="6" name="矩形标注 5"/>
+          <p:cNvSpPr/>
+          <p:nvPr/>
+        </p:nvSpPr>
+        <p:spPr bwMode="auto">
+          <a:xfrm>
+            <a:off x="8982247" y="2687807"/>
+            <a:ext cx="1827765" cy="635792"/>
+          </a:xfrm>
+          <a:prstGeom prst="wedgeRectCallout">
+            <a:avLst>
+              <a:gd name="adj1" fmla="val -48144"/>
+              <a:gd name="adj2" fmla="val 89412"/>
+            </a:avLst>
+          </a:prstGeom>
+          <a:ln>
+            <a:headEnd type="none" w="med" len="med"/>
+            <a:tailEnd type="none" w="med" len="med"/>
+          </a:ln>
+        </p:spPr>
+        <p:style>
+          <a:lnRef idx="2">
+            <a:schemeClr val="accent4"/>
+          </a:lnRef>
+          <a:fillRef idx="1">
+            <a:schemeClr val="lt1"/>
+          </a:fillRef>
+          <a:effectRef idx="0">
+            <a:schemeClr val="accent4"/>
+          </a:effectRef>
+          <a:fontRef idx="minor">
+            <a:schemeClr val="dk1"/>
+          </a:fontRef>
+        </p:style>
+        <p:txBody>
+          <a:bodyPr vert="horz" wrap="square" lIns="91440" tIns="45720" rIns="91440" bIns="45720" numCol="1" rtlCol="0" anchor="t" anchorCtr="0" compatLnSpc="1"/>
+          <a:lstStyle/>
+          <a:p>
+            <a:pPr marL="0" marR="0" indent="0" algn="l" defTabSz="914400" rtl="0" eaLnBrk="1" fontAlgn="base" latinLnBrk="0" hangingPunct="1">
+              <a:lnSpc>
+                <a:spcPct val="100000"/>
+              </a:lnSpc>
+              <a:spcBef>
+                <a:spcPct val="0"/>
+              </a:spcBef>
+              <a:spcAft>
+                <a:spcPct val="0"/>
+              </a:spcAft>
+              <a:buClrTx/>
+              <a:buSzTx/>
+              <a:buFont typeface="Arial" panose="020B0604020202020204" pitchFamily="34" charset="0"/>
+              <a:buNone/>
+            </a:pPr>
+            <a:r>
+              <a:rPr kumimoji="0" lang="zh-CN" altLang="en-US" sz="1800" b="0" i="0" u="none" strike="noStrike" cap="none" normalizeH="0" baseline="0" smtClean="0">
+                <a:ln>
+                  <a:noFill/>
+                </a:ln>
+                <a:solidFill>
+                  <a:schemeClr val="tx1"/>
+                </a:solidFill>
+                <a:effectLst/>
+                <a:latin typeface="Arial" panose="020B0604020202020204" pitchFamily="34" charset="0"/>
+                <a:ea typeface="宋体" panose="02010600030101010101" pitchFamily="2" charset="-122"/>
+              </a:rPr>
+              <a:t>当有新的请求时，执行动作为</a:t>
+            </a:r>
+            <a:r>
+              <a:rPr kumimoji="0" lang="en-US" altLang="zh-CN" sz="1800" b="0" i="0" u="none" strike="noStrike" cap="none" normalizeH="0" baseline="0" smtClean="0">
+                <a:ln>
+                  <a:noFill/>
+                </a:ln>
+                <a:solidFill>
+                  <a:schemeClr val="tx1"/>
+                </a:solidFill>
+                <a:effectLst/>
+                <a:latin typeface="Arial" panose="020B0604020202020204" pitchFamily="34" charset="0"/>
+                <a:ea typeface="宋体" panose="02010600030101010101" pitchFamily="2" charset="-122"/>
+              </a:rPr>
+              <a:t>i</a:t>
+            </a:r>
+            <a:endParaRPr kumimoji="0" lang="zh-CN" altLang="en-US" sz="1800" b="0" i="0" u="none" strike="noStrike" cap="none" normalizeH="0" baseline="0" smtClean="0">
+              <a:ln>
+                <a:noFill/>
+              </a:ln>
+              <a:solidFill>
+                <a:schemeClr val="tx1"/>
+              </a:solidFill>
+              <a:effectLst/>
+              <a:latin typeface="Arial" panose="020B0604020202020204" pitchFamily="34" charset="0"/>
+              <a:ea typeface="宋体" panose="02010600030101010101" pitchFamily="2" charset="-122"/>
+            </a:endParaRPr>
+          </a:p>
+        </p:txBody>
+      </p:sp>
     </p:spTree>
     <p:extLst>
       <p:ext uri="{BB962C8B-B14F-4D97-AF65-F5344CB8AC3E}">
-        <p14:creationId xmlns:p14="http://schemas.microsoft.com/office/powerpoint/2010/main" val="225016998"/>
+        <p14:creationId xmlns:p14="http://schemas.microsoft.com/office/powerpoint/2010/main" val="2110875869"/>
+      </p:ext>
+    </p:extLst>
+  </p:cSld>
+  <p:clrMapOvr>
+    <a:masterClrMapping/>
+  </p:clrMapOvr>
+  <p:timing>
+    <p:tnLst>
+      <p:par>
+        <p:cTn id="1" dur="indefinite" restart="never" nodeType="tmRoot"/>
+      </p:par>
+    </p:tnLst>
+  </p:timing>
+</p:sld>
+</file>
+
+<file path=ppt/slides/slide8.xml><?xml version="1.0" encoding="utf-8"?>
+<p:sld xmlns:a="http://schemas.openxmlformats.org/drawingml/2006/main" xmlns:r="http://schemas.openxmlformats.org/officeDocument/2006/relationships" xmlns:p="http://schemas.openxmlformats.org/presentationml/2006/main">
+  <p:cSld>
+    <p:spTree>
+      <p:nvGrpSpPr>
+        <p:cNvPr id="1" name=""/>
+        <p:cNvGrpSpPr/>
+        <p:nvPr/>
+      </p:nvGrpSpPr>
+      <p:grpSpPr>
+        <a:xfrm>
+          <a:off x="0" y="0"/>
+          <a:ext cx="0" cy="0"/>
+          <a:chOff x="0" y="0"/>
+          <a:chExt cx="0" cy="0"/>
+        </a:xfrm>
+      </p:grpSpPr>
+      <p:pic>
+        <p:nvPicPr>
+          <p:cNvPr id="5122" name="图片 1"/>
+          <p:cNvPicPr>
+            <a:picLocks noChangeAspect="1" noChangeArrowheads="1"/>
+          </p:cNvPicPr>
+          <p:nvPr/>
+        </p:nvPicPr>
+        <p:blipFill>
+          <a:blip r:embed="rId3">
+            <a:extLst>
+              <a:ext uri="{28A0092B-C50C-407E-A947-70E740481C1C}">
+                <a14:useLocalDpi xmlns:a14="http://schemas.microsoft.com/office/drawing/2010/main" val="0"/>
+              </a:ext>
+            </a:extLst>
+          </a:blip>
+          <a:srcRect/>
+          <a:stretch>
+            <a:fillRect/>
+          </a:stretch>
+        </p:blipFill>
+        <p:spPr bwMode="auto">
+          <a:xfrm>
+            <a:off x="-2" y="0"/>
+            <a:ext cx="12192000" cy="6858000"/>
+          </a:xfrm>
+          <a:prstGeom prst="rect">
+            <a:avLst/>
+          </a:prstGeom>
+          <a:noFill/>
+          <a:ln>
+            <a:noFill/>
+          </a:ln>
+          <a:extLst>
+            <a:ext uri="{909E8E84-426E-40DD-AFC4-6F175D3DCCD1}">
+              <a14:hiddenFill xmlns:a14="http://schemas.microsoft.com/office/drawing/2010/main">
+                <a:solidFill>
+                  <a:srgbClr val="FFFFFF"/>
+                </a:solidFill>
+              </a14:hiddenFill>
+            </a:ext>
+            <a:ext uri="{91240B29-F687-4F45-9708-019B960494DF}">
+              <a14:hiddenLine xmlns:a14="http://schemas.microsoft.com/office/drawing/2010/main" w="9525">
+                <a:solidFill>
+                  <a:srgbClr val="000000"/>
+                </a:solidFill>
+                <a:miter lim="800000"/>
+                <a:headEnd/>
+                <a:tailEnd/>
+              </a14:hiddenLine>
+            </a:ext>
+          </a:extLst>
+        </p:spPr>
+      </p:pic>
+      <p:sp>
+        <p:nvSpPr>
+          <p:cNvPr id="5124" name="平行四边形 14"/>
+          <p:cNvSpPr>
+            <a:spLocks noChangeArrowheads="1"/>
+          </p:cNvSpPr>
+          <p:nvPr/>
+        </p:nvSpPr>
+        <p:spPr bwMode="auto">
+          <a:xfrm>
+            <a:off x="728662" y="905284"/>
+            <a:ext cx="10734675" cy="5732145"/>
+          </a:xfrm>
+          <a:prstGeom prst="parallelogram">
+            <a:avLst>
+              <a:gd name="adj" fmla="val 0"/>
+            </a:avLst>
+          </a:prstGeom>
+          <a:noFill/>
+          <a:ln w="12700">
+            <a:solidFill>
+              <a:srgbClr val="3B87D5"/>
+            </a:solidFill>
+            <a:bevel/>
+          </a:ln>
+          <a:extLst>
+            <a:ext uri="{909E8E84-426E-40DD-AFC4-6F175D3DCCD1}">
+              <a14:hiddenFill xmlns:a14="http://schemas.microsoft.com/office/drawing/2010/main">
+                <a:solidFill>
+                  <a:srgbClr val="FFFFFF"/>
+                </a:solidFill>
+              </a14:hiddenFill>
+            </a:ext>
+          </a:extLst>
+        </p:spPr>
+        <p:txBody>
+          <a:bodyPr anchor="ctr"/>
+          <a:lstStyle/>
+          <a:p>
+            <a:pPr algn="ctr"/>
+            <a:endParaRPr lang="zh-CN" altLang="zh-CN">
+              <a:solidFill>
+                <a:srgbClr val="FFFFFF"/>
+              </a:solidFill>
+              <a:latin typeface="宋体" panose="02010600030101010101" pitchFamily="2" charset="-122"/>
+              <a:sym typeface="宋体" panose="02010600030101010101" pitchFamily="2" charset="-122"/>
+            </a:endParaRPr>
+          </a:p>
+        </p:txBody>
+      </p:sp>
+      <p:grpSp>
+        <p:nvGrpSpPr>
+          <p:cNvPr id="5129" name="Group 15"/>
+          <p:cNvGrpSpPr/>
+          <p:nvPr/>
+        </p:nvGrpSpPr>
+        <p:grpSpPr bwMode="auto">
+          <a:xfrm>
+            <a:off x="11610975" y="184150"/>
+            <a:ext cx="581025" cy="596900"/>
+            <a:chOff x="0" y="0"/>
+            <a:chExt cx="1027113" cy="1057275"/>
+          </a:xfrm>
+        </p:grpSpPr>
+        <p:sp>
+          <p:nvSpPr>
+            <p:cNvPr id="5131" name="Freeform 40"/>
+            <p:cNvSpPr>
+              <a:spLocks noChangeArrowheads="1"/>
+            </p:cNvSpPr>
+            <p:nvPr/>
+          </p:nvSpPr>
+          <p:spPr bwMode="auto">
+            <a:xfrm flipH="1">
+              <a:off x="76200" y="90487"/>
+              <a:ext cx="950913" cy="966788"/>
+            </a:xfrm>
+            <a:custGeom>
+              <a:avLst/>
+              <a:gdLst>
+                <a:gd name="T0" fmla="*/ 2147483647 w 367"/>
+                <a:gd name="T1" fmla="*/ 0 h 373"/>
+                <a:gd name="T2" fmla="*/ 0 w 367"/>
+                <a:gd name="T3" fmla="*/ 2147483647 h 373"/>
+                <a:gd name="T4" fmla="*/ 0 w 367"/>
+                <a:gd name="T5" fmla="*/ 2147483647 h 373"/>
+                <a:gd name="T6" fmla="*/ 2147483647 w 367"/>
+                <a:gd name="T7" fmla="*/ 2147483647 h 373"/>
+                <a:gd name="T8" fmla="*/ 2147483647 w 367"/>
+                <a:gd name="T9" fmla="*/ 2147483647 h 373"/>
+                <a:gd name="T10" fmla="*/ 2147483647 w 367"/>
+                <a:gd name="T11" fmla="*/ 2147483647 h 373"/>
+                <a:gd name="T12" fmla="*/ 2147483647 w 367"/>
+                <a:gd name="T13" fmla="*/ 2147483647 h 373"/>
+                <a:gd name="T14" fmla="*/ 2147483647 w 367"/>
+                <a:gd name="T15" fmla="*/ 0 h 373"/>
+                <a:gd name="T16" fmla="*/ 0 60000 65536"/>
+                <a:gd name="T17" fmla="*/ 0 60000 65536"/>
+                <a:gd name="T18" fmla="*/ 0 60000 65536"/>
+                <a:gd name="T19" fmla="*/ 0 60000 65536"/>
+                <a:gd name="T20" fmla="*/ 0 60000 65536"/>
+                <a:gd name="T21" fmla="*/ 0 60000 65536"/>
+                <a:gd name="T22" fmla="*/ 0 60000 65536"/>
+                <a:gd name="T23" fmla="*/ 0 60000 65536"/>
+                <a:gd name="T24" fmla="*/ 0 w 367"/>
+                <a:gd name="T25" fmla="*/ 0 h 373"/>
+                <a:gd name="T26" fmla="*/ 367 w 367"/>
+                <a:gd name="T27" fmla="*/ 373 h 373"/>
+              </a:gdLst>
+              <a:ahLst/>
+              <a:cxnLst>
+                <a:cxn ang="T16">
+                  <a:pos x="T0" y="T1"/>
+                </a:cxn>
+                <a:cxn ang="T17">
+                  <a:pos x="T2" y="T3"/>
+                </a:cxn>
+                <a:cxn ang="T18">
+                  <a:pos x="T4" y="T5"/>
+                </a:cxn>
+                <a:cxn ang="T19">
+                  <a:pos x="T6" y="T7"/>
+                </a:cxn>
+                <a:cxn ang="T20">
+                  <a:pos x="T8" y="T9"/>
+                </a:cxn>
+                <a:cxn ang="T21">
+                  <a:pos x="T10" y="T11"/>
+                </a:cxn>
+                <a:cxn ang="T22">
+                  <a:pos x="T12" y="T13"/>
+                </a:cxn>
+                <a:cxn ang="T23">
+                  <a:pos x="T14" y="T15"/>
+                </a:cxn>
+              </a:cxnLst>
+              <a:rect l="T24" t="T25" r="T26" b="T27"/>
+              <a:pathLst>
+                <a:path w="367" h="373">
+                  <a:moveTo>
+                    <a:pt x="181" y="0"/>
+                  </a:moveTo>
+                  <a:cubicBezTo>
+                    <a:pt x="0" y="180"/>
+                    <a:pt x="0" y="180"/>
+                    <a:pt x="0" y="180"/>
+                  </a:cubicBezTo>
+                  <a:cubicBezTo>
+                    <a:pt x="0" y="333"/>
+                    <a:pt x="0" y="333"/>
+                    <a:pt x="0" y="333"/>
+                  </a:cubicBezTo>
+                  <a:cubicBezTo>
+                    <a:pt x="0" y="355"/>
+                    <a:pt x="18" y="373"/>
+                    <a:pt x="40" y="373"/>
+                  </a:cubicBezTo>
+                  <a:cubicBezTo>
+                    <a:pt x="168" y="373"/>
+                    <a:pt x="168" y="373"/>
+                    <a:pt x="168" y="373"/>
+                  </a:cubicBezTo>
+                  <a:cubicBezTo>
+                    <a:pt x="367" y="174"/>
+                    <a:pt x="367" y="174"/>
+                    <a:pt x="367" y="174"/>
+                  </a:cubicBezTo>
+                  <a:cubicBezTo>
+                    <a:pt x="350" y="16"/>
+                    <a:pt x="350" y="16"/>
+                    <a:pt x="350" y="16"/>
+                  </a:cubicBezTo>
+                  <a:cubicBezTo>
+                    <a:pt x="181" y="0"/>
+                    <a:pt x="181" y="0"/>
+                    <a:pt x="181" y="0"/>
+                  </a:cubicBezTo>
+                </a:path>
+              </a:pathLst>
+            </a:custGeom>
+            <a:solidFill>
+              <a:srgbClr val="3B87D5"/>
+            </a:solidFill>
+            <a:ln>
+              <a:noFill/>
+            </a:ln>
+            <a:extLst>
+              <a:ext uri="{91240B29-F687-4F45-9708-019B960494DF}">
+                <a14:hiddenLine xmlns:a14="http://schemas.microsoft.com/office/drawing/2010/main" w="9525">
+                  <a:solidFill>
+                    <a:srgbClr val="000000"/>
+                  </a:solidFill>
+                  <a:bevel/>
+                </a14:hiddenLine>
+              </a:ext>
+            </a:extLst>
+          </p:spPr>
+          <p:txBody>
+            <a:bodyPr/>
+            <a:lstStyle/>
+            <a:p>
+              <a:endParaRPr lang="zh-CN" altLang="en-US"/>
+            </a:p>
+          </p:txBody>
+        </p:sp>
+        <p:sp>
+          <p:nvSpPr>
+            <p:cNvPr id="5132" name="Freeform 41"/>
+            <p:cNvSpPr>
+              <a:spLocks noEditPoints="1" noChangeArrowheads="1"/>
+            </p:cNvSpPr>
+            <p:nvPr/>
+          </p:nvSpPr>
+          <p:spPr bwMode="auto">
+            <a:xfrm>
+              <a:off x="0" y="0"/>
+              <a:ext cx="663575" cy="663575"/>
+            </a:xfrm>
+            <a:custGeom>
+              <a:avLst/>
+              <a:gdLst>
+                <a:gd name="T0" fmla="*/ 2147483647 w 256"/>
+                <a:gd name="T1" fmla="*/ 0 h 256"/>
+                <a:gd name="T2" fmla="*/ 0 w 256"/>
+                <a:gd name="T3" fmla="*/ 2147483647 h 256"/>
+                <a:gd name="T4" fmla="*/ 2147483647 w 256"/>
+                <a:gd name="T5" fmla="*/ 2147483647 h 256"/>
+                <a:gd name="T6" fmla="*/ 2147483647 w 256"/>
+                <a:gd name="T7" fmla="*/ 2147483647 h 256"/>
+                <a:gd name="T8" fmla="*/ 2147483647 w 256"/>
+                <a:gd name="T9" fmla="*/ 0 h 256"/>
+                <a:gd name="T10" fmla="*/ 2147483647 w 256"/>
+                <a:gd name="T11" fmla="*/ 2147483647 h 256"/>
+                <a:gd name="T12" fmla="*/ 2147483647 w 256"/>
+                <a:gd name="T13" fmla="*/ 2147483647 h 256"/>
+                <a:gd name="T14" fmla="*/ 2147483647 w 256"/>
+                <a:gd name="T15" fmla="*/ 2147483647 h 256"/>
+                <a:gd name="T16" fmla="*/ 2147483647 w 256"/>
+                <a:gd name="T17" fmla="*/ 2147483647 h 256"/>
+                <a:gd name="T18" fmla="*/ 2147483647 w 256"/>
+                <a:gd name="T19" fmla="*/ 2147483647 h 256"/>
+                <a:gd name="T20" fmla="*/ 2147483647 w 256"/>
+                <a:gd name="T21" fmla="*/ 2147483647 h 256"/>
+                <a:gd name="T22" fmla="*/ 2147483647 w 256"/>
+                <a:gd name="T23" fmla="*/ 2147483647 h 256"/>
+                <a:gd name="T24" fmla="*/ 2147483647 w 256"/>
+                <a:gd name="T25" fmla="*/ 2147483647 h 256"/>
+                <a:gd name="T26" fmla="*/ 2147483647 w 256"/>
+                <a:gd name="T27" fmla="*/ 2147483647 h 256"/>
+                <a:gd name="T28" fmla="*/ 2147483647 w 256"/>
+                <a:gd name="T29" fmla="*/ 2147483647 h 256"/>
+                <a:gd name="T30" fmla="*/ 2147483647 w 256"/>
+                <a:gd name="T31" fmla="*/ 2147483647 h 256"/>
+                <a:gd name="T32" fmla="*/ 2147483647 w 256"/>
+                <a:gd name="T33" fmla="*/ 2147483647 h 256"/>
+                <a:gd name="T34" fmla="*/ 2147483647 w 256"/>
+                <a:gd name="T35" fmla="*/ 2147483647 h 256"/>
+                <a:gd name="T36" fmla="*/ 2147483647 w 256"/>
+                <a:gd name="T37" fmla="*/ 2147483647 h 256"/>
+                <a:gd name="T38" fmla="*/ 2147483647 w 256"/>
+                <a:gd name="T39" fmla="*/ 2147483647 h 256"/>
+                <a:gd name="T40" fmla="*/ 2147483647 w 256"/>
+                <a:gd name="T41" fmla="*/ 2147483647 h 256"/>
+                <a:gd name="T42" fmla="*/ 2147483647 w 256"/>
+                <a:gd name="T43" fmla="*/ 2147483647 h 256"/>
+                <a:gd name="T44" fmla="*/ 2147483647 w 256"/>
+                <a:gd name="T45" fmla="*/ 2147483647 h 256"/>
+                <a:gd name="T46" fmla="*/ 2147483647 w 256"/>
+                <a:gd name="T47" fmla="*/ 2147483647 h 256"/>
+                <a:gd name="T48" fmla="*/ 2147483647 w 256"/>
+                <a:gd name="T49" fmla="*/ 2147483647 h 256"/>
+                <a:gd name="T50" fmla="*/ 2147483647 w 256"/>
+                <a:gd name="T51" fmla="*/ 2147483647 h 256"/>
+                <a:gd name="T52" fmla="*/ 2147483647 w 256"/>
+                <a:gd name="T53" fmla="*/ 2147483647 h 256"/>
+                <a:gd name="T54" fmla="*/ 2147483647 w 256"/>
+                <a:gd name="T55" fmla="*/ 2147483647 h 256"/>
+                <a:gd name="T56" fmla="*/ 2147483647 w 256"/>
+                <a:gd name="T57" fmla="*/ 2147483647 h 256"/>
+                <a:gd name="T58" fmla="*/ 2147483647 w 256"/>
+                <a:gd name="T59" fmla="*/ 2147483647 h 256"/>
+                <a:gd name="T60" fmla="*/ 2147483647 w 256"/>
+                <a:gd name="T61" fmla="*/ 2147483647 h 256"/>
+                <a:gd name="T62" fmla="*/ 2147483647 w 256"/>
+                <a:gd name="T63" fmla="*/ 2147483647 h 256"/>
+                <a:gd name="T64" fmla="*/ 2147483647 w 256"/>
+                <a:gd name="T65" fmla="*/ 2147483647 h 256"/>
+                <a:gd name="T66" fmla="*/ 2147483647 w 256"/>
+                <a:gd name="T67" fmla="*/ 2147483647 h 256"/>
+                <a:gd name="T68" fmla="*/ 2147483647 w 256"/>
+                <a:gd name="T69" fmla="*/ 2147483647 h 256"/>
+                <a:gd name="T70" fmla="*/ 2147483647 w 256"/>
+                <a:gd name="T71" fmla="*/ 2147483647 h 256"/>
+                <a:gd name="T72" fmla="*/ 2147483647 w 256"/>
+                <a:gd name="T73" fmla="*/ 2147483647 h 256"/>
+                <a:gd name="T74" fmla="*/ 2147483647 w 256"/>
+                <a:gd name="T75" fmla="*/ 2147483647 h 256"/>
+                <a:gd name="T76" fmla="*/ 2147483647 w 256"/>
+                <a:gd name="T77" fmla="*/ 2147483647 h 256"/>
+                <a:gd name="T78" fmla="*/ 2147483647 w 256"/>
+                <a:gd name="T79" fmla="*/ 2147483647 h 256"/>
+                <a:gd name="T80" fmla="*/ 2147483647 w 256"/>
+                <a:gd name="T81" fmla="*/ 2147483647 h 256"/>
+                <a:gd name="T82" fmla="*/ 2147483647 w 256"/>
+                <a:gd name="T83" fmla="*/ 2147483647 h 256"/>
+                <a:gd name="T84" fmla="*/ 0 60000 65536"/>
+                <a:gd name="T85" fmla="*/ 0 60000 65536"/>
+                <a:gd name="T86" fmla="*/ 0 60000 65536"/>
+                <a:gd name="T87" fmla="*/ 0 60000 65536"/>
+                <a:gd name="T88" fmla="*/ 0 60000 65536"/>
+                <a:gd name="T89" fmla="*/ 0 60000 65536"/>
+                <a:gd name="T90" fmla="*/ 0 60000 65536"/>
+                <a:gd name="T91" fmla="*/ 0 60000 65536"/>
+                <a:gd name="T92" fmla="*/ 0 60000 65536"/>
+                <a:gd name="T93" fmla="*/ 0 60000 65536"/>
+                <a:gd name="T94" fmla="*/ 0 60000 65536"/>
+                <a:gd name="T95" fmla="*/ 0 60000 65536"/>
+                <a:gd name="T96" fmla="*/ 0 60000 65536"/>
+                <a:gd name="T97" fmla="*/ 0 60000 65536"/>
+                <a:gd name="T98" fmla="*/ 0 60000 65536"/>
+                <a:gd name="T99" fmla="*/ 0 60000 65536"/>
+                <a:gd name="T100" fmla="*/ 0 60000 65536"/>
+                <a:gd name="T101" fmla="*/ 0 60000 65536"/>
+                <a:gd name="T102" fmla="*/ 0 60000 65536"/>
+                <a:gd name="T103" fmla="*/ 0 60000 65536"/>
+                <a:gd name="T104" fmla="*/ 0 60000 65536"/>
+                <a:gd name="T105" fmla="*/ 0 60000 65536"/>
+                <a:gd name="T106" fmla="*/ 0 60000 65536"/>
+                <a:gd name="T107" fmla="*/ 0 60000 65536"/>
+                <a:gd name="T108" fmla="*/ 0 60000 65536"/>
+                <a:gd name="T109" fmla="*/ 0 60000 65536"/>
+                <a:gd name="T110" fmla="*/ 0 60000 65536"/>
+                <a:gd name="T111" fmla="*/ 0 60000 65536"/>
+                <a:gd name="T112" fmla="*/ 0 60000 65536"/>
+                <a:gd name="T113" fmla="*/ 0 60000 65536"/>
+                <a:gd name="T114" fmla="*/ 0 60000 65536"/>
+                <a:gd name="T115" fmla="*/ 0 60000 65536"/>
+                <a:gd name="T116" fmla="*/ 0 60000 65536"/>
+                <a:gd name="T117" fmla="*/ 0 60000 65536"/>
+                <a:gd name="T118" fmla="*/ 0 60000 65536"/>
+                <a:gd name="T119" fmla="*/ 0 60000 65536"/>
+                <a:gd name="T120" fmla="*/ 0 60000 65536"/>
+                <a:gd name="T121" fmla="*/ 0 60000 65536"/>
+                <a:gd name="T122" fmla="*/ 0 60000 65536"/>
+                <a:gd name="T123" fmla="*/ 0 60000 65536"/>
+                <a:gd name="T124" fmla="*/ 0 60000 65536"/>
+                <a:gd name="T125" fmla="*/ 0 60000 65536"/>
+                <a:gd name="T126" fmla="*/ 0 w 256"/>
+                <a:gd name="T127" fmla="*/ 0 h 256"/>
+                <a:gd name="T128" fmla="*/ 256 w 256"/>
+                <a:gd name="T129" fmla="*/ 256 h 256"/>
+              </a:gdLst>
+              <a:ahLst/>
+              <a:cxnLst>
+                <a:cxn ang="T84">
+                  <a:pos x="T0" y="T1"/>
+                </a:cxn>
+                <a:cxn ang="T85">
+                  <a:pos x="T2" y="T3"/>
+                </a:cxn>
+                <a:cxn ang="T86">
+                  <a:pos x="T4" y="T5"/>
+                </a:cxn>
+                <a:cxn ang="T87">
+                  <a:pos x="T6" y="T7"/>
+                </a:cxn>
+                <a:cxn ang="T88">
+                  <a:pos x="T8" y="T9"/>
+                </a:cxn>
+                <a:cxn ang="T89">
+                  <a:pos x="T10" y="T11"/>
+                </a:cxn>
+                <a:cxn ang="T90">
+                  <a:pos x="T12" y="T13"/>
+                </a:cxn>
+                <a:cxn ang="T91">
+                  <a:pos x="T14" y="T15"/>
+                </a:cxn>
+                <a:cxn ang="T92">
+                  <a:pos x="T16" y="T17"/>
+                </a:cxn>
+                <a:cxn ang="T93">
+                  <a:pos x="T18" y="T19"/>
+                </a:cxn>
+                <a:cxn ang="T94">
+                  <a:pos x="T20" y="T21"/>
+                </a:cxn>
+                <a:cxn ang="T95">
+                  <a:pos x="T22" y="T23"/>
+                </a:cxn>
+                <a:cxn ang="T96">
+                  <a:pos x="T24" y="T25"/>
+                </a:cxn>
+                <a:cxn ang="T97">
+                  <a:pos x="T26" y="T27"/>
+                </a:cxn>
+                <a:cxn ang="T98">
+                  <a:pos x="T28" y="T29"/>
+                </a:cxn>
+                <a:cxn ang="T99">
+                  <a:pos x="T30" y="T31"/>
+                </a:cxn>
+                <a:cxn ang="T100">
+                  <a:pos x="T32" y="T33"/>
+                </a:cxn>
+                <a:cxn ang="T101">
+                  <a:pos x="T34" y="T35"/>
+                </a:cxn>
+                <a:cxn ang="T102">
+                  <a:pos x="T36" y="T37"/>
+                </a:cxn>
+                <a:cxn ang="T103">
+                  <a:pos x="T38" y="T39"/>
+                </a:cxn>
+                <a:cxn ang="T104">
+                  <a:pos x="T40" y="T41"/>
+                </a:cxn>
+                <a:cxn ang="T105">
+                  <a:pos x="T42" y="T43"/>
+                </a:cxn>
+                <a:cxn ang="T106">
+                  <a:pos x="T44" y="T45"/>
+                </a:cxn>
+                <a:cxn ang="T107">
+                  <a:pos x="T46" y="T47"/>
+                </a:cxn>
+                <a:cxn ang="T108">
+                  <a:pos x="T48" y="T49"/>
+                </a:cxn>
+                <a:cxn ang="T109">
+                  <a:pos x="T50" y="T51"/>
+                </a:cxn>
+                <a:cxn ang="T110">
+                  <a:pos x="T52" y="T53"/>
+                </a:cxn>
+                <a:cxn ang="T111">
+                  <a:pos x="T54" y="T55"/>
+                </a:cxn>
+                <a:cxn ang="T112">
+                  <a:pos x="T56" y="T57"/>
+                </a:cxn>
+                <a:cxn ang="T113">
+                  <a:pos x="T58" y="T59"/>
+                </a:cxn>
+                <a:cxn ang="T114">
+                  <a:pos x="T60" y="T61"/>
+                </a:cxn>
+                <a:cxn ang="T115">
+                  <a:pos x="T62" y="T63"/>
+                </a:cxn>
+                <a:cxn ang="T116">
+                  <a:pos x="T64" y="T65"/>
+                </a:cxn>
+                <a:cxn ang="T117">
+                  <a:pos x="T66" y="T67"/>
+                </a:cxn>
+                <a:cxn ang="T118">
+                  <a:pos x="T68" y="T69"/>
+                </a:cxn>
+                <a:cxn ang="T119">
+                  <a:pos x="T70" y="T71"/>
+                </a:cxn>
+                <a:cxn ang="T120">
+                  <a:pos x="T72" y="T73"/>
+                </a:cxn>
+                <a:cxn ang="T121">
+                  <a:pos x="T74" y="T75"/>
+                </a:cxn>
+                <a:cxn ang="T122">
+                  <a:pos x="T76" y="T77"/>
+                </a:cxn>
+                <a:cxn ang="T123">
+                  <a:pos x="T78" y="T79"/>
+                </a:cxn>
+                <a:cxn ang="T124">
+                  <a:pos x="T80" y="T81"/>
+                </a:cxn>
+                <a:cxn ang="T125">
+                  <a:pos x="T82" y="T83"/>
+                </a:cxn>
+              </a:cxnLst>
+              <a:rect l="T126" t="T127" r="T128" b="T129"/>
+              <a:pathLst>
+                <a:path w="256" h="256">
+                  <a:moveTo>
+                    <a:pt x="128" y="0"/>
+                  </a:moveTo>
+                  <a:cubicBezTo>
+                    <a:pt x="57" y="0"/>
+                    <a:pt x="0" y="57"/>
+                    <a:pt x="0" y="128"/>
+                  </a:cubicBezTo>
+                  <a:cubicBezTo>
+                    <a:pt x="0" y="199"/>
+                    <a:pt x="57" y="256"/>
+                    <a:pt x="128" y="256"/>
+                  </a:cubicBezTo>
+                  <a:cubicBezTo>
+                    <a:pt x="199" y="256"/>
+                    <a:pt x="256" y="199"/>
+                    <a:pt x="256" y="128"/>
+                  </a:cubicBezTo>
+                  <a:cubicBezTo>
+                    <a:pt x="256" y="57"/>
+                    <a:pt x="199" y="0"/>
+                    <a:pt x="128" y="0"/>
+                  </a:cubicBezTo>
+                  <a:close/>
+                  <a:moveTo>
+                    <a:pt x="135" y="200"/>
+                  </a:moveTo>
+                  <a:cubicBezTo>
+                    <a:pt x="119" y="200"/>
+                    <a:pt x="119" y="200"/>
+                    <a:pt x="119" y="200"/>
+                  </a:cubicBezTo>
+                  <a:cubicBezTo>
+                    <a:pt x="115" y="200"/>
+                    <a:pt x="112" y="196"/>
+                    <a:pt x="112" y="192"/>
+                  </a:cubicBezTo>
+                  <a:cubicBezTo>
+                    <a:pt x="111" y="176"/>
+                    <a:pt x="111" y="176"/>
+                    <a:pt x="111" y="176"/>
+                  </a:cubicBezTo>
+                  <a:cubicBezTo>
+                    <a:pt x="111" y="171"/>
+                    <a:pt x="115" y="168"/>
+                    <a:pt x="119" y="168"/>
+                  </a:cubicBezTo>
+                  <a:cubicBezTo>
+                    <a:pt x="135" y="168"/>
+                    <a:pt x="135" y="168"/>
+                    <a:pt x="135" y="168"/>
+                  </a:cubicBezTo>
+                  <a:cubicBezTo>
+                    <a:pt x="140" y="168"/>
+                    <a:pt x="143" y="172"/>
+                    <a:pt x="143" y="176"/>
+                  </a:cubicBezTo>
+                  <a:cubicBezTo>
+                    <a:pt x="144" y="192"/>
+                    <a:pt x="144" y="192"/>
+                    <a:pt x="144" y="192"/>
+                  </a:cubicBezTo>
+                  <a:cubicBezTo>
+                    <a:pt x="144" y="196"/>
+                    <a:pt x="140" y="200"/>
+                    <a:pt x="135" y="200"/>
+                  </a:cubicBezTo>
+                  <a:close/>
+                  <a:moveTo>
+                    <a:pt x="170" y="109"/>
+                  </a:moveTo>
+                  <a:cubicBezTo>
+                    <a:pt x="167" y="114"/>
+                    <a:pt x="162" y="119"/>
+                    <a:pt x="154" y="125"/>
+                  </a:cubicBezTo>
+                  <a:cubicBezTo>
+                    <a:pt x="148" y="130"/>
+                    <a:pt x="146" y="132"/>
+                    <a:pt x="145" y="132"/>
+                  </a:cubicBezTo>
+                  <a:cubicBezTo>
+                    <a:pt x="145" y="133"/>
+                    <a:pt x="144" y="134"/>
+                    <a:pt x="144" y="135"/>
+                  </a:cubicBezTo>
+                  <a:cubicBezTo>
+                    <a:pt x="143" y="136"/>
+                    <a:pt x="143" y="138"/>
+                    <a:pt x="143" y="144"/>
+                  </a:cubicBezTo>
+                  <a:cubicBezTo>
+                    <a:pt x="143" y="149"/>
+                    <a:pt x="139" y="152"/>
+                    <a:pt x="135" y="152"/>
+                  </a:cubicBezTo>
+                  <a:cubicBezTo>
+                    <a:pt x="120" y="152"/>
+                    <a:pt x="120" y="152"/>
+                    <a:pt x="120" y="152"/>
+                  </a:cubicBezTo>
+                  <a:cubicBezTo>
+                    <a:pt x="116" y="152"/>
+                    <a:pt x="112" y="149"/>
+                    <a:pt x="112" y="144"/>
+                  </a:cubicBezTo>
+                  <a:cubicBezTo>
+                    <a:pt x="112" y="140"/>
+                    <a:pt x="112" y="140"/>
+                    <a:pt x="112" y="140"/>
+                  </a:cubicBezTo>
+                  <a:cubicBezTo>
+                    <a:pt x="112" y="134"/>
+                    <a:pt x="113" y="129"/>
+                    <a:pt x="115" y="124"/>
+                  </a:cubicBezTo>
+                  <a:cubicBezTo>
+                    <a:pt x="117" y="120"/>
+                    <a:pt x="119" y="117"/>
+                    <a:pt x="123" y="113"/>
+                  </a:cubicBezTo>
+                  <a:cubicBezTo>
+                    <a:pt x="125" y="111"/>
+                    <a:pt x="129" y="108"/>
+                    <a:pt x="134" y="104"/>
+                  </a:cubicBezTo>
+                  <a:cubicBezTo>
+                    <a:pt x="141" y="99"/>
+                    <a:pt x="142" y="97"/>
+                    <a:pt x="143" y="96"/>
+                  </a:cubicBezTo>
+                  <a:cubicBezTo>
+                    <a:pt x="144" y="95"/>
+                    <a:pt x="144" y="94"/>
+                    <a:pt x="144" y="93"/>
+                  </a:cubicBezTo>
+                  <a:cubicBezTo>
+                    <a:pt x="144" y="92"/>
+                    <a:pt x="143" y="89"/>
+                    <a:pt x="140" y="86"/>
+                  </a:cubicBezTo>
+                  <a:cubicBezTo>
+                    <a:pt x="137" y="84"/>
+                    <a:pt x="132" y="83"/>
+                    <a:pt x="128" y="83"/>
+                  </a:cubicBezTo>
+                  <a:cubicBezTo>
+                    <a:pt x="124" y="83"/>
+                    <a:pt x="120" y="84"/>
+                    <a:pt x="117" y="86"/>
+                  </a:cubicBezTo>
+                  <a:cubicBezTo>
+                    <a:pt x="114" y="88"/>
+                    <a:pt x="112" y="92"/>
+                    <a:pt x="111" y="97"/>
+                  </a:cubicBezTo>
+                  <a:cubicBezTo>
+                    <a:pt x="111" y="101"/>
+                    <a:pt x="107" y="104"/>
+                    <a:pt x="103" y="104"/>
+                  </a:cubicBezTo>
+                  <a:cubicBezTo>
+                    <a:pt x="103" y="104"/>
+                    <a:pt x="103" y="104"/>
+                    <a:pt x="103" y="104"/>
+                  </a:cubicBezTo>
+                  <a:cubicBezTo>
+                    <a:pt x="87" y="102"/>
+                    <a:pt x="87" y="102"/>
+                    <a:pt x="87" y="102"/>
+                  </a:cubicBezTo>
+                  <a:cubicBezTo>
+                    <a:pt x="85" y="102"/>
+                    <a:pt x="83" y="101"/>
+                    <a:pt x="81" y="99"/>
+                  </a:cubicBezTo>
+                  <a:cubicBezTo>
+                    <a:pt x="80" y="97"/>
+                    <a:pt x="79" y="95"/>
+                    <a:pt x="80" y="93"/>
+                  </a:cubicBezTo>
+                  <a:cubicBezTo>
+                    <a:pt x="82" y="81"/>
+                    <a:pt x="87" y="72"/>
+                    <a:pt x="95" y="66"/>
+                  </a:cubicBezTo>
+                  <a:cubicBezTo>
+                    <a:pt x="104" y="59"/>
+                    <a:pt x="115" y="56"/>
+                    <a:pt x="128" y="56"/>
+                  </a:cubicBezTo>
+                  <a:cubicBezTo>
+                    <a:pt x="142" y="56"/>
+                    <a:pt x="153" y="60"/>
+                    <a:pt x="162" y="66"/>
+                  </a:cubicBezTo>
+                  <a:cubicBezTo>
+                    <a:pt x="171" y="73"/>
+                    <a:pt x="176" y="82"/>
+                    <a:pt x="176" y="92"/>
+                  </a:cubicBezTo>
+                  <a:cubicBezTo>
+                    <a:pt x="176" y="99"/>
+                    <a:pt x="174" y="104"/>
+                    <a:pt x="170" y="109"/>
+                  </a:cubicBezTo>
+                  <a:close/>
+                </a:path>
+              </a:pathLst>
+            </a:custGeom>
+            <a:solidFill>
+              <a:srgbClr val="FFFFFF"/>
+            </a:solidFill>
+            <a:ln>
+              <a:noFill/>
+            </a:ln>
+            <a:extLst>
+              <a:ext uri="{91240B29-F687-4F45-9708-019B960494DF}">
+                <a14:hiddenLine xmlns:a14="http://schemas.microsoft.com/office/drawing/2010/main" w="9525">
+                  <a:solidFill>
+                    <a:srgbClr val="000000"/>
+                  </a:solidFill>
+                  <a:bevel/>
+                </a14:hiddenLine>
+              </a:ext>
+            </a:extLst>
+          </p:spPr>
+          <p:txBody>
+            <a:bodyPr/>
+            <a:lstStyle/>
+            <a:p>
+              <a:endParaRPr lang="zh-CN" altLang="en-US"/>
+            </a:p>
+          </p:txBody>
+        </p:sp>
+      </p:grpSp>
+      <p:sp>
+        <p:nvSpPr>
+          <p:cNvPr id="5130" name="直接连接符 26"/>
+          <p:cNvSpPr>
+            <a:spLocks noChangeShapeType="1"/>
+          </p:cNvSpPr>
+          <p:nvPr/>
+        </p:nvSpPr>
+        <p:spPr bwMode="auto">
+          <a:xfrm flipH="1" flipV="1">
+            <a:off x="11350625" y="107950"/>
+            <a:ext cx="0" cy="633413"/>
+          </a:xfrm>
+          <a:prstGeom prst="line">
+            <a:avLst/>
+          </a:prstGeom>
+          <a:noFill/>
+          <a:ln w="28575">
+            <a:solidFill>
+              <a:schemeClr val="bg1"/>
+            </a:solidFill>
+            <a:bevel/>
+          </a:ln>
+          <a:extLst>
+            <a:ext uri="{909E8E84-426E-40DD-AFC4-6F175D3DCCD1}">
+              <a14:hiddenFill xmlns:a14="http://schemas.microsoft.com/office/drawing/2010/main">
+                <a:noFill/>
+              </a14:hiddenFill>
+            </a:ext>
+          </a:extLst>
+        </p:spPr>
+        <p:txBody>
+          <a:bodyPr/>
+          <a:lstStyle/>
+          <a:p>
+            <a:endParaRPr lang="zh-CN" altLang="en-US"/>
+          </a:p>
+        </p:txBody>
+      </p:sp>
+      <p:sp>
+        <p:nvSpPr>
+          <p:cNvPr id="3" name="文本框 2"/>
+          <p:cNvSpPr txBox="1"/>
+          <p:nvPr/>
+        </p:nvSpPr>
+        <p:spPr>
+          <a:xfrm>
+            <a:off x="926123" y="905284"/>
+            <a:ext cx="2121877" cy="369332"/>
+          </a:xfrm>
+          <a:prstGeom prst="rect">
+            <a:avLst/>
+          </a:prstGeom>
+          <a:noFill/>
+        </p:spPr>
+        <p:txBody>
+          <a:bodyPr wrap="square" rtlCol="0">
+            <a:spAutoFit/>
+          </a:bodyPr>
+          <a:lstStyle/>
+          <a:p>
+            <a:r>
+              <a:rPr lang="en-US" altLang="zh-CN" b="1" smtClean="0"/>
+              <a:t>Rewards</a:t>
+            </a:r>
+            <a:endParaRPr lang="en-US" altLang="zh-CN" b="1"/>
+          </a:p>
+        </p:txBody>
+      </p:sp>
+      <p:pic>
+        <p:nvPicPr>
+          <p:cNvPr id="2" name="图片 1"/>
+          <p:cNvPicPr>
+            <a:picLocks noChangeAspect="1"/>
+          </p:cNvPicPr>
+          <p:nvPr/>
+        </p:nvPicPr>
+        <p:blipFill>
+          <a:blip r:embed="rId4"/>
+          <a:stretch>
+            <a:fillRect/>
+          </a:stretch>
+        </p:blipFill>
+        <p:spPr>
+          <a:xfrm>
+            <a:off x="3572189" y="1418977"/>
+            <a:ext cx="5047619" cy="952381"/>
+          </a:xfrm>
+          <a:prstGeom prst="rect">
+            <a:avLst/>
+          </a:prstGeom>
+        </p:spPr>
+      </p:pic>
+      <p:pic>
+        <p:nvPicPr>
+          <p:cNvPr id="10" name="图片 9"/>
+          <p:cNvPicPr>
+            <a:picLocks noChangeAspect="1"/>
+          </p:cNvPicPr>
+          <p:nvPr/>
+        </p:nvPicPr>
+        <p:blipFill>
+          <a:blip r:embed="rId5"/>
+          <a:stretch>
+            <a:fillRect/>
+          </a:stretch>
+        </p:blipFill>
+        <p:spPr>
+          <a:xfrm>
+            <a:off x="1453447" y="2666551"/>
+            <a:ext cx="9789474" cy="1963800"/>
+          </a:xfrm>
+          <a:prstGeom prst="rect">
+            <a:avLst/>
+          </a:prstGeom>
+        </p:spPr>
+      </p:pic>
+      <p:pic>
+        <p:nvPicPr>
+          <p:cNvPr id="4" name="图片 3"/>
+          <p:cNvPicPr>
+            <a:picLocks noChangeAspect="1"/>
+          </p:cNvPicPr>
+          <p:nvPr/>
+        </p:nvPicPr>
+        <p:blipFill>
+          <a:blip r:embed="rId6"/>
+          <a:stretch>
+            <a:fillRect/>
+          </a:stretch>
+        </p:blipFill>
+        <p:spPr>
+          <a:xfrm>
+            <a:off x="3191236" y="4925545"/>
+            <a:ext cx="5809524" cy="952381"/>
+          </a:xfrm>
+          <a:prstGeom prst="rect">
+            <a:avLst/>
+          </a:prstGeom>
+        </p:spPr>
+      </p:pic>
+      <p:sp>
+        <p:nvSpPr>
+          <p:cNvPr id="12" name="矩形标注 11"/>
+          <p:cNvSpPr/>
+          <p:nvPr/>
+        </p:nvSpPr>
+        <p:spPr bwMode="auto">
+          <a:xfrm>
+            <a:off x="8982247" y="2422338"/>
+            <a:ext cx="1827765" cy="635792"/>
+          </a:xfrm>
+          <a:prstGeom prst="wedgeRectCallout">
+            <a:avLst>
+              <a:gd name="adj1" fmla="val -48144"/>
+              <a:gd name="adj2" fmla="val 89412"/>
+            </a:avLst>
+          </a:prstGeom>
+          <a:ln>
+            <a:headEnd type="none" w="med" len="med"/>
+            <a:tailEnd type="none" w="med" len="med"/>
+          </a:ln>
+        </p:spPr>
+        <p:style>
+          <a:lnRef idx="2">
+            <a:schemeClr val="accent4"/>
+          </a:lnRef>
+          <a:fillRef idx="1">
+            <a:schemeClr val="lt1"/>
+          </a:fillRef>
+          <a:effectRef idx="0">
+            <a:schemeClr val="accent4"/>
+          </a:effectRef>
+          <a:fontRef idx="minor">
+            <a:schemeClr val="dk1"/>
+          </a:fontRef>
+        </p:style>
+        <p:txBody>
+          <a:bodyPr vert="horz" wrap="square" lIns="91440" tIns="45720" rIns="91440" bIns="45720" numCol="1" rtlCol="0" anchor="t" anchorCtr="0" compatLnSpc="1"/>
+          <a:lstStyle/>
+          <a:p>
+            <a:pPr marL="0" marR="0" indent="0" algn="l" defTabSz="914400" rtl="0" eaLnBrk="1" fontAlgn="base" latinLnBrk="0" hangingPunct="1">
+              <a:lnSpc>
+                <a:spcPct val="100000"/>
+              </a:lnSpc>
+              <a:spcBef>
+                <a:spcPct val="0"/>
+              </a:spcBef>
+              <a:spcAft>
+                <a:spcPct val="0"/>
+              </a:spcAft>
+              <a:buClrTx/>
+              <a:buSzTx/>
+              <a:buFont typeface="Arial" panose="020B0604020202020204" pitchFamily="34" charset="0"/>
+              <a:buNone/>
+            </a:pPr>
+            <a:r>
+              <a:rPr kumimoji="0" lang="zh-CN" altLang="en-US" sz="1800" b="0" i="0" u="none" strike="noStrike" cap="none" normalizeH="0" baseline="0" smtClean="0">
+                <a:ln>
+                  <a:noFill/>
+                </a:ln>
+                <a:solidFill>
+                  <a:schemeClr val="tx1"/>
+                </a:solidFill>
+                <a:effectLst/>
+                <a:latin typeface="Arial" panose="020B0604020202020204" pitchFamily="34" charset="0"/>
+                <a:ea typeface="宋体" panose="02010600030101010101" pitchFamily="2" charset="-122"/>
+              </a:rPr>
+              <a:t>当有新的请求时，并卸载到</a:t>
+            </a:r>
+            <a:r>
+              <a:rPr kumimoji="0" lang="en-US" altLang="zh-CN" sz="1800" b="0" i="0" u="none" strike="noStrike" cap="none" normalizeH="0" baseline="0" smtClean="0">
+                <a:ln>
+                  <a:noFill/>
+                </a:ln>
+                <a:solidFill>
+                  <a:schemeClr val="tx1"/>
+                </a:solidFill>
+                <a:effectLst/>
+                <a:latin typeface="Arial" panose="020B0604020202020204" pitchFamily="34" charset="0"/>
+                <a:ea typeface="宋体" panose="02010600030101010101" pitchFamily="2" charset="-122"/>
+              </a:rPr>
+              <a:t>RC</a:t>
+            </a:r>
+            <a:endParaRPr kumimoji="0" lang="zh-CN" altLang="en-US" sz="1800" b="0" i="0" u="none" strike="noStrike" cap="none" normalizeH="0" baseline="0" smtClean="0">
+              <a:ln>
+                <a:noFill/>
+              </a:ln>
+              <a:solidFill>
+                <a:schemeClr val="tx1"/>
+              </a:solidFill>
+              <a:effectLst/>
+              <a:latin typeface="Arial" panose="020B0604020202020204" pitchFamily="34" charset="0"/>
+              <a:ea typeface="宋体" panose="02010600030101010101" pitchFamily="2" charset="-122"/>
+            </a:endParaRPr>
+          </a:p>
+        </p:txBody>
+      </p:sp>
+    </p:spTree>
+    <p:extLst>
+      <p:ext uri="{BB962C8B-B14F-4D97-AF65-F5344CB8AC3E}">
+        <p14:creationId xmlns:p14="http://schemas.microsoft.com/office/powerpoint/2010/main" val="3606969526"/>
+      </p:ext>
+    </p:extLst>
+  </p:cSld>
+  <p:clrMapOvr>
+    <a:masterClrMapping/>
+  </p:clrMapOvr>
+  <p:timing>
+    <p:tnLst>
+      <p:par>
+        <p:cTn id="1" dur="indefinite" restart="never" nodeType="tmRoot"/>
+      </p:par>
+    </p:tnLst>
+  </p:timing>
+</p:sld>
+</file>
+
+<file path=ppt/slides/slide9.xml><?xml version="1.0" encoding="utf-8"?>
+<p:sld xmlns:a="http://schemas.openxmlformats.org/drawingml/2006/main" xmlns:r="http://schemas.openxmlformats.org/officeDocument/2006/relationships" xmlns:p="http://schemas.openxmlformats.org/presentationml/2006/main">
+  <p:cSld>
+    <p:spTree>
+      <p:nvGrpSpPr>
+        <p:cNvPr id="1" name=""/>
+        <p:cNvGrpSpPr/>
+        <p:nvPr/>
+      </p:nvGrpSpPr>
+      <p:grpSpPr>
+        <a:xfrm>
+          <a:off x="0" y="0"/>
+          <a:ext cx="0" cy="0"/>
+          <a:chOff x="0" y="0"/>
+          <a:chExt cx="0" cy="0"/>
+        </a:xfrm>
+      </p:grpSpPr>
+      <p:pic>
+        <p:nvPicPr>
+          <p:cNvPr id="5122" name="图片 1"/>
+          <p:cNvPicPr>
+            <a:picLocks noChangeAspect="1" noChangeArrowheads="1"/>
+          </p:cNvPicPr>
+          <p:nvPr/>
+        </p:nvPicPr>
+        <p:blipFill>
+          <a:blip r:embed="rId3">
+            <a:extLst>
+              <a:ext uri="{28A0092B-C50C-407E-A947-70E740481C1C}">
+                <a14:useLocalDpi xmlns:a14="http://schemas.microsoft.com/office/drawing/2010/main" val="0"/>
+              </a:ext>
+            </a:extLst>
+          </a:blip>
+          <a:srcRect/>
+          <a:stretch>
+            <a:fillRect/>
+          </a:stretch>
+        </p:blipFill>
+        <p:spPr bwMode="auto">
+          <a:xfrm>
+            <a:off x="0" y="0"/>
+            <a:ext cx="12192000" cy="6858000"/>
+          </a:xfrm>
+          <a:prstGeom prst="rect">
+            <a:avLst/>
+          </a:prstGeom>
+          <a:noFill/>
+          <a:ln>
+            <a:noFill/>
+          </a:ln>
+          <a:extLst>
+            <a:ext uri="{909E8E84-426E-40DD-AFC4-6F175D3DCCD1}">
+              <a14:hiddenFill xmlns:a14="http://schemas.microsoft.com/office/drawing/2010/main">
+                <a:solidFill>
+                  <a:srgbClr val="FFFFFF"/>
+                </a:solidFill>
+              </a14:hiddenFill>
+            </a:ext>
+            <a:ext uri="{91240B29-F687-4F45-9708-019B960494DF}">
+              <a14:hiddenLine xmlns:a14="http://schemas.microsoft.com/office/drawing/2010/main" w="9525">
+                <a:solidFill>
+                  <a:srgbClr val="000000"/>
+                </a:solidFill>
+                <a:miter lim="800000"/>
+                <a:headEnd/>
+                <a:tailEnd/>
+              </a14:hiddenLine>
+            </a:ext>
+          </a:extLst>
+        </p:spPr>
+      </p:pic>
+      <p:sp>
+        <p:nvSpPr>
+          <p:cNvPr id="5124" name="平行四边形 14"/>
+          <p:cNvSpPr>
+            <a:spLocks noChangeArrowheads="1"/>
+          </p:cNvSpPr>
+          <p:nvPr/>
+        </p:nvSpPr>
+        <p:spPr bwMode="auto">
+          <a:xfrm>
+            <a:off x="728662" y="905284"/>
+            <a:ext cx="10734675" cy="5732145"/>
+          </a:xfrm>
+          <a:prstGeom prst="parallelogram">
+            <a:avLst>
+              <a:gd name="adj" fmla="val 0"/>
+            </a:avLst>
+          </a:prstGeom>
+          <a:noFill/>
+          <a:ln w="12700">
+            <a:solidFill>
+              <a:srgbClr val="3B87D5"/>
+            </a:solidFill>
+            <a:bevel/>
+          </a:ln>
+          <a:extLst>
+            <a:ext uri="{909E8E84-426E-40DD-AFC4-6F175D3DCCD1}">
+              <a14:hiddenFill xmlns:a14="http://schemas.microsoft.com/office/drawing/2010/main">
+                <a:solidFill>
+                  <a:srgbClr val="FFFFFF"/>
+                </a:solidFill>
+              </a14:hiddenFill>
+            </a:ext>
+          </a:extLst>
+        </p:spPr>
+        <p:txBody>
+          <a:bodyPr anchor="ctr"/>
+          <a:lstStyle/>
+          <a:p>
+            <a:pPr algn="ctr"/>
+            <a:endParaRPr lang="zh-CN" altLang="zh-CN">
+              <a:solidFill>
+                <a:srgbClr val="FFFFFF"/>
+              </a:solidFill>
+              <a:latin typeface="宋体" panose="02010600030101010101" pitchFamily="2" charset="-122"/>
+              <a:sym typeface="宋体" panose="02010600030101010101" pitchFamily="2" charset="-122"/>
+            </a:endParaRPr>
+          </a:p>
+        </p:txBody>
+      </p:sp>
+      <p:grpSp>
+        <p:nvGrpSpPr>
+          <p:cNvPr id="5129" name="Group 15"/>
+          <p:cNvGrpSpPr/>
+          <p:nvPr/>
+        </p:nvGrpSpPr>
+        <p:grpSpPr bwMode="auto">
+          <a:xfrm>
+            <a:off x="11610975" y="184150"/>
+            <a:ext cx="581025" cy="596900"/>
+            <a:chOff x="0" y="0"/>
+            <a:chExt cx="1027113" cy="1057275"/>
+          </a:xfrm>
+        </p:grpSpPr>
+        <p:sp>
+          <p:nvSpPr>
+            <p:cNvPr id="5131" name="Freeform 40"/>
+            <p:cNvSpPr>
+              <a:spLocks noChangeArrowheads="1"/>
+            </p:cNvSpPr>
+            <p:nvPr/>
+          </p:nvSpPr>
+          <p:spPr bwMode="auto">
+            <a:xfrm flipH="1">
+              <a:off x="76200" y="90487"/>
+              <a:ext cx="950913" cy="966788"/>
+            </a:xfrm>
+            <a:custGeom>
+              <a:avLst/>
+              <a:gdLst>
+                <a:gd name="T0" fmla="*/ 2147483647 w 367"/>
+                <a:gd name="T1" fmla="*/ 0 h 373"/>
+                <a:gd name="T2" fmla="*/ 0 w 367"/>
+                <a:gd name="T3" fmla="*/ 2147483647 h 373"/>
+                <a:gd name="T4" fmla="*/ 0 w 367"/>
+                <a:gd name="T5" fmla="*/ 2147483647 h 373"/>
+                <a:gd name="T6" fmla="*/ 2147483647 w 367"/>
+                <a:gd name="T7" fmla="*/ 2147483647 h 373"/>
+                <a:gd name="T8" fmla="*/ 2147483647 w 367"/>
+                <a:gd name="T9" fmla="*/ 2147483647 h 373"/>
+                <a:gd name="T10" fmla="*/ 2147483647 w 367"/>
+                <a:gd name="T11" fmla="*/ 2147483647 h 373"/>
+                <a:gd name="T12" fmla="*/ 2147483647 w 367"/>
+                <a:gd name="T13" fmla="*/ 2147483647 h 373"/>
+                <a:gd name="T14" fmla="*/ 2147483647 w 367"/>
+                <a:gd name="T15" fmla="*/ 0 h 373"/>
+                <a:gd name="T16" fmla="*/ 0 60000 65536"/>
+                <a:gd name="T17" fmla="*/ 0 60000 65536"/>
+                <a:gd name="T18" fmla="*/ 0 60000 65536"/>
+                <a:gd name="T19" fmla="*/ 0 60000 65536"/>
+                <a:gd name="T20" fmla="*/ 0 60000 65536"/>
+                <a:gd name="T21" fmla="*/ 0 60000 65536"/>
+                <a:gd name="T22" fmla="*/ 0 60000 65536"/>
+                <a:gd name="T23" fmla="*/ 0 60000 65536"/>
+                <a:gd name="T24" fmla="*/ 0 w 367"/>
+                <a:gd name="T25" fmla="*/ 0 h 373"/>
+                <a:gd name="T26" fmla="*/ 367 w 367"/>
+                <a:gd name="T27" fmla="*/ 373 h 373"/>
+              </a:gdLst>
+              <a:ahLst/>
+              <a:cxnLst>
+                <a:cxn ang="T16">
+                  <a:pos x="T0" y="T1"/>
+                </a:cxn>
+                <a:cxn ang="T17">
+                  <a:pos x="T2" y="T3"/>
+                </a:cxn>
+                <a:cxn ang="T18">
+                  <a:pos x="T4" y="T5"/>
+                </a:cxn>
+                <a:cxn ang="T19">
+                  <a:pos x="T6" y="T7"/>
+                </a:cxn>
+                <a:cxn ang="T20">
+                  <a:pos x="T8" y="T9"/>
+                </a:cxn>
+                <a:cxn ang="T21">
+                  <a:pos x="T10" y="T11"/>
+                </a:cxn>
+                <a:cxn ang="T22">
+                  <a:pos x="T12" y="T13"/>
+                </a:cxn>
+                <a:cxn ang="T23">
+                  <a:pos x="T14" y="T15"/>
+                </a:cxn>
+              </a:cxnLst>
+              <a:rect l="T24" t="T25" r="T26" b="T27"/>
+              <a:pathLst>
+                <a:path w="367" h="373">
+                  <a:moveTo>
+                    <a:pt x="181" y="0"/>
+                  </a:moveTo>
+                  <a:cubicBezTo>
+                    <a:pt x="0" y="180"/>
+                    <a:pt x="0" y="180"/>
+                    <a:pt x="0" y="180"/>
+                  </a:cubicBezTo>
+                  <a:cubicBezTo>
+                    <a:pt x="0" y="333"/>
+                    <a:pt x="0" y="333"/>
+                    <a:pt x="0" y="333"/>
+                  </a:cubicBezTo>
+                  <a:cubicBezTo>
+                    <a:pt x="0" y="355"/>
+                    <a:pt x="18" y="373"/>
+                    <a:pt x="40" y="373"/>
+                  </a:cubicBezTo>
+                  <a:cubicBezTo>
+                    <a:pt x="168" y="373"/>
+                    <a:pt x="168" y="373"/>
+                    <a:pt x="168" y="373"/>
+                  </a:cubicBezTo>
+                  <a:cubicBezTo>
+                    <a:pt x="367" y="174"/>
+                    <a:pt x="367" y="174"/>
+                    <a:pt x="367" y="174"/>
+                  </a:cubicBezTo>
+                  <a:cubicBezTo>
+                    <a:pt x="350" y="16"/>
+                    <a:pt x="350" y="16"/>
+                    <a:pt x="350" y="16"/>
+                  </a:cubicBezTo>
+                  <a:cubicBezTo>
+                    <a:pt x="181" y="0"/>
+                    <a:pt x="181" y="0"/>
+                    <a:pt x="181" y="0"/>
+                  </a:cubicBezTo>
+                </a:path>
+              </a:pathLst>
+            </a:custGeom>
+            <a:solidFill>
+              <a:srgbClr val="3B87D5"/>
+            </a:solidFill>
+            <a:ln>
+              <a:noFill/>
+            </a:ln>
+            <a:extLst>
+              <a:ext uri="{91240B29-F687-4F45-9708-019B960494DF}">
+                <a14:hiddenLine xmlns:a14="http://schemas.microsoft.com/office/drawing/2010/main" w="9525">
+                  <a:solidFill>
+                    <a:srgbClr val="000000"/>
+                  </a:solidFill>
+                  <a:bevel/>
+                </a14:hiddenLine>
+              </a:ext>
+            </a:extLst>
+          </p:spPr>
+          <p:txBody>
+            <a:bodyPr/>
+            <a:lstStyle/>
+            <a:p>
+              <a:endParaRPr lang="zh-CN" altLang="en-US"/>
+            </a:p>
+          </p:txBody>
+        </p:sp>
+        <p:sp>
+          <p:nvSpPr>
+            <p:cNvPr id="5132" name="Freeform 41"/>
+            <p:cNvSpPr>
+              <a:spLocks noEditPoints="1" noChangeArrowheads="1"/>
+            </p:cNvSpPr>
+            <p:nvPr/>
+          </p:nvSpPr>
+          <p:spPr bwMode="auto">
+            <a:xfrm>
+              <a:off x="0" y="0"/>
+              <a:ext cx="663575" cy="663575"/>
+            </a:xfrm>
+            <a:custGeom>
+              <a:avLst/>
+              <a:gdLst>
+                <a:gd name="T0" fmla="*/ 2147483647 w 256"/>
+                <a:gd name="T1" fmla="*/ 0 h 256"/>
+                <a:gd name="T2" fmla="*/ 0 w 256"/>
+                <a:gd name="T3" fmla="*/ 2147483647 h 256"/>
+                <a:gd name="T4" fmla="*/ 2147483647 w 256"/>
+                <a:gd name="T5" fmla="*/ 2147483647 h 256"/>
+                <a:gd name="T6" fmla="*/ 2147483647 w 256"/>
+                <a:gd name="T7" fmla="*/ 2147483647 h 256"/>
+                <a:gd name="T8" fmla="*/ 2147483647 w 256"/>
+                <a:gd name="T9" fmla="*/ 0 h 256"/>
+                <a:gd name="T10" fmla="*/ 2147483647 w 256"/>
+                <a:gd name="T11" fmla="*/ 2147483647 h 256"/>
+                <a:gd name="T12" fmla="*/ 2147483647 w 256"/>
+                <a:gd name="T13" fmla="*/ 2147483647 h 256"/>
+                <a:gd name="T14" fmla="*/ 2147483647 w 256"/>
+                <a:gd name="T15" fmla="*/ 2147483647 h 256"/>
+                <a:gd name="T16" fmla="*/ 2147483647 w 256"/>
+                <a:gd name="T17" fmla="*/ 2147483647 h 256"/>
+                <a:gd name="T18" fmla="*/ 2147483647 w 256"/>
+                <a:gd name="T19" fmla="*/ 2147483647 h 256"/>
+                <a:gd name="T20" fmla="*/ 2147483647 w 256"/>
+                <a:gd name="T21" fmla="*/ 2147483647 h 256"/>
+                <a:gd name="T22" fmla="*/ 2147483647 w 256"/>
+                <a:gd name="T23" fmla="*/ 2147483647 h 256"/>
+                <a:gd name="T24" fmla="*/ 2147483647 w 256"/>
+                <a:gd name="T25" fmla="*/ 2147483647 h 256"/>
+                <a:gd name="T26" fmla="*/ 2147483647 w 256"/>
+                <a:gd name="T27" fmla="*/ 2147483647 h 256"/>
+                <a:gd name="T28" fmla="*/ 2147483647 w 256"/>
+                <a:gd name="T29" fmla="*/ 2147483647 h 256"/>
+                <a:gd name="T30" fmla="*/ 2147483647 w 256"/>
+                <a:gd name="T31" fmla="*/ 2147483647 h 256"/>
+                <a:gd name="T32" fmla="*/ 2147483647 w 256"/>
+                <a:gd name="T33" fmla="*/ 2147483647 h 256"/>
+                <a:gd name="T34" fmla="*/ 2147483647 w 256"/>
+                <a:gd name="T35" fmla="*/ 2147483647 h 256"/>
+                <a:gd name="T36" fmla="*/ 2147483647 w 256"/>
+                <a:gd name="T37" fmla="*/ 2147483647 h 256"/>
+                <a:gd name="T38" fmla="*/ 2147483647 w 256"/>
+                <a:gd name="T39" fmla="*/ 2147483647 h 256"/>
+                <a:gd name="T40" fmla="*/ 2147483647 w 256"/>
+                <a:gd name="T41" fmla="*/ 2147483647 h 256"/>
+                <a:gd name="T42" fmla="*/ 2147483647 w 256"/>
+                <a:gd name="T43" fmla="*/ 2147483647 h 256"/>
+                <a:gd name="T44" fmla="*/ 2147483647 w 256"/>
+                <a:gd name="T45" fmla="*/ 2147483647 h 256"/>
+                <a:gd name="T46" fmla="*/ 2147483647 w 256"/>
+                <a:gd name="T47" fmla="*/ 2147483647 h 256"/>
+                <a:gd name="T48" fmla="*/ 2147483647 w 256"/>
+                <a:gd name="T49" fmla="*/ 2147483647 h 256"/>
+                <a:gd name="T50" fmla="*/ 2147483647 w 256"/>
+                <a:gd name="T51" fmla="*/ 2147483647 h 256"/>
+                <a:gd name="T52" fmla="*/ 2147483647 w 256"/>
+                <a:gd name="T53" fmla="*/ 2147483647 h 256"/>
+                <a:gd name="T54" fmla="*/ 2147483647 w 256"/>
+                <a:gd name="T55" fmla="*/ 2147483647 h 256"/>
+                <a:gd name="T56" fmla="*/ 2147483647 w 256"/>
+                <a:gd name="T57" fmla="*/ 2147483647 h 256"/>
+                <a:gd name="T58" fmla="*/ 2147483647 w 256"/>
+                <a:gd name="T59" fmla="*/ 2147483647 h 256"/>
+                <a:gd name="T60" fmla="*/ 2147483647 w 256"/>
+                <a:gd name="T61" fmla="*/ 2147483647 h 256"/>
+                <a:gd name="T62" fmla="*/ 2147483647 w 256"/>
+                <a:gd name="T63" fmla="*/ 2147483647 h 256"/>
+                <a:gd name="T64" fmla="*/ 2147483647 w 256"/>
+                <a:gd name="T65" fmla="*/ 2147483647 h 256"/>
+                <a:gd name="T66" fmla="*/ 2147483647 w 256"/>
+                <a:gd name="T67" fmla="*/ 2147483647 h 256"/>
+                <a:gd name="T68" fmla="*/ 2147483647 w 256"/>
+                <a:gd name="T69" fmla="*/ 2147483647 h 256"/>
+                <a:gd name="T70" fmla="*/ 2147483647 w 256"/>
+                <a:gd name="T71" fmla="*/ 2147483647 h 256"/>
+                <a:gd name="T72" fmla="*/ 2147483647 w 256"/>
+                <a:gd name="T73" fmla="*/ 2147483647 h 256"/>
+                <a:gd name="T74" fmla="*/ 2147483647 w 256"/>
+                <a:gd name="T75" fmla="*/ 2147483647 h 256"/>
+                <a:gd name="T76" fmla="*/ 2147483647 w 256"/>
+                <a:gd name="T77" fmla="*/ 2147483647 h 256"/>
+                <a:gd name="T78" fmla="*/ 2147483647 w 256"/>
+                <a:gd name="T79" fmla="*/ 2147483647 h 256"/>
+                <a:gd name="T80" fmla="*/ 2147483647 w 256"/>
+                <a:gd name="T81" fmla="*/ 2147483647 h 256"/>
+                <a:gd name="T82" fmla="*/ 2147483647 w 256"/>
+                <a:gd name="T83" fmla="*/ 2147483647 h 256"/>
+                <a:gd name="T84" fmla="*/ 0 60000 65536"/>
+                <a:gd name="T85" fmla="*/ 0 60000 65536"/>
+                <a:gd name="T86" fmla="*/ 0 60000 65536"/>
+                <a:gd name="T87" fmla="*/ 0 60000 65536"/>
+                <a:gd name="T88" fmla="*/ 0 60000 65536"/>
+                <a:gd name="T89" fmla="*/ 0 60000 65536"/>
+                <a:gd name="T90" fmla="*/ 0 60000 65536"/>
+                <a:gd name="T91" fmla="*/ 0 60000 65536"/>
+                <a:gd name="T92" fmla="*/ 0 60000 65536"/>
+                <a:gd name="T93" fmla="*/ 0 60000 65536"/>
+                <a:gd name="T94" fmla="*/ 0 60000 65536"/>
+                <a:gd name="T95" fmla="*/ 0 60000 65536"/>
+                <a:gd name="T96" fmla="*/ 0 60000 65536"/>
+                <a:gd name="T97" fmla="*/ 0 60000 65536"/>
+                <a:gd name="T98" fmla="*/ 0 60000 65536"/>
+                <a:gd name="T99" fmla="*/ 0 60000 65536"/>
+                <a:gd name="T100" fmla="*/ 0 60000 65536"/>
+                <a:gd name="T101" fmla="*/ 0 60000 65536"/>
+                <a:gd name="T102" fmla="*/ 0 60000 65536"/>
+                <a:gd name="T103" fmla="*/ 0 60000 65536"/>
+                <a:gd name="T104" fmla="*/ 0 60000 65536"/>
+                <a:gd name="T105" fmla="*/ 0 60000 65536"/>
+                <a:gd name="T106" fmla="*/ 0 60000 65536"/>
+                <a:gd name="T107" fmla="*/ 0 60000 65536"/>
+                <a:gd name="T108" fmla="*/ 0 60000 65536"/>
+                <a:gd name="T109" fmla="*/ 0 60000 65536"/>
+                <a:gd name="T110" fmla="*/ 0 60000 65536"/>
+                <a:gd name="T111" fmla="*/ 0 60000 65536"/>
+                <a:gd name="T112" fmla="*/ 0 60000 65536"/>
+                <a:gd name="T113" fmla="*/ 0 60000 65536"/>
+                <a:gd name="T114" fmla="*/ 0 60000 65536"/>
+                <a:gd name="T115" fmla="*/ 0 60000 65536"/>
+                <a:gd name="T116" fmla="*/ 0 60000 65536"/>
+                <a:gd name="T117" fmla="*/ 0 60000 65536"/>
+                <a:gd name="T118" fmla="*/ 0 60000 65536"/>
+                <a:gd name="T119" fmla="*/ 0 60000 65536"/>
+                <a:gd name="T120" fmla="*/ 0 60000 65536"/>
+                <a:gd name="T121" fmla="*/ 0 60000 65536"/>
+                <a:gd name="T122" fmla="*/ 0 60000 65536"/>
+                <a:gd name="T123" fmla="*/ 0 60000 65536"/>
+                <a:gd name="T124" fmla="*/ 0 60000 65536"/>
+                <a:gd name="T125" fmla="*/ 0 60000 65536"/>
+                <a:gd name="T126" fmla="*/ 0 w 256"/>
+                <a:gd name="T127" fmla="*/ 0 h 256"/>
+                <a:gd name="T128" fmla="*/ 256 w 256"/>
+                <a:gd name="T129" fmla="*/ 256 h 256"/>
+              </a:gdLst>
+              <a:ahLst/>
+              <a:cxnLst>
+                <a:cxn ang="T84">
+                  <a:pos x="T0" y="T1"/>
+                </a:cxn>
+                <a:cxn ang="T85">
+                  <a:pos x="T2" y="T3"/>
+                </a:cxn>
+                <a:cxn ang="T86">
+                  <a:pos x="T4" y="T5"/>
+                </a:cxn>
+                <a:cxn ang="T87">
+                  <a:pos x="T6" y="T7"/>
+                </a:cxn>
+                <a:cxn ang="T88">
+                  <a:pos x="T8" y="T9"/>
+                </a:cxn>
+                <a:cxn ang="T89">
+                  <a:pos x="T10" y="T11"/>
+                </a:cxn>
+                <a:cxn ang="T90">
+                  <a:pos x="T12" y="T13"/>
+                </a:cxn>
+                <a:cxn ang="T91">
+                  <a:pos x="T14" y="T15"/>
+                </a:cxn>
+                <a:cxn ang="T92">
+                  <a:pos x="T16" y="T17"/>
+                </a:cxn>
+                <a:cxn ang="T93">
+                  <a:pos x="T18" y="T19"/>
+                </a:cxn>
+                <a:cxn ang="T94">
+                  <a:pos x="T20" y="T21"/>
+                </a:cxn>
+                <a:cxn ang="T95">
+                  <a:pos x="T22" y="T23"/>
+                </a:cxn>
+                <a:cxn ang="T96">
+                  <a:pos x="T24" y="T25"/>
+                </a:cxn>
+                <a:cxn ang="T97">
+                  <a:pos x="T26" y="T27"/>
+                </a:cxn>
+                <a:cxn ang="T98">
+                  <a:pos x="T28" y="T29"/>
+                </a:cxn>
+                <a:cxn ang="T99">
+                  <a:pos x="T30" y="T31"/>
+                </a:cxn>
+                <a:cxn ang="T100">
+                  <a:pos x="T32" y="T33"/>
+                </a:cxn>
+                <a:cxn ang="T101">
+                  <a:pos x="T34" y="T35"/>
+                </a:cxn>
+                <a:cxn ang="T102">
+                  <a:pos x="T36" y="T37"/>
+                </a:cxn>
+                <a:cxn ang="T103">
+                  <a:pos x="T38" y="T39"/>
+                </a:cxn>
+                <a:cxn ang="T104">
+                  <a:pos x="T40" y="T41"/>
+                </a:cxn>
+                <a:cxn ang="T105">
+                  <a:pos x="T42" y="T43"/>
+                </a:cxn>
+                <a:cxn ang="T106">
+                  <a:pos x="T44" y="T45"/>
+                </a:cxn>
+                <a:cxn ang="T107">
+                  <a:pos x="T46" y="T47"/>
+                </a:cxn>
+                <a:cxn ang="T108">
+                  <a:pos x="T48" y="T49"/>
+                </a:cxn>
+                <a:cxn ang="T109">
+                  <a:pos x="T50" y="T51"/>
+                </a:cxn>
+                <a:cxn ang="T110">
+                  <a:pos x="T52" y="T53"/>
+                </a:cxn>
+                <a:cxn ang="T111">
+                  <a:pos x="T54" y="T55"/>
+                </a:cxn>
+                <a:cxn ang="T112">
+                  <a:pos x="T56" y="T57"/>
+                </a:cxn>
+                <a:cxn ang="T113">
+                  <a:pos x="T58" y="T59"/>
+                </a:cxn>
+                <a:cxn ang="T114">
+                  <a:pos x="T60" y="T61"/>
+                </a:cxn>
+                <a:cxn ang="T115">
+                  <a:pos x="T62" y="T63"/>
+                </a:cxn>
+                <a:cxn ang="T116">
+                  <a:pos x="T64" y="T65"/>
+                </a:cxn>
+                <a:cxn ang="T117">
+                  <a:pos x="T66" y="T67"/>
+                </a:cxn>
+                <a:cxn ang="T118">
+                  <a:pos x="T68" y="T69"/>
+                </a:cxn>
+                <a:cxn ang="T119">
+                  <a:pos x="T70" y="T71"/>
+                </a:cxn>
+                <a:cxn ang="T120">
+                  <a:pos x="T72" y="T73"/>
+                </a:cxn>
+                <a:cxn ang="T121">
+                  <a:pos x="T74" y="T75"/>
+                </a:cxn>
+                <a:cxn ang="T122">
+                  <a:pos x="T76" y="T77"/>
+                </a:cxn>
+                <a:cxn ang="T123">
+                  <a:pos x="T78" y="T79"/>
+                </a:cxn>
+                <a:cxn ang="T124">
+                  <a:pos x="T80" y="T81"/>
+                </a:cxn>
+                <a:cxn ang="T125">
+                  <a:pos x="T82" y="T83"/>
+                </a:cxn>
+              </a:cxnLst>
+              <a:rect l="T126" t="T127" r="T128" b="T129"/>
+              <a:pathLst>
+                <a:path w="256" h="256">
+                  <a:moveTo>
+                    <a:pt x="128" y="0"/>
+                  </a:moveTo>
+                  <a:cubicBezTo>
+                    <a:pt x="57" y="0"/>
+                    <a:pt x="0" y="57"/>
+                    <a:pt x="0" y="128"/>
+                  </a:cubicBezTo>
+                  <a:cubicBezTo>
+                    <a:pt x="0" y="199"/>
+                    <a:pt x="57" y="256"/>
+                    <a:pt x="128" y="256"/>
+                  </a:cubicBezTo>
+                  <a:cubicBezTo>
+                    <a:pt x="199" y="256"/>
+                    <a:pt x="256" y="199"/>
+                    <a:pt x="256" y="128"/>
+                  </a:cubicBezTo>
+                  <a:cubicBezTo>
+                    <a:pt x="256" y="57"/>
+                    <a:pt x="199" y="0"/>
+                    <a:pt x="128" y="0"/>
+                  </a:cubicBezTo>
+                  <a:close/>
+                  <a:moveTo>
+                    <a:pt x="135" y="200"/>
+                  </a:moveTo>
+                  <a:cubicBezTo>
+                    <a:pt x="119" y="200"/>
+                    <a:pt x="119" y="200"/>
+                    <a:pt x="119" y="200"/>
+                  </a:cubicBezTo>
+                  <a:cubicBezTo>
+                    <a:pt x="115" y="200"/>
+                    <a:pt x="112" y="196"/>
+                    <a:pt x="112" y="192"/>
+                  </a:cubicBezTo>
+                  <a:cubicBezTo>
+                    <a:pt x="111" y="176"/>
+                    <a:pt x="111" y="176"/>
+                    <a:pt x="111" y="176"/>
+                  </a:cubicBezTo>
+                  <a:cubicBezTo>
+                    <a:pt x="111" y="171"/>
+                    <a:pt x="115" y="168"/>
+                    <a:pt x="119" y="168"/>
+                  </a:cubicBezTo>
+                  <a:cubicBezTo>
+                    <a:pt x="135" y="168"/>
+                    <a:pt x="135" y="168"/>
+                    <a:pt x="135" y="168"/>
+                  </a:cubicBezTo>
+                  <a:cubicBezTo>
+                    <a:pt x="140" y="168"/>
+                    <a:pt x="143" y="172"/>
+                    <a:pt x="143" y="176"/>
+                  </a:cubicBezTo>
+                  <a:cubicBezTo>
+                    <a:pt x="144" y="192"/>
+                    <a:pt x="144" y="192"/>
+                    <a:pt x="144" y="192"/>
+                  </a:cubicBezTo>
+                  <a:cubicBezTo>
+                    <a:pt x="144" y="196"/>
+                    <a:pt x="140" y="200"/>
+                    <a:pt x="135" y="200"/>
+                  </a:cubicBezTo>
+                  <a:close/>
+                  <a:moveTo>
+                    <a:pt x="170" y="109"/>
+                  </a:moveTo>
+                  <a:cubicBezTo>
+                    <a:pt x="167" y="114"/>
+                    <a:pt x="162" y="119"/>
+                    <a:pt x="154" y="125"/>
+                  </a:cubicBezTo>
+                  <a:cubicBezTo>
+                    <a:pt x="148" y="130"/>
+                    <a:pt x="146" y="132"/>
+                    <a:pt x="145" y="132"/>
+                  </a:cubicBezTo>
+                  <a:cubicBezTo>
+                    <a:pt x="145" y="133"/>
+                    <a:pt x="144" y="134"/>
+                    <a:pt x="144" y="135"/>
+                  </a:cubicBezTo>
+                  <a:cubicBezTo>
+                    <a:pt x="143" y="136"/>
+                    <a:pt x="143" y="138"/>
+                    <a:pt x="143" y="144"/>
+                  </a:cubicBezTo>
+                  <a:cubicBezTo>
+                    <a:pt x="143" y="149"/>
+                    <a:pt x="139" y="152"/>
+                    <a:pt x="135" y="152"/>
+                  </a:cubicBezTo>
+                  <a:cubicBezTo>
+                    <a:pt x="120" y="152"/>
+                    <a:pt x="120" y="152"/>
+                    <a:pt x="120" y="152"/>
+                  </a:cubicBezTo>
+                  <a:cubicBezTo>
+                    <a:pt x="116" y="152"/>
+                    <a:pt x="112" y="149"/>
+                    <a:pt x="112" y="144"/>
+                  </a:cubicBezTo>
+                  <a:cubicBezTo>
+                    <a:pt x="112" y="140"/>
+                    <a:pt x="112" y="140"/>
+                    <a:pt x="112" y="140"/>
+                  </a:cubicBezTo>
+                  <a:cubicBezTo>
+                    <a:pt x="112" y="134"/>
+                    <a:pt x="113" y="129"/>
+                    <a:pt x="115" y="124"/>
+                  </a:cubicBezTo>
+                  <a:cubicBezTo>
+                    <a:pt x="117" y="120"/>
+                    <a:pt x="119" y="117"/>
+                    <a:pt x="123" y="113"/>
+                  </a:cubicBezTo>
+                  <a:cubicBezTo>
+                    <a:pt x="125" y="111"/>
+                    <a:pt x="129" y="108"/>
+                    <a:pt x="134" y="104"/>
+                  </a:cubicBezTo>
+                  <a:cubicBezTo>
+                    <a:pt x="141" y="99"/>
+                    <a:pt x="142" y="97"/>
+                    <a:pt x="143" y="96"/>
+                  </a:cubicBezTo>
+                  <a:cubicBezTo>
+                    <a:pt x="144" y="95"/>
+                    <a:pt x="144" y="94"/>
+                    <a:pt x="144" y="93"/>
+                  </a:cubicBezTo>
+                  <a:cubicBezTo>
+                    <a:pt x="144" y="92"/>
+                    <a:pt x="143" y="89"/>
+                    <a:pt x="140" y="86"/>
+                  </a:cubicBezTo>
+                  <a:cubicBezTo>
+                    <a:pt x="137" y="84"/>
+                    <a:pt x="132" y="83"/>
+                    <a:pt x="128" y="83"/>
+                  </a:cubicBezTo>
+                  <a:cubicBezTo>
+                    <a:pt x="124" y="83"/>
+                    <a:pt x="120" y="84"/>
+                    <a:pt x="117" y="86"/>
+                  </a:cubicBezTo>
+                  <a:cubicBezTo>
+                    <a:pt x="114" y="88"/>
+                    <a:pt x="112" y="92"/>
+                    <a:pt x="111" y="97"/>
+                  </a:cubicBezTo>
+                  <a:cubicBezTo>
+                    <a:pt x="111" y="101"/>
+                    <a:pt x="107" y="104"/>
+                    <a:pt x="103" y="104"/>
+                  </a:cubicBezTo>
+                  <a:cubicBezTo>
+                    <a:pt x="103" y="104"/>
+                    <a:pt x="103" y="104"/>
+                    <a:pt x="103" y="104"/>
+                  </a:cubicBezTo>
+                  <a:cubicBezTo>
+                    <a:pt x="87" y="102"/>
+                    <a:pt x="87" y="102"/>
+                    <a:pt x="87" y="102"/>
+                  </a:cubicBezTo>
+                  <a:cubicBezTo>
+                    <a:pt x="85" y="102"/>
+                    <a:pt x="83" y="101"/>
+                    <a:pt x="81" y="99"/>
+                  </a:cubicBezTo>
+                  <a:cubicBezTo>
+                    <a:pt x="80" y="97"/>
+                    <a:pt x="79" y="95"/>
+                    <a:pt x="80" y="93"/>
+                  </a:cubicBezTo>
+                  <a:cubicBezTo>
+                    <a:pt x="82" y="81"/>
+                    <a:pt x="87" y="72"/>
+                    <a:pt x="95" y="66"/>
+                  </a:cubicBezTo>
+                  <a:cubicBezTo>
+                    <a:pt x="104" y="59"/>
+                    <a:pt x="115" y="56"/>
+                    <a:pt x="128" y="56"/>
+                  </a:cubicBezTo>
+                  <a:cubicBezTo>
+                    <a:pt x="142" y="56"/>
+                    <a:pt x="153" y="60"/>
+                    <a:pt x="162" y="66"/>
+                  </a:cubicBezTo>
+                  <a:cubicBezTo>
+                    <a:pt x="171" y="73"/>
+                    <a:pt x="176" y="82"/>
+                    <a:pt x="176" y="92"/>
+                  </a:cubicBezTo>
+                  <a:cubicBezTo>
+                    <a:pt x="176" y="99"/>
+                    <a:pt x="174" y="104"/>
+                    <a:pt x="170" y="109"/>
+                  </a:cubicBezTo>
+                  <a:close/>
+                </a:path>
+              </a:pathLst>
+            </a:custGeom>
+            <a:solidFill>
+              <a:srgbClr val="FFFFFF"/>
+            </a:solidFill>
+            <a:ln>
+              <a:noFill/>
+            </a:ln>
+            <a:extLst>
+              <a:ext uri="{91240B29-F687-4F45-9708-019B960494DF}">
+                <a14:hiddenLine xmlns:a14="http://schemas.microsoft.com/office/drawing/2010/main" w="9525">
+                  <a:solidFill>
+                    <a:srgbClr val="000000"/>
+                  </a:solidFill>
+                  <a:bevel/>
+                </a14:hiddenLine>
+              </a:ext>
+            </a:extLst>
+          </p:spPr>
+          <p:txBody>
+            <a:bodyPr/>
+            <a:lstStyle/>
+            <a:p>
+              <a:endParaRPr lang="zh-CN" altLang="en-US"/>
+            </a:p>
+          </p:txBody>
+        </p:sp>
+      </p:grpSp>
+      <p:sp>
+        <p:nvSpPr>
+          <p:cNvPr id="5130" name="直接连接符 26"/>
+          <p:cNvSpPr>
+            <a:spLocks noChangeShapeType="1"/>
+          </p:cNvSpPr>
+          <p:nvPr/>
+        </p:nvSpPr>
+        <p:spPr bwMode="auto">
+          <a:xfrm flipH="1" flipV="1">
+            <a:off x="11350625" y="107950"/>
+            <a:ext cx="0" cy="633413"/>
+          </a:xfrm>
+          <a:prstGeom prst="line">
+            <a:avLst/>
+          </a:prstGeom>
+          <a:noFill/>
+          <a:ln w="28575">
+            <a:solidFill>
+              <a:schemeClr val="bg1"/>
+            </a:solidFill>
+            <a:bevel/>
+          </a:ln>
+          <a:extLst>
+            <a:ext uri="{909E8E84-426E-40DD-AFC4-6F175D3DCCD1}">
+              <a14:hiddenFill xmlns:a14="http://schemas.microsoft.com/office/drawing/2010/main">
+                <a:noFill/>
+              </a14:hiddenFill>
+            </a:ext>
+          </a:extLst>
+        </p:spPr>
+        <p:txBody>
+          <a:bodyPr/>
+          <a:lstStyle/>
+          <a:p>
+            <a:endParaRPr lang="zh-CN" altLang="en-US"/>
+          </a:p>
+        </p:txBody>
+      </p:sp>
+      <p:sp>
+        <p:nvSpPr>
+          <p:cNvPr id="3" name="文本框 2"/>
+          <p:cNvSpPr txBox="1"/>
+          <p:nvPr/>
+        </p:nvSpPr>
+        <p:spPr>
+          <a:xfrm>
+            <a:off x="926123" y="905284"/>
+            <a:ext cx="2121877" cy="369332"/>
+          </a:xfrm>
+          <a:prstGeom prst="rect">
+            <a:avLst/>
+          </a:prstGeom>
+          <a:noFill/>
+        </p:spPr>
+        <p:txBody>
+          <a:bodyPr wrap="square" rtlCol="0">
+            <a:spAutoFit/>
+          </a:bodyPr>
+          <a:lstStyle/>
+          <a:p>
+            <a:r>
+              <a:rPr lang="en-US" altLang="zh-CN" b="1" smtClean="0"/>
+              <a:t>Rewards</a:t>
+            </a:r>
+            <a:endParaRPr lang="en-US" altLang="zh-CN" b="1"/>
+          </a:p>
+        </p:txBody>
+      </p:sp>
+      <p:pic>
+        <p:nvPicPr>
+          <p:cNvPr id="2" name="图片 1"/>
+          <p:cNvPicPr>
+            <a:picLocks noChangeAspect="1"/>
+          </p:cNvPicPr>
+          <p:nvPr/>
+        </p:nvPicPr>
+        <p:blipFill>
+          <a:blip r:embed="rId4"/>
+          <a:stretch>
+            <a:fillRect/>
+          </a:stretch>
+        </p:blipFill>
+        <p:spPr>
+          <a:xfrm>
+            <a:off x="3572189" y="1418977"/>
+            <a:ext cx="5047619" cy="952381"/>
+          </a:xfrm>
+          <a:prstGeom prst="rect">
+            <a:avLst/>
+          </a:prstGeom>
+        </p:spPr>
+      </p:pic>
+      <p:pic>
+        <p:nvPicPr>
+          <p:cNvPr id="7" name="图片 6"/>
+          <p:cNvPicPr>
+            <a:picLocks noChangeAspect="1"/>
+          </p:cNvPicPr>
+          <p:nvPr/>
+        </p:nvPicPr>
+        <p:blipFill>
+          <a:blip r:embed="rId5"/>
+          <a:stretch>
+            <a:fillRect/>
+          </a:stretch>
+        </p:blipFill>
+        <p:spPr>
+          <a:xfrm>
+            <a:off x="2167424" y="2696814"/>
+            <a:ext cx="5047619" cy="952381"/>
+          </a:xfrm>
+          <a:prstGeom prst="rect">
+            <a:avLst/>
+          </a:prstGeom>
+        </p:spPr>
+      </p:pic>
+      <p:sp>
+        <p:nvSpPr>
+          <p:cNvPr id="5" name="矩形 4"/>
+          <p:cNvSpPr/>
+          <p:nvPr/>
+        </p:nvSpPr>
+        <p:spPr>
+          <a:xfrm>
+            <a:off x="6511609" y="2941941"/>
+            <a:ext cx="4788490" cy="369332"/>
+          </a:xfrm>
+          <a:prstGeom prst="rect">
+            <a:avLst/>
+          </a:prstGeom>
+        </p:spPr>
+        <p:txBody>
+          <a:bodyPr wrap="none">
+            <a:spAutoFit/>
+          </a:bodyPr>
+          <a:lstStyle/>
+          <a:p>
+            <a:r>
+              <a:rPr lang="zh-CN" altLang="en-US" smtClean="0">
+                <a:solidFill>
+                  <a:srgbClr val="2E3033"/>
+                </a:solidFill>
+              </a:rPr>
+              <a:t>系统期望</a:t>
+            </a:r>
+            <a:r>
+              <a:rPr lang="zh-CN" altLang="en-US" smtClean="0">
+                <a:solidFill>
+                  <a:srgbClr val="2E3033"/>
+                </a:solidFill>
+              </a:rPr>
+              <a:t>成本，</a:t>
+            </a:r>
+            <a:r>
+              <a:rPr lang="zh-CN" altLang="en-US"/>
+              <a:t>表示</a:t>
+            </a:r>
+            <a:r>
+              <a:rPr lang="en-US" altLang="zh-CN"/>
+              <a:t>RUs</a:t>
+            </a:r>
+            <a:r>
+              <a:rPr lang="zh-CN" altLang="en-US"/>
+              <a:t>处理服务产生的成本</a:t>
+            </a:r>
+            <a:endParaRPr lang="zh-CN" altLang="en-US"/>
+          </a:p>
+        </p:txBody>
+      </p:sp>
+      <p:pic>
+        <p:nvPicPr>
+          <p:cNvPr id="8" name="图片 7"/>
+          <p:cNvPicPr>
+            <a:picLocks noChangeAspect="1"/>
+          </p:cNvPicPr>
+          <p:nvPr/>
+        </p:nvPicPr>
+        <p:blipFill>
+          <a:blip r:embed="rId6"/>
+          <a:stretch>
+            <a:fillRect/>
+          </a:stretch>
+        </p:blipFill>
+        <p:spPr>
+          <a:xfrm>
+            <a:off x="1463990" y="3778309"/>
+            <a:ext cx="5047619" cy="952381"/>
+          </a:xfrm>
+          <a:prstGeom prst="rect">
+            <a:avLst/>
+          </a:prstGeom>
+        </p:spPr>
+      </p:pic>
+      <p:sp>
+        <p:nvSpPr>
+          <p:cNvPr id="9" name="文本框 8"/>
+          <p:cNvSpPr txBox="1"/>
+          <p:nvPr/>
+        </p:nvSpPr>
+        <p:spPr>
+          <a:xfrm>
+            <a:off x="4691234" y="3974651"/>
+            <a:ext cx="4156177" cy="369332"/>
+          </a:xfrm>
+          <a:prstGeom prst="rect">
+            <a:avLst/>
+          </a:prstGeom>
+          <a:noFill/>
+        </p:spPr>
+        <p:txBody>
+          <a:bodyPr wrap="square" rtlCol="0">
+            <a:spAutoFit/>
+          </a:bodyPr>
+          <a:lstStyle/>
+          <a:p>
+            <a:r>
+              <a:rPr lang="zh-CN" altLang="en-US" smtClean="0"/>
+              <a:t>当前状态到下一个状态期望服务时间</a:t>
+            </a:r>
+            <a:endParaRPr lang="zh-CN" altLang="en-US"/>
+          </a:p>
+        </p:txBody>
+      </p:sp>
+      <p:pic>
+        <p:nvPicPr>
+          <p:cNvPr id="12" name="图片 11"/>
+          <p:cNvPicPr>
+            <a:picLocks noChangeAspect="1"/>
+          </p:cNvPicPr>
+          <p:nvPr/>
+        </p:nvPicPr>
+        <p:blipFill>
+          <a:blip r:embed="rId7"/>
+          <a:stretch>
+            <a:fillRect/>
+          </a:stretch>
+        </p:blipFill>
+        <p:spPr>
+          <a:xfrm>
+            <a:off x="2319396" y="4799276"/>
+            <a:ext cx="5047619" cy="1333333"/>
+          </a:xfrm>
+          <a:prstGeom prst="rect">
+            <a:avLst/>
+          </a:prstGeom>
+        </p:spPr>
+      </p:pic>
+      <p:sp>
+        <p:nvSpPr>
+          <p:cNvPr id="13" name="文本框 12"/>
+          <p:cNvSpPr txBox="1"/>
+          <p:nvPr/>
+        </p:nvSpPr>
+        <p:spPr>
+          <a:xfrm>
+            <a:off x="6095997" y="5301407"/>
+            <a:ext cx="5204101" cy="369332"/>
+          </a:xfrm>
+          <a:prstGeom prst="rect">
+            <a:avLst/>
+          </a:prstGeom>
+          <a:noFill/>
+        </p:spPr>
+        <p:txBody>
+          <a:bodyPr wrap="square" rtlCol="0">
+            <a:spAutoFit/>
+          </a:bodyPr>
+          <a:lstStyle/>
+          <a:p>
+            <a:r>
+              <a:rPr lang="zh-CN" altLang="en-US" smtClean="0"/>
+              <a:t>在状态</a:t>
+            </a:r>
+            <a:r>
+              <a:rPr lang="en-US" altLang="zh-CN" smtClean="0"/>
+              <a:t>s</a:t>
+            </a:r>
+            <a:r>
+              <a:rPr lang="zh-CN" altLang="en-US" smtClean="0"/>
+              <a:t>下执行</a:t>
+            </a:r>
+            <a:r>
+              <a:rPr lang="en-US" altLang="zh-CN" smtClean="0"/>
+              <a:t>a</a:t>
+            </a:r>
+            <a:r>
+              <a:rPr lang="zh-CN" altLang="en-US" smtClean="0"/>
+              <a:t>成本</a:t>
+            </a:r>
+            <a:r>
+              <a:rPr lang="zh-CN" altLang="en-US" smtClean="0"/>
+              <a:t>率，有多少</a:t>
+            </a:r>
+            <a:r>
+              <a:rPr lang="en-US" altLang="zh-CN" smtClean="0"/>
+              <a:t>Rus</a:t>
+            </a:r>
+            <a:r>
+              <a:rPr lang="zh-CN" altLang="en-US" smtClean="0"/>
+              <a:t>正在服务</a:t>
+            </a:r>
+            <a:endParaRPr lang="zh-CN" altLang="en-US"/>
+          </a:p>
+        </p:txBody>
+      </p:sp>
+    </p:spTree>
+    <p:extLst>
+      <p:ext uri="{BB962C8B-B14F-4D97-AF65-F5344CB8AC3E}">
+        <p14:creationId xmlns:p14="http://schemas.microsoft.com/office/powerpoint/2010/main" val="19351381"/>
       </p:ext>
     </p:extLst>
   </p:cSld>
